--- a/I2D/ETLV1 Diapo 1.pptx
+++ b/I2D/ETLV1 Diapo 1.pptx
@@ -4,6 +4,9 @@
   <p:sldMasterIdLst>
     <p:sldMasterId id="2147483648" r:id="rId1"/>
   </p:sldMasterIdLst>
+  <p:notesMasterIdLst>
+    <p:notesMasterId r:id="rId18"/>
+  </p:notesMasterIdLst>
   <p:sldIdLst>
     <p:sldId id="256" r:id="rId2"/>
     <p:sldId id="263" r:id="rId3"/>
@@ -19,8 +22,8 @@
     <p:sldId id="272" r:id="rId13"/>
     <p:sldId id="273" r:id="rId14"/>
     <p:sldId id="265" r:id="rId15"/>
-    <p:sldId id="270" r:id="rId16"/>
-    <p:sldId id="274" r:id="rId17"/>
+    <p:sldId id="274" r:id="rId16"/>
+    <p:sldId id="270" r:id="rId17"/>
   </p:sldIdLst>
   <p:sldSz cx="12192000" cy="6858000"/>
   <p:notesSz cx="6858000" cy="9144000"/>
@@ -127,6 +130,1756 @@
 </p:presentation>
 </file>
 
+<file path=ppt/notesMasters/notesMaster1.xml><?xml version="1.0" encoding="utf-8"?>
+<p:notesMaster xmlns:a="http://schemas.openxmlformats.org/drawingml/2006/main" xmlns:r="http://schemas.openxmlformats.org/officeDocument/2006/relationships" xmlns:p="http://schemas.openxmlformats.org/presentationml/2006/main">
+  <p:cSld>
+    <p:bg>
+      <p:bgRef idx="1001">
+        <a:schemeClr val="bg1"/>
+      </p:bgRef>
+    </p:bg>
+    <p:spTree>
+      <p:nvGrpSpPr>
+        <p:cNvPr id="1" name=""/>
+        <p:cNvGrpSpPr/>
+        <p:nvPr/>
+      </p:nvGrpSpPr>
+      <p:grpSpPr>
+        <a:xfrm>
+          <a:off x="0" y="0"/>
+          <a:ext cx="0" cy="0"/>
+          <a:chOff x="0" y="0"/>
+          <a:chExt cx="0" cy="0"/>
+        </a:xfrm>
+      </p:grpSpPr>
+      <p:sp>
+        <p:nvSpPr>
+          <p:cNvPr id="2" name="Espace réservé de l'en-tête 1"/>
+          <p:cNvSpPr>
+            <a:spLocks noGrp="1"/>
+          </p:cNvSpPr>
+          <p:nvPr>
+            <p:ph type="hdr" sz="quarter"/>
+          </p:nvPr>
+        </p:nvSpPr>
+        <p:spPr>
+          <a:xfrm>
+            <a:off x="0" y="0"/>
+            <a:ext cx="2971800" cy="458788"/>
+          </a:xfrm>
+          <a:prstGeom prst="rect">
+            <a:avLst/>
+          </a:prstGeom>
+        </p:spPr>
+        <p:txBody>
+          <a:bodyPr vert="horz" lIns="91440" tIns="45720" rIns="91440" bIns="45720" rtlCol="0"/>
+          <a:lstStyle>
+            <a:lvl1pPr algn="l">
+              <a:defRPr sz="1200"/>
+            </a:lvl1pPr>
+          </a:lstStyle>
+          <a:p>
+            <a:endParaRPr lang="fr-FR"/>
+          </a:p>
+        </p:txBody>
+      </p:sp>
+      <p:sp>
+        <p:nvSpPr>
+          <p:cNvPr id="3" name="Espace réservé de la date 2"/>
+          <p:cNvSpPr>
+            <a:spLocks noGrp="1"/>
+          </p:cNvSpPr>
+          <p:nvPr>
+            <p:ph type="dt" idx="1"/>
+          </p:nvPr>
+        </p:nvSpPr>
+        <p:spPr>
+          <a:xfrm>
+            <a:off x="3884613" y="0"/>
+            <a:ext cx="2971800" cy="458788"/>
+          </a:xfrm>
+          <a:prstGeom prst="rect">
+            <a:avLst/>
+          </a:prstGeom>
+        </p:spPr>
+        <p:txBody>
+          <a:bodyPr vert="horz" lIns="91440" tIns="45720" rIns="91440" bIns="45720" rtlCol="0"/>
+          <a:lstStyle>
+            <a:lvl1pPr algn="r">
+              <a:defRPr sz="1200"/>
+            </a:lvl1pPr>
+          </a:lstStyle>
+          <a:p>
+            <a:fld id="{04970AC2-6E9D-4E6A-B571-1FA96B75F7C8}" type="datetimeFigureOut">
+              <a:rPr lang="fr-FR" smtClean="0"/>
+              <a:t>09/10/2020</a:t>
+            </a:fld>
+            <a:endParaRPr lang="fr-FR"/>
+          </a:p>
+        </p:txBody>
+      </p:sp>
+      <p:sp>
+        <p:nvSpPr>
+          <p:cNvPr id="4" name="Espace réservé de l'image des diapositives 3"/>
+          <p:cNvSpPr>
+            <a:spLocks noGrp="1" noRot="1" noChangeAspect="1"/>
+          </p:cNvSpPr>
+          <p:nvPr>
+            <p:ph type="sldImg" idx="2"/>
+          </p:nvPr>
+        </p:nvSpPr>
+        <p:spPr>
+          <a:xfrm>
+            <a:off x="685800" y="1143000"/>
+            <a:ext cx="5486400" cy="3086100"/>
+          </a:xfrm>
+          <a:prstGeom prst="rect">
+            <a:avLst/>
+          </a:prstGeom>
+          <a:noFill/>
+          <a:ln w="12700">
+            <a:solidFill>
+              <a:prstClr val="black"/>
+            </a:solidFill>
+          </a:ln>
+        </p:spPr>
+        <p:txBody>
+          <a:bodyPr vert="horz" lIns="91440" tIns="45720" rIns="91440" bIns="45720" rtlCol="0" anchor="ctr"/>
+          <a:lstStyle/>
+          <a:p>
+            <a:endParaRPr lang="fr-FR"/>
+          </a:p>
+        </p:txBody>
+      </p:sp>
+      <p:sp>
+        <p:nvSpPr>
+          <p:cNvPr id="5" name="Espace réservé des notes 4"/>
+          <p:cNvSpPr>
+            <a:spLocks noGrp="1"/>
+          </p:cNvSpPr>
+          <p:nvPr>
+            <p:ph type="body" sz="quarter" idx="3"/>
+          </p:nvPr>
+        </p:nvSpPr>
+        <p:spPr>
+          <a:xfrm>
+            <a:off x="685800" y="4400550"/>
+            <a:ext cx="5486400" cy="3600450"/>
+          </a:xfrm>
+          <a:prstGeom prst="rect">
+            <a:avLst/>
+          </a:prstGeom>
+        </p:spPr>
+        <p:txBody>
+          <a:bodyPr vert="horz" lIns="91440" tIns="45720" rIns="91440" bIns="45720" rtlCol="0"/>
+          <a:lstStyle/>
+          <a:p>
+            <a:pPr lvl="0"/>
+            <a:r>
+              <a:rPr lang="fr-FR"/>
+              <a:t>Cliquez pour modifier les styles du texte du masque</a:t>
+            </a:r>
+          </a:p>
+          <a:p>
+            <a:pPr lvl="1"/>
+            <a:r>
+              <a:rPr lang="fr-FR"/>
+              <a:t>Deuxième niveau</a:t>
+            </a:r>
+          </a:p>
+          <a:p>
+            <a:pPr lvl="2"/>
+            <a:r>
+              <a:rPr lang="fr-FR"/>
+              <a:t>Troisième niveau</a:t>
+            </a:r>
+          </a:p>
+          <a:p>
+            <a:pPr lvl="3"/>
+            <a:r>
+              <a:rPr lang="fr-FR"/>
+              <a:t>Quatrième niveau</a:t>
+            </a:r>
+          </a:p>
+          <a:p>
+            <a:pPr lvl="4"/>
+            <a:r>
+              <a:rPr lang="fr-FR"/>
+              <a:t>Cinquième niveau</a:t>
+            </a:r>
+          </a:p>
+        </p:txBody>
+      </p:sp>
+      <p:sp>
+        <p:nvSpPr>
+          <p:cNvPr id="6" name="Espace réservé du pied de page 5"/>
+          <p:cNvSpPr>
+            <a:spLocks noGrp="1"/>
+          </p:cNvSpPr>
+          <p:nvPr>
+            <p:ph type="ftr" sz="quarter" idx="4"/>
+          </p:nvPr>
+        </p:nvSpPr>
+        <p:spPr>
+          <a:xfrm>
+            <a:off x="0" y="8685213"/>
+            <a:ext cx="2971800" cy="458787"/>
+          </a:xfrm>
+          <a:prstGeom prst="rect">
+            <a:avLst/>
+          </a:prstGeom>
+        </p:spPr>
+        <p:txBody>
+          <a:bodyPr vert="horz" lIns="91440" tIns="45720" rIns="91440" bIns="45720" rtlCol="0" anchor="b"/>
+          <a:lstStyle>
+            <a:lvl1pPr algn="l">
+              <a:defRPr sz="1200"/>
+            </a:lvl1pPr>
+          </a:lstStyle>
+          <a:p>
+            <a:endParaRPr lang="fr-FR"/>
+          </a:p>
+        </p:txBody>
+      </p:sp>
+      <p:sp>
+        <p:nvSpPr>
+          <p:cNvPr id="7" name="Espace réservé du numéro de diapositive 6"/>
+          <p:cNvSpPr>
+            <a:spLocks noGrp="1"/>
+          </p:cNvSpPr>
+          <p:nvPr>
+            <p:ph type="sldNum" sz="quarter" idx="5"/>
+          </p:nvPr>
+        </p:nvSpPr>
+        <p:spPr>
+          <a:xfrm>
+            <a:off x="3884613" y="8685213"/>
+            <a:ext cx="2971800" cy="458787"/>
+          </a:xfrm>
+          <a:prstGeom prst="rect">
+            <a:avLst/>
+          </a:prstGeom>
+        </p:spPr>
+        <p:txBody>
+          <a:bodyPr vert="horz" lIns="91440" tIns="45720" rIns="91440" bIns="45720" rtlCol="0" anchor="b"/>
+          <a:lstStyle>
+            <a:lvl1pPr algn="r">
+              <a:defRPr sz="1200"/>
+            </a:lvl1pPr>
+          </a:lstStyle>
+          <a:p>
+            <a:fld id="{B7B83776-916E-4FC1-8221-C25F9A09B6D8}" type="slidenum">
+              <a:rPr lang="fr-FR" smtClean="0"/>
+              <a:t>‹N°›</a:t>
+            </a:fld>
+            <a:endParaRPr lang="fr-FR"/>
+          </a:p>
+        </p:txBody>
+      </p:sp>
+    </p:spTree>
+    <p:extLst>
+      <p:ext uri="{BB962C8B-B14F-4D97-AF65-F5344CB8AC3E}">
+        <p14:creationId xmlns:p14="http://schemas.microsoft.com/office/powerpoint/2010/main" val="2433403000"/>
+      </p:ext>
+    </p:extLst>
+  </p:cSld>
+  <p:clrMap bg1="lt1" tx1="dk1" bg2="lt2" tx2="dk2" accent1="accent1" accent2="accent2" accent3="accent3" accent4="accent4" accent5="accent5" accent6="accent6" hlink="hlink" folHlink="folHlink"/>
+  <p:notesStyle>
+    <a:lvl1pPr marL="0" algn="l" defTabSz="914400" rtl="0" eaLnBrk="1" latinLnBrk="0" hangingPunct="1">
+      <a:defRPr sz="1200" kern="1200">
+        <a:solidFill>
+          <a:schemeClr val="tx1"/>
+        </a:solidFill>
+        <a:latin typeface="+mn-lt"/>
+        <a:ea typeface="+mn-ea"/>
+        <a:cs typeface="+mn-cs"/>
+      </a:defRPr>
+    </a:lvl1pPr>
+    <a:lvl2pPr marL="457200" algn="l" defTabSz="914400" rtl="0" eaLnBrk="1" latinLnBrk="0" hangingPunct="1">
+      <a:defRPr sz="1200" kern="1200">
+        <a:solidFill>
+          <a:schemeClr val="tx1"/>
+        </a:solidFill>
+        <a:latin typeface="+mn-lt"/>
+        <a:ea typeface="+mn-ea"/>
+        <a:cs typeface="+mn-cs"/>
+      </a:defRPr>
+    </a:lvl2pPr>
+    <a:lvl3pPr marL="914400" algn="l" defTabSz="914400" rtl="0" eaLnBrk="1" latinLnBrk="0" hangingPunct="1">
+      <a:defRPr sz="1200" kern="1200">
+        <a:solidFill>
+          <a:schemeClr val="tx1"/>
+        </a:solidFill>
+        <a:latin typeface="+mn-lt"/>
+        <a:ea typeface="+mn-ea"/>
+        <a:cs typeface="+mn-cs"/>
+      </a:defRPr>
+    </a:lvl3pPr>
+    <a:lvl4pPr marL="1371600" algn="l" defTabSz="914400" rtl="0" eaLnBrk="1" latinLnBrk="0" hangingPunct="1">
+      <a:defRPr sz="1200" kern="1200">
+        <a:solidFill>
+          <a:schemeClr val="tx1"/>
+        </a:solidFill>
+        <a:latin typeface="+mn-lt"/>
+        <a:ea typeface="+mn-ea"/>
+        <a:cs typeface="+mn-cs"/>
+      </a:defRPr>
+    </a:lvl4pPr>
+    <a:lvl5pPr marL="1828800" algn="l" defTabSz="914400" rtl="0" eaLnBrk="1" latinLnBrk="0" hangingPunct="1">
+      <a:defRPr sz="1200" kern="1200">
+        <a:solidFill>
+          <a:schemeClr val="tx1"/>
+        </a:solidFill>
+        <a:latin typeface="+mn-lt"/>
+        <a:ea typeface="+mn-ea"/>
+        <a:cs typeface="+mn-cs"/>
+      </a:defRPr>
+    </a:lvl5pPr>
+    <a:lvl6pPr marL="2286000" algn="l" defTabSz="914400" rtl="0" eaLnBrk="1" latinLnBrk="0" hangingPunct="1">
+      <a:defRPr sz="1200" kern="1200">
+        <a:solidFill>
+          <a:schemeClr val="tx1"/>
+        </a:solidFill>
+        <a:latin typeface="+mn-lt"/>
+        <a:ea typeface="+mn-ea"/>
+        <a:cs typeface="+mn-cs"/>
+      </a:defRPr>
+    </a:lvl6pPr>
+    <a:lvl7pPr marL="2743200" algn="l" defTabSz="914400" rtl="0" eaLnBrk="1" latinLnBrk="0" hangingPunct="1">
+      <a:defRPr sz="1200" kern="1200">
+        <a:solidFill>
+          <a:schemeClr val="tx1"/>
+        </a:solidFill>
+        <a:latin typeface="+mn-lt"/>
+        <a:ea typeface="+mn-ea"/>
+        <a:cs typeface="+mn-cs"/>
+      </a:defRPr>
+    </a:lvl7pPr>
+    <a:lvl8pPr marL="3200400" algn="l" defTabSz="914400" rtl="0" eaLnBrk="1" latinLnBrk="0" hangingPunct="1">
+      <a:defRPr sz="1200" kern="1200">
+        <a:solidFill>
+          <a:schemeClr val="tx1"/>
+        </a:solidFill>
+        <a:latin typeface="+mn-lt"/>
+        <a:ea typeface="+mn-ea"/>
+        <a:cs typeface="+mn-cs"/>
+      </a:defRPr>
+    </a:lvl8pPr>
+    <a:lvl9pPr marL="3657600" algn="l" defTabSz="914400" rtl="0" eaLnBrk="1" latinLnBrk="0" hangingPunct="1">
+      <a:defRPr sz="1200" kern="1200">
+        <a:solidFill>
+          <a:schemeClr val="tx1"/>
+        </a:solidFill>
+        <a:latin typeface="+mn-lt"/>
+        <a:ea typeface="+mn-ea"/>
+        <a:cs typeface="+mn-cs"/>
+      </a:defRPr>
+    </a:lvl9pPr>
+  </p:notesStyle>
+</p:notesMaster>
+</file>
+
+<file path=ppt/notesSlides/notesSlide1.xml><?xml version="1.0" encoding="utf-8"?>
+<p:notes xmlns:a="http://schemas.openxmlformats.org/drawingml/2006/main" xmlns:r="http://schemas.openxmlformats.org/officeDocument/2006/relationships" xmlns:p="http://schemas.openxmlformats.org/presentationml/2006/main">
+  <p:cSld>
+    <p:spTree>
+      <p:nvGrpSpPr>
+        <p:cNvPr id="1" name=""/>
+        <p:cNvGrpSpPr/>
+        <p:nvPr/>
+      </p:nvGrpSpPr>
+      <p:grpSpPr>
+        <a:xfrm>
+          <a:off x="0" y="0"/>
+          <a:ext cx="0" cy="0"/>
+          <a:chOff x="0" y="0"/>
+          <a:chExt cx="0" cy="0"/>
+        </a:xfrm>
+      </p:grpSpPr>
+      <p:sp>
+        <p:nvSpPr>
+          <p:cNvPr id="2" name="Espace réservé de l'image des diapositives 1"/>
+          <p:cNvSpPr>
+            <a:spLocks noGrp="1" noRot="1" noChangeAspect="1"/>
+          </p:cNvSpPr>
+          <p:nvPr>
+            <p:ph type="sldImg"/>
+          </p:nvPr>
+        </p:nvSpPr>
+        <p:spPr/>
+      </p:sp>
+      <p:sp>
+        <p:nvSpPr>
+          <p:cNvPr id="3" name="Espace réservé des notes 2"/>
+          <p:cNvSpPr>
+            <a:spLocks noGrp="1"/>
+          </p:cNvSpPr>
+          <p:nvPr>
+            <p:ph type="body" idx="1"/>
+          </p:nvPr>
+        </p:nvSpPr>
+        <p:spPr/>
+        <p:txBody>
+          <a:bodyPr/>
+          <a:lstStyle/>
+          <a:p>
+            <a:r>
+              <a:rPr lang="fr-FR" dirty="0" err="1"/>
+              <a:t>Welcome</a:t>
+            </a:r>
+            <a:r>
+              <a:rPr lang="fr-FR" dirty="0"/>
+              <a:t> </a:t>
+            </a:r>
+            <a:r>
+              <a:rPr lang="fr-FR" dirty="0" err="1"/>
+              <a:t>blabla</a:t>
+            </a:r>
+            <a:endParaRPr lang="fr-FR" dirty="0"/>
+          </a:p>
+        </p:txBody>
+      </p:sp>
+      <p:sp>
+        <p:nvSpPr>
+          <p:cNvPr id="4" name="Espace réservé du numéro de diapositive 3"/>
+          <p:cNvSpPr>
+            <a:spLocks noGrp="1"/>
+          </p:cNvSpPr>
+          <p:nvPr>
+            <p:ph type="sldNum" sz="quarter" idx="5"/>
+          </p:nvPr>
+        </p:nvSpPr>
+        <p:spPr/>
+        <p:txBody>
+          <a:bodyPr/>
+          <a:lstStyle/>
+          <a:p>
+            <a:fld id="{B7B83776-916E-4FC1-8221-C25F9A09B6D8}" type="slidenum">
+              <a:rPr lang="fr-FR" smtClean="0"/>
+              <a:t>1</a:t>
+            </a:fld>
+            <a:endParaRPr lang="fr-FR"/>
+          </a:p>
+        </p:txBody>
+      </p:sp>
+    </p:spTree>
+    <p:extLst>
+      <p:ext uri="{BB962C8B-B14F-4D97-AF65-F5344CB8AC3E}">
+        <p14:creationId xmlns:p14="http://schemas.microsoft.com/office/powerpoint/2010/main" val="2232866328"/>
+      </p:ext>
+    </p:extLst>
+  </p:cSld>
+  <p:clrMapOvr>
+    <a:masterClrMapping/>
+  </p:clrMapOvr>
+</p:notes>
+</file>
+
+<file path=ppt/notesSlides/notesSlide10.xml><?xml version="1.0" encoding="utf-8"?>
+<p:notes xmlns:a="http://schemas.openxmlformats.org/drawingml/2006/main" xmlns:r="http://schemas.openxmlformats.org/officeDocument/2006/relationships" xmlns:p="http://schemas.openxmlformats.org/presentationml/2006/main">
+  <p:cSld>
+    <p:spTree>
+      <p:nvGrpSpPr>
+        <p:cNvPr id="1" name=""/>
+        <p:cNvGrpSpPr/>
+        <p:nvPr/>
+      </p:nvGrpSpPr>
+      <p:grpSpPr>
+        <a:xfrm>
+          <a:off x="0" y="0"/>
+          <a:ext cx="0" cy="0"/>
+          <a:chOff x="0" y="0"/>
+          <a:chExt cx="0" cy="0"/>
+        </a:xfrm>
+      </p:grpSpPr>
+      <p:sp>
+        <p:nvSpPr>
+          <p:cNvPr id="2" name="Espace réservé de l'image des diapositives 1"/>
+          <p:cNvSpPr>
+            <a:spLocks noGrp="1" noRot="1" noChangeAspect="1"/>
+          </p:cNvSpPr>
+          <p:nvPr>
+            <p:ph type="sldImg"/>
+          </p:nvPr>
+        </p:nvSpPr>
+        <p:spPr/>
+      </p:sp>
+      <p:sp>
+        <p:nvSpPr>
+          <p:cNvPr id="3" name="Espace réservé des notes 2"/>
+          <p:cNvSpPr>
+            <a:spLocks noGrp="1"/>
+          </p:cNvSpPr>
+          <p:nvPr>
+            <p:ph type="body" idx="1"/>
+          </p:nvPr>
+        </p:nvSpPr>
+        <p:spPr/>
+        <p:txBody>
+          <a:bodyPr/>
+          <a:lstStyle/>
+          <a:p>
+            <a:r>
+              <a:rPr lang="fr-FR" dirty="0"/>
+              <a:t>Couple</a:t>
+            </a:r>
+          </a:p>
+        </p:txBody>
+      </p:sp>
+      <p:sp>
+        <p:nvSpPr>
+          <p:cNvPr id="4" name="Espace réservé du numéro de diapositive 3"/>
+          <p:cNvSpPr>
+            <a:spLocks noGrp="1"/>
+          </p:cNvSpPr>
+          <p:nvPr>
+            <p:ph type="sldNum" sz="quarter" idx="5"/>
+          </p:nvPr>
+        </p:nvSpPr>
+        <p:spPr/>
+        <p:txBody>
+          <a:bodyPr/>
+          <a:lstStyle/>
+          <a:p>
+            <a:fld id="{B7B83776-916E-4FC1-8221-C25F9A09B6D8}" type="slidenum">
+              <a:rPr lang="fr-FR" smtClean="0"/>
+              <a:t>10</a:t>
+            </a:fld>
+            <a:endParaRPr lang="fr-FR"/>
+          </a:p>
+        </p:txBody>
+      </p:sp>
+    </p:spTree>
+    <p:extLst>
+      <p:ext uri="{BB962C8B-B14F-4D97-AF65-F5344CB8AC3E}">
+        <p14:creationId xmlns:p14="http://schemas.microsoft.com/office/powerpoint/2010/main" val="549660821"/>
+      </p:ext>
+    </p:extLst>
+  </p:cSld>
+  <p:clrMapOvr>
+    <a:masterClrMapping/>
+  </p:clrMapOvr>
+</p:notes>
+</file>
+
+<file path=ppt/notesSlides/notesSlide11.xml><?xml version="1.0" encoding="utf-8"?>
+<p:notes xmlns:a="http://schemas.openxmlformats.org/drawingml/2006/main" xmlns:r="http://schemas.openxmlformats.org/officeDocument/2006/relationships" xmlns:p="http://schemas.openxmlformats.org/presentationml/2006/main">
+  <p:cSld>
+    <p:spTree>
+      <p:nvGrpSpPr>
+        <p:cNvPr id="1" name=""/>
+        <p:cNvGrpSpPr/>
+        <p:nvPr/>
+      </p:nvGrpSpPr>
+      <p:grpSpPr>
+        <a:xfrm>
+          <a:off x="0" y="0"/>
+          <a:ext cx="0" cy="0"/>
+          <a:chOff x="0" y="0"/>
+          <a:chExt cx="0" cy="0"/>
+        </a:xfrm>
+      </p:grpSpPr>
+      <p:sp>
+        <p:nvSpPr>
+          <p:cNvPr id="2" name="Espace réservé de l'image des diapositives 1"/>
+          <p:cNvSpPr>
+            <a:spLocks noGrp="1" noRot="1" noChangeAspect="1"/>
+          </p:cNvSpPr>
+          <p:nvPr>
+            <p:ph type="sldImg"/>
+          </p:nvPr>
+        </p:nvSpPr>
+        <p:spPr/>
+      </p:sp>
+      <p:sp>
+        <p:nvSpPr>
+          <p:cNvPr id="3" name="Espace réservé des notes 2"/>
+          <p:cNvSpPr>
+            <a:spLocks noGrp="1"/>
+          </p:cNvSpPr>
+          <p:nvPr>
+            <p:ph type="body" idx="1"/>
+          </p:nvPr>
+        </p:nvSpPr>
+        <p:spPr/>
+        <p:txBody>
+          <a:bodyPr/>
+          <a:lstStyle/>
+          <a:p>
+            <a:r>
+              <a:rPr lang="fr-FR" dirty="0"/>
+              <a:t>Ecran LCD</a:t>
+            </a:r>
+          </a:p>
+        </p:txBody>
+      </p:sp>
+      <p:sp>
+        <p:nvSpPr>
+          <p:cNvPr id="4" name="Espace réservé du numéro de diapositive 3"/>
+          <p:cNvSpPr>
+            <a:spLocks noGrp="1"/>
+          </p:cNvSpPr>
+          <p:nvPr>
+            <p:ph type="sldNum" sz="quarter" idx="5"/>
+          </p:nvPr>
+        </p:nvSpPr>
+        <p:spPr/>
+        <p:txBody>
+          <a:bodyPr/>
+          <a:lstStyle/>
+          <a:p>
+            <a:fld id="{B7B83776-916E-4FC1-8221-C25F9A09B6D8}" type="slidenum">
+              <a:rPr lang="fr-FR" smtClean="0"/>
+              <a:t>11</a:t>
+            </a:fld>
+            <a:endParaRPr lang="fr-FR"/>
+          </a:p>
+        </p:txBody>
+      </p:sp>
+    </p:spTree>
+    <p:extLst>
+      <p:ext uri="{BB962C8B-B14F-4D97-AF65-F5344CB8AC3E}">
+        <p14:creationId xmlns:p14="http://schemas.microsoft.com/office/powerpoint/2010/main" val="1246380961"/>
+      </p:ext>
+    </p:extLst>
+  </p:cSld>
+  <p:clrMapOvr>
+    <a:masterClrMapping/>
+  </p:clrMapOvr>
+</p:notes>
+</file>
+
+<file path=ppt/notesSlides/notesSlide12.xml><?xml version="1.0" encoding="utf-8"?>
+<p:notes xmlns:a="http://schemas.openxmlformats.org/drawingml/2006/main" xmlns:r="http://schemas.openxmlformats.org/officeDocument/2006/relationships" xmlns:p="http://schemas.openxmlformats.org/presentationml/2006/main">
+  <p:cSld>
+    <p:spTree>
+      <p:nvGrpSpPr>
+        <p:cNvPr id="1" name=""/>
+        <p:cNvGrpSpPr/>
+        <p:nvPr/>
+      </p:nvGrpSpPr>
+      <p:grpSpPr>
+        <a:xfrm>
+          <a:off x="0" y="0"/>
+          <a:ext cx="0" cy="0"/>
+          <a:chOff x="0" y="0"/>
+          <a:chExt cx="0" cy="0"/>
+        </a:xfrm>
+      </p:grpSpPr>
+      <p:sp>
+        <p:nvSpPr>
+          <p:cNvPr id="2" name="Espace réservé de l'image des diapositives 1"/>
+          <p:cNvSpPr>
+            <a:spLocks noGrp="1" noRot="1" noChangeAspect="1"/>
+          </p:cNvSpPr>
+          <p:nvPr>
+            <p:ph type="sldImg"/>
+          </p:nvPr>
+        </p:nvSpPr>
+        <p:spPr/>
+      </p:sp>
+      <p:sp>
+        <p:nvSpPr>
+          <p:cNvPr id="3" name="Espace réservé des notes 2"/>
+          <p:cNvSpPr>
+            <a:spLocks noGrp="1"/>
+          </p:cNvSpPr>
+          <p:nvPr>
+            <p:ph type="body" idx="1"/>
+          </p:nvPr>
+        </p:nvSpPr>
+        <p:spPr/>
+        <p:txBody>
+          <a:bodyPr/>
+          <a:lstStyle/>
+          <a:p>
+            <a:r>
+              <a:rPr lang="fr-FR" dirty="0"/>
+              <a:t>Cadre</a:t>
+            </a:r>
+          </a:p>
+        </p:txBody>
+      </p:sp>
+      <p:sp>
+        <p:nvSpPr>
+          <p:cNvPr id="4" name="Espace réservé du numéro de diapositive 3"/>
+          <p:cNvSpPr>
+            <a:spLocks noGrp="1"/>
+          </p:cNvSpPr>
+          <p:nvPr>
+            <p:ph type="sldNum" sz="quarter" idx="5"/>
+          </p:nvPr>
+        </p:nvSpPr>
+        <p:spPr/>
+        <p:txBody>
+          <a:bodyPr/>
+          <a:lstStyle/>
+          <a:p>
+            <a:fld id="{B7B83776-916E-4FC1-8221-C25F9A09B6D8}" type="slidenum">
+              <a:rPr lang="fr-FR" smtClean="0"/>
+              <a:t>12</a:t>
+            </a:fld>
+            <a:endParaRPr lang="fr-FR"/>
+          </a:p>
+        </p:txBody>
+      </p:sp>
+    </p:spTree>
+    <p:extLst>
+      <p:ext uri="{BB962C8B-B14F-4D97-AF65-F5344CB8AC3E}">
+        <p14:creationId xmlns:p14="http://schemas.microsoft.com/office/powerpoint/2010/main" val="447343268"/>
+      </p:ext>
+    </p:extLst>
+  </p:cSld>
+  <p:clrMapOvr>
+    <a:masterClrMapping/>
+  </p:clrMapOvr>
+</p:notes>
+</file>
+
+<file path=ppt/notesSlides/notesSlide13.xml><?xml version="1.0" encoding="utf-8"?>
+<p:notes xmlns:a="http://schemas.openxmlformats.org/drawingml/2006/main" xmlns:r="http://schemas.openxmlformats.org/officeDocument/2006/relationships" xmlns:p="http://schemas.openxmlformats.org/presentationml/2006/main">
+  <p:cSld>
+    <p:spTree>
+      <p:nvGrpSpPr>
+        <p:cNvPr id="1" name=""/>
+        <p:cNvGrpSpPr/>
+        <p:nvPr/>
+      </p:nvGrpSpPr>
+      <p:grpSpPr>
+        <a:xfrm>
+          <a:off x="0" y="0"/>
+          <a:ext cx="0" cy="0"/>
+          <a:chOff x="0" y="0"/>
+          <a:chExt cx="0" cy="0"/>
+        </a:xfrm>
+      </p:grpSpPr>
+      <p:sp>
+        <p:nvSpPr>
+          <p:cNvPr id="2" name="Espace réservé de l'image des diapositives 1"/>
+          <p:cNvSpPr>
+            <a:spLocks noGrp="1" noRot="1" noChangeAspect="1"/>
+          </p:cNvSpPr>
+          <p:nvPr>
+            <p:ph type="sldImg"/>
+          </p:nvPr>
+        </p:nvSpPr>
+        <p:spPr/>
+      </p:sp>
+      <p:sp>
+        <p:nvSpPr>
+          <p:cNvPr id="3" name="Espace réservé des notes 2"/>
+          <p:cNvSpPr>
+            <a:spLocks noGrp="1"/>
+          </p:cNvSpPr>
+          <p:nvPr>
+            <p:ph type="body" idx="1"/>
+          </p:nvPr>
+        </p:nvSpPr>
+        <p:spPr/>
+        <p:txBody>
+          <a:bodyPr/>
+          <a:lstStyle/>
+          <a:p>
+            <a:r>
+              <a:rPr lang="fr-FR" dirty="0"/>
+              <a:t>Selle</a:t>
+            </a:r>
+          </a:p>
+        </p:txBody>
+      </p:sp>
+      <p:sp>
+        <p:nvSpPr>
+          <p:cNvPr id="4" name="Espace réservé du numéro de diapositive 3"/>
+          <p:cNvSpPr>
+            <a:spLocks noGrp="1"/>
+          </p:cNvSpPr>
+          <p:nvPr>
+            <p:ph type="sldNum" sz="quarter" idx="5"/>
+          </p:nvPr>
+        </p:nvSpPr>
+        <p:spPr/>
+        <p:txBody>
+          <a:bodyPr/>
+          <a:lstStyle/>
+          <a:p>
+            <a:fld id="{B7B83776-916E-4FC1-8221-C25F9A09B6D8}" type="slidenum">
+              <a:rPr lang="fr-FR" smtClean="0"/>
+              <a:t>13</a:t>
+            </a:fld>
+            <a:endParaRPr lang="fr-FR"/>
+          </a:p>
+        </p:txBody>
+      </p:sp>
+    </p:spTree>
+    <p:extLst>
+      <p:ext uri="{BB962C8B-B14F-4D97-AF65-F5344CB8AC3E}">
+        <p14:creationId xmlns:p14="http://schemas.microsoft.com/office/powerpoint/2010/main" val="2430484955"/>
+      </p:ext>
+    </p:extLst>
+  </p:cSld>
+  <p:clrMapOvr>
+    <a:masterClrMapping/>
+  </p:clrMapOvr>
+</p:notes>
+</file>
+
+<file path=ppt/notesSlides/notesSlide14.xml><?xml version="1.0" encoding="utf-8"?>
+<p:notes xmlns:a="http://schemas.openxmlformats.org/drawingml/2006/main" xmlns:r="http://schemas.openxmlformats.org/officeDocument/2006/relationships" xmlns:p="http://schemas.openxmlformats.org/presentationml/2006/main">
+  <p:cSld>
+    <p:spTree>
+      <p:nvGrpSpPr>
+        <p:cNvPr id="1" name=""/>
+        <p:cNvGrpSpPr/>
+        <p:nvPr/>
+      </p:nvGrpSpPr>
+      <p:grpSpPr>
+        <a:xfrm>
+          <a:off x="0" y="0"/>
+          <a:ext cx="0" cy="0"/>
+          <a:chOff x="0" y="0"/>
+          <a:chExt cx="0" cy="0"/>
+        </a:xfrm>
+      </p:grpSpPr>
+      <p:sp>
+        <p:nvSpPr>
+          <p:cNvPr id="2" name="Espace réservé de l'image des diapositives 1"/>
+          <p:cNvSpPr>
+            <a:spLocks noGrp="1" noRot="1" noChangeAspect="1"/>
+          </p:cNvSpPr>
+          <p:nvPr>
+            <p:ph type="sldImg"/>
+          </p:nvPr>
+        </p:nvSpPr>
+        <p:spPr/>
+      </p:sp>
+      <p:sp>
+        <p:nvSpPr>
+          <p:cNvPr id="3" name="Espace réservé des notes 2"/>
+          <p:cNvSpPr>
+            <a:spLocks noGrp="1"/>
+          </p:cNvSpPr>
+          <p:nvPr>
+            <p:ph type="body" idx="1"/>
+          </p:nvPr>
+        </p:nvSpPr>
+        <p:spPr/>
+        <p:txBody>
+          <a:bodyPr/>
+          <a:lstStyle/>
+          <a:p>
+            <a:r>
+              <a:rPr lang="fr-FR" dirty="0"/>
+              <a:t>Made in France</a:t>
+            </a:r>
+          </a:p>
+        </p:txBody>
+      </p:sp>
+      <p:sp>
+        <p:nvSpPr>
+          <p:cNvPr id="4" name="Espace réservé du numéro de diapositive 3"/>
+          <p:cNvSpPr>
+            <a:spLocks noGrp="1"/>
+          </p:cNvSpPr>
+          <p:nvPr>
+            <p:ph type="sldNum" sz="quarter" idx="5"/>
+          </p:nvPr>
+        </p:nvSpPr>
+        <p:spPr/>
+        <p:txBody>
+          <a:bodyPr/>
+          <a:lstStyle/>
+          <a:p>
+            <a:fld id="{B7B83776-916E-4FC1-8221-C25F9A09B6D8}" type="slidenum">
+              <a:rPr lang="fr-FR" smtClean="0"/>
+              <a:t>14</a:t>
+            </a:fld>
+            <a:endParaRPr lang="fr-FR"/>
+          </a:p>
+        </p:txBody>
+      </p:sp>
+    </p:spTree>
+    <p:extLst>
+      <p:ext uri="{BB962C8B-B14F-4D97-AF65-F5344CB8AC3E}">
+        <p14:creationId xmlns:p14="http://schemas.microsoft.com/office/powerpoint/2010/main" val="1607172558"/>
+      </p:ext>
+    </p:extLst>
+  </p:cSld>
+  <p:clrMapOvr>
+    <a:masterClrMapping/>
+  </p:clrMapOvr>
+</p:notes>
+</file>
+
+<file path=ppt/notesSlides/notesSlide15.xml><?xml version="1.0" encoding="utf-8"?>
+<p:notes xmlns:a="http://schemas.openxmlformats.org/drawingml/2006/main" xmlns:r="http://schemas.openxmlformats.org/officeDocument/2006/relationships" xmlns:p="http://schemas.openxmlformats.org/presentationml/2006/main">
+  <p:cSld>
+    <p:spTree>
+      <p:nvGrpSpPr>
+        <p:cNvPr id="1" name=""/>
+        <p:cNvGrpSpPr/>
+        <p:nvPr/>
+      </p:nvGrpSpPr>
+      <p:grpSpPr>
+        <a:xfrm>
+          <a:off x="0" y="0"/>
+          <a:ext cx="0" cy="0"/>
+          <a:chOff x="0" y="0"/>
+          <a:chExt cx="0" cy="0"/>
+        </a:xfrm>
+      </p:grpSpPr>
+      <p:sp>
+        <p:nvSpPr>
+          <p:cNvPr id="2" name="Espace réservé de l'image des diapositives 1"/>
+          <p:cNvSpPr>
+            <a:spLocks noGrp="1" noRot="1" noChangeAspect="1"/>
+          </p:cNvSpPr>
+          <p:nvPr>
+            <p:ph type="sldImg"/>
+          </p:nvPr>
+        </p:nvSpPr>
+        <p:spPr/>
+      </p:sp>
+      <p:sp>
+        <p:nvSpPr>
+          <p:cNvPr id="3" name="Espace réservé des notes 2"/>
+          <p:cNvSpPr>
+            <a:spLocks noGrp="1"/>
+          </p:cNvSpPr>
+          <p:nvPr>
+            <p:ph type="body" idx="1"/>
+          </p:nvPr>
+        </p:nvSpPr>
+        <p:spPr/>
+        <p:txBody>
+          <a:bodyPr/>
+          <a:lstStyle/>
+          <a:p>
+            <a:r>
+              <a:rPr lang="fr-FR" dirty="0"/>
+              <a:t>Recyclage</a:t>
+            </a:r>
+          </a:p>
+        </p:txBody>
+      </p:sp>
+      <p:sp>
+        <p:nvSpPr>
+          <p:cNvPr id="4" name="Espace réservé du numéro de diapositive 3"/>
+          <p:cNvSpPr>
+            <a:spLocks noGrp="1"/>
+          </p:cNvSpPr>
+          <p:nvPr>
+            <p:ph type="sldNum" sz="quarter" idx="5"/>
+          </p:nvPr>
+        </p:nvSpPr>
+        <p:spPr/>
+        <p:txBody>
+          <a:bodyPr/>
+          <a:lstStyle/>
+          <a:p>
+            <a:fld id="{B7B83776-916E-4FC1-8221-C25F9A09B6D8}" type="slidenum">
+              <a:rPr lang="fr-FR" smtClean="0"/>
+              <a:t>15</a:t>
+            </a:fld>
+            <a:endParaRPr lang="fr-FR"/>
+          </a:p>
+        </p:txBody>
+      </p:sp>
+    </p:spTree>
+    <p:extLst>
+      <p:ext uri="{BB962C8B-B14F-4D97-AF65-F5344CB8AC3E}">
+        <p14:creationId xmlns:p14="http://schemas.microsoft.com/office/powerpoint/2010/main" val="64102298"/>
+      </p:ext>
+    </p:extLst>
+  </p:cSld>
+  <p:clrMapOvr>
+    <a:masterClrMapping/>
+  </p:clrMapOvr>
+</p:notes>
+</file>
+
+<file path=ppt/notesSlides/notesSlide16.xml><?xml version="1.0" encoding="utf-8"?>
+<p:notes xmlns:a="http://schemas.openxmlformats.org/drawingml/2006/main" xmlns:r="http://schemas.openxmlformats.org/officeDocument/2006/relationships" xmlns:p="http://schemas.openxmlformats.org/presentationml/2006/main">
+  <p:cSld>
+    <p:spTree>
+      <p:nvGrpSpPr>
+        <p:cNvPr id="1" name=""/>
+        <p:cNvGrpSpPr/>
+        <p:nvPr/>
+      </p:nvGrpSpPr>
+      <p:grpSpPr>
+        <a:xfrm>
+          <a:off x="0" y="0"/>
+          <a:ext cx="0" cy="0"/>
+          <a:chOff x="0" y="0"/>
+          <a:chExt cx="0" cy="0"/>
+        </a:xfrm>
+      </p:grpSpPr>
+      <p:sp>
+        <p:nvSpPr>
+          <p:cNvPr id="2" name="Espace réservé de l'image des diapositives 1"/>
+          <p:cNvSpPr>
+            <a:spLocks noGrp="1" noRot="1" noChangeAspect="1"/>
+          </p:cNvSpPr>
+          <p:nvPr>
+            <p:ph type="sldImg"/>
+          </p:nvPr>
+        </p:nvSpPr>
+        <p:spPr/>
+      </p:sp>
+      <p:sp>
+        <p:nvSpPr>
+          <p:cNvPr id="3" name="Espace réservé des notes 2"/>
+          <p:cNvSpPr>
+            <a:spLocks noGrp="1"/>
+          </p:cNvSpPr>
+          <p:nvPr>
+            <p:ph type="body" idx="1"/>
+          </p:nvPr>
+        </p:nvSpPr>
+        <p:spPr/>
+        <p:txBody>
+          <a:bodyPr/>
+          <a:lstStyle/>
+          <a:p>
+            <a:r>
+              <a:rPr lang="fr-FR" dirty="0"/>
+              <a:t>Apple</a:t>
+            </a:r>
+          </a:p>
+        </p:txBody>
+      </p:sp>
+      <p:sp>
+        <p:nvSpPr>
+          <p:cNvPr id="4" name="Espace réservé du numéro de diapositive 3"/>
+          <p:cNvSpPr>
+            <a:spLocks noGrp="1"/>
+          </p:cNvSpPr>
+          <p:nvPr>
+            <p:ph type="sldNum" sz="quarter" idx="5"/>
+          </p:nvPr>
+        </p:nvSpPr>
+        <p:spPr/>
+        <p:txBody>
+          <a:bodyPr/>
+          <a:lstStyle/>
+          <a:p>
+            <a:fld id="{B7B83776-916E-4FC1-8221-C25F9A09B6D8}" type="slidenum">
+              <a:rPr lang="fr-FR" smtClean="0"/>
+              <a:t>16</a:t>
+            </a:fld>
+            <a:endParaRPr lang="fr-FR"/>
+          </a:p>
+        </p:txBody>
+      </p:sp>
+    </p:spTree>
+    <p:extLst>
+      <p:ext uri="{BB962C8B-B14F-4D97-AF65-F5344CB8AC3E}">
+        <p14:creationId xmlns:p14="http://schemas.microsoft.com/office/powerpoint/2010/main" val="2142985838"/>
+      </p:ext>
+    </p:extLst>
+  </p:cSld>
+  <p:clrMapOvr>
+    <a:masterClrMapping/>
+  </p:clrMapOvr>
+</p:notes>
+</file>
+
+<file path=ppt/notesSlides/notesSlide2.xml><?xml version="1.0" encoding="utf-8"?>
+<p:notes xmlns:a="http://schemas.openxmlformats.org/drawingml/2006/main" xmlns:r="http://schemas.openxmlformats.org/officeDocument/2006/relationships" xmlns:p="http://schemas.openxmlformats.org/presentationml/2006/main">
+  <p:cSld>
+    <p:spTree>
+      <p:nvGrpSpPr>
+        <p:cNvPr id="1" name=""/>
+        <p:cNvGrpSpPr/>
+        <p:nvPr/>
+      </p:nvGrpSpPr>
+      <p:grpSpPr>
+        <a:xfrm>
+          <a:off x="0" y="0"/>
+          <a:ext cx="0" cy="0"/>
+          <a:chOff x="0" y="0"/>
+          <a:chExt cx="0" cy="0"/>
+        </a:xfrm>
+      </p:grpSpPr>
+      <p:sp>
+        <p:nvSpPr>
+          <p:cNvPr id="2" name="Espace réservé de l'image des diapositives 1"/>
+          <p:cNvSpPr>
+            <a:spLocks noGrp="1" noRot="1" noChangeAspect="1"/>
+          </p:cNvSpPr>
+          <p:nvPr>
+            <p:ph type="sldImg"/>
+          </p:nvPr>
+        </p:nvSpPr>
+        <p:spPr/>
+      </p:sp>
+      <p:sp>
+        <p:nvSpPr>
+          <p:cNvPr id="3" name="Espace réservé des notes 2"/>
+          <p:cNvSpPr>
+            <a:spLocks noGrp="1"/>
+          </p:cNvSpPr>
+          <p:nvPr>
+            <p:ph type="body" idx="1"/>
+          </p:nvPr>
+        </p:nvSpPr>
+        <p:spPr/>
+        <p:txBody>
+          <a:bodyPr/>
+          <a:lstStyle/>
+          <a:p>
+            <a:r>
+              <a:rPr lang="fr-FR" dirty="0"/>
+              <a:t>2 couleurs</a:t>
+            </a:r>
+          </a:p>
+        </p:txBody>
+      </p:sp>
+      <p:sp>
+        <p:nvSpPr>
+          <p:cNvPr id="4" name="Espace réservé du numéro de diapositive 3"/>
+          <p:cNvSpPr>
+            <a:spLocks noGrp="1"/>
+          </p:cNvSpPr>
+          <p:nvPr>
+            <p:ph type="sldNum" sz="quarter" idx="5"/>
+          </p:nvPr>
+        </p:nvSpPr>
+        <p:spPr/>
+        <p:txBody>
+          <a:bodyPr/>
+          <a:lstStyle/>
+          <a:p>
+            <a:fld id="{B7B83776-916E-4FC1-8221-C25F9A09B6D8}" type="slidenum">
+              <a:rPr lang="fr-FR" smtClean="0"/>
+              <a:t>2</a:t>
+            </a:fld>
+            <a:endParaRPr lang="fr-FR"/>
+          </a:p>
+        </p:txBody>
+      </p:sp>
+    </p:spTree>
+    <p:extLst>
+      <p:ext uri="{BB962C8B-B14F-4D97-AF65-F5344CB8AC3E}">
+        <p14:creationId xmlns:p14="http://schemas.microsoft.com/office/powerpoint/2010/main" val="3654026779"/>
+      </p:ext>
+    </p:extLst>
+  </p:cSld>
+  <p:clrMapOvr>
+    <a:masterClrMapping/>
+  </p:clrMapOvr>
+</p:notes>
+</file>
+
+<file path=ppt/notesSlides/notesSlide3.xml><?xml version="1.0" encoding="utf-8"?>
+<p:notes xmlns:a="http://schemas.openxmlformats.org/drawingml/2006/main" xmlns:r="http://schemas.openxmlformats.org/officeDocument/2006/relationships" xmlns:p="http://schemas.openxmlformats.org/presentationml/2006/main">
+  <p:cSld>
+    <p:spTree>
+      <p:nvGrpSpPr>
+        <p:cNvPr id="1" name=""/>
+        <p:cNvGrpSpPr/>
+        <p:nvPr/>
+      </p:nvGrpSpPr>
+      <p:grpSpPr>
+        <a:xfrm>
+          <a:off x="0" y="0"/>
+          <a:ext cx="0" cy="0"/>
+          <a:chOff x="0" y="0"/>
+          <a:chExt cx="0" cy="0"/>
+        </a:xfrm>
+      </p:grpSpPr>
+      <p:sp>
+        <p:nvSpPr>
+          <p:cNvPr id="2" name="Espace réservé de l'image des diapositives 1"/>
+          <p:cNvSpPr>
+            <a:spLocks noGrp="1" noRot="1" noChangeAspect="1"/>
+          </p:cNvSpPr>
+          <p:nvPr>
+            <p:ph type="sldImg"/>
+          </p:nvPr>
+        </p:nvSpPr>
+        <p:spPr/>
+      </p:sp>
+      <p:sp>
+        <p:nvSpPr>
+          <p:cNvPr id="3" name="Espace réservé des notes 2"/>
+          <p:cNvSpPr>
+            <a:spLocks noGrp="1"/>
+          </p:cNvSpPr>
+          <p:nvPr>
+            <p:ph type="body" idx="1"/>
+          </p:nvPr>
+        </p:nvSpPr>
+        <p:spPr/>
+        <p:txBody>
+          <a:bodyPr/>
+          <a:lstStyle/>
+          <a:p>
+            <a:r>
+              <a:rPr lang="fr-FR" dirty="0"/>
+              <a:t>4 tailles</a:t>
+            </a:r>
+          </a:p>
+        </p:txBody>
+      </p:sp>
+      <p:sp>
+        <p:nvSpPr>
+          <p:cNvPr id="4" name="Espace réservé du numéro de diapositive 3"/>
+          <p:cNvSpPr>
+            <a:spLocks noGrp="1"/>
+          </p:cNvSpPr>
+          <p:nvPr>
+            <p:ph type="sldNum" sz="quarter" idx="5"/>
+          </p:nvPr>
+        </p:nvSpPr>
+        <p:spPr/>
+        <p:txBody>
+          <a:bodyPr/>
+          <a:lstStyle/>
+          <a:p>
+            <a:fld id="{B7B83776-916E-4FC1-8221-C25F9A09B6D8}" type="slidenum">
+              <a:rPr lang="fr-FR" smtClean="0"/>
+              <a:t>3</a:t>
+            </a:fld>
+            <a:endParaRPr lang="fr-FR"/>
+          </a:p>
+        </p:txBody>
+      </p:sp>
+    </p:spTree>
+    <p:extLst>
+      <p:ext uri="{BB962C8B-B14F-4D97-AF65-F5344CB8AC3E}">
+        <p14:creationId xmlns:p14="http://schemas.microsoft.com/office/powerpoint/2010/main" val="873644009"/>
+      </p:ext>
+    </p:extLst>
+  </p:cSld>
+  <p:clrMapOvr>
+    <a:masterClrMapping/>
+  </p:clrMapOvr>
+</p:notes>
+</file>
+
+<file path=ppt/notesSlides/notesSlide4.xml><?xml version="1.0" encoding="utf-8"?>
+<p:notes xmlns:a="http://schemas.openxmlformats.org/drawingml/2006/main" xmlns:r="http://schemas.openxmlformats.org/officeDocument/2006/relationships" xmlns:p="http://schemas.openxmlformats.org/presentationml/2006/main">
+  <p:cSld>
+    <p:spTree>
+      <p:nvGrpSpPr>
+        <p:cNvPr id="1" name=""/>
+        <p:cNvGrpSpPr/>
+        <p:nvPr/>
+      </p:nvGrpSpPr>
+      <p:grpSpPr>
+        <a:xfrm>
+          <a:off x="0" y="0"/>
+          <a:ext cx="0" cy="0"/>
+          <a:chOff x="0" y="0"/>
+          <a:chExt cx="0" cy="0"/>
+        </a:xfrm>
+      </p:grpSpPr>
+      <p:sp>
+        <p:nvSpPr>
+          <p:cNvPr id="2" name="Espace réservé de l'image des diapositives 1"/>
+          <p:cNvSpPr>
+            <a:spLocks noGrp="1" noRot="1" noChangeAspect="1"/>
+          </p:cNvSpPr>
+          <p:nvPr>
+            <p:ph type="sldImg"/>
+          </p:nvPr>
+        </p:nvSpPr>
+        <p:spPr/>
+      </p:sp>
+      <p:sp>
+        <p:nvSpPr>
+          <p:cNvPr id="3" name="Espace réservé des notes 2"/>
+          <p:cNvSpPr>
+            <a:spLocks noGrp="1"/>
+          </p:cNvSpPr>
+          <p:nvPr>
+            <p:ph type="body" idx="1"/>
+          </p:nvPr>
+        </p:nvSpPr>
+        <p:spPr/>
+        <p:txBody>
+          <a:bodyPr/>
+          <a:lstStyle/>
+          <a:p>
+            <a:r>
+              <a:rPr lang="fr-FR" dirty="0"/>
+              <a:t>Moteur </a:t>
+            </a:r>
+          </a:p>
+        </p:txBody>
+      </p:sp>
+      <p:sp>
+        <p:nvSpPr>
+          <p:cNvPr id="4" name="Espace réservé du numéro de diapositive 3"/>
+          <p:cNvSpPr>
+            <a:spLocks noGrp="1"/>
+          </p:cNvSpPr>
+          <p:nvPr>
+            <p:ph type="sldNum" sz="quarter" idx="5"/>
+          </p:nvPr>
+        </p:nvSpPr>
+        <p:spPr/>
+        <p:txBody>
+          <a:bodyPr/>
+          <a:lstStyle/>
+          <a:p>
+            <a:fld id="{B7B83776-916E-4FC1-8221-C25F9A09B6D8}" type="slidenum">
+              <a:rPr lang="fr-FR" smtClean="0"/>
+              <a:t>4</a:t>
+            </a:fld>
+            <a:endParaRPr lang="fr-FR"/>
+          </a:p>
+        </p:txBody>
+      </p:sp>
+    </p:spTree>
+    <p:extLst>
+      <p:ext uri="{BB962C8B-B14F-4D97-AF65-F5344CB8AC3E}">
+        <p14:creationId xmlns:p14="http://schemas.microsoft.com/office/powerpoint/2010/main" val="1691175388"/>
+      </p:ext>
+    </p:extLst>
+  </p:cSld>
+  <p:clrMapOvr>
+    <a:masterClrMapping/>
+  </p:clrMapOvr>
+</p:notes>
+</file>
+
+<file path=ppt/notesSlides/notesSlide5.xml><?xml version="1.0" encoding="utf-8"?>
+<p:notes xmlns:a="http://schemas.openxmlformats.org/drawingml/2006/main" xmlns:r="http://schemas.openxmlformats.org/officeDocument/2006/relationships" xmlns:p="http://schemas.openxmlformats.org/presentationml/2006/main">
+  <p:cSld>
+    <p:spTree>
+      <p:nvGrpSpPr>
+        <p:cNvPr id="1" name=""/>
+        <p:cNvGrpSpPr/>
+        <p:nvPr/>
+      </p:nvGrpSpPr>
+      <p:grpSpPr>
+        <a:xfrm>
+          <a:off x="0" y="0"/>
+          <a:ext cx="0" cy="0"/>
+          <a:chOff x="0" y="0"/>
+          <a:chExt cx="0" cy="0"/>
+        </a:xfrm>
+      </p:grpSpPr>
+      <p:sp>
+        <p:nvSpPr>
+          <p:cNvPr id="2" name="Espace réservé de l'image des diapositives 1"/>
+          <p:cNvSpPr>
+            <a:spLocks noGrp="1" noRot="1" noChangeAspect="1"/>
+          </p:cNvSpPr>
+          <p:nvPr>
+            <p:ph type="sldImg"/>
+          </p:nvPr>
+        </p:nvSpPr>
+        <p:spPr/>
+      </p:sp>
+      <p:sp>
+        <p:nvSpPr>
+          <p:cNvPr id="3" name="Espace réservé des notes 2"/>
+          <p:cNvSpPr>
+            <a:spLocks noGrp="1"/>
+          </p:cNvSpPr>
+          <p:nvPr>
+            <p:ph type="body" idx="1"/>
+          </p:nvPr>
+        </p:nvSpPr>
+        <p:spPr/>
+        <p:txBody>
+          <a:bodyPr/>
+          <a:lstStyle/>
+          <a:p>
+            <a:r>
+              <a:rPr lang="fr-FR" dirty="0"/>
+              <a:t>Batterie</a:t>
+            </a:r>
+          </a:p>
+        </p:txBody>
+      </p:sp>
+      <p:sp>
+        <p:nvSpPr>
+          <p:cNvPr id="4" name="Espace réservé du numéro de diapositive 3"/>
+          <p:cNvSpPr>
+            <a:spLocks noGrp="1"/>
+          </p:cNvSpPr>
+          <p:nvPr>
+            <p:ph type="sldNum" sz="quarter" idx="5"/>
+          </p:nvPr>
+        </p:nvSpPr>
+        <p:spPr/>
+        <p:txBody>
+          <a:bodyPr/>
+          <a:lstStyle/>
+          <a:p>
+            <a:fld id="{B7B83776-916E-4FC1-8221-C25F9A09B6D8}" type="slidenum">
+              <a:rPr lang="fr-FR" smtClean="0"/>
+              <a:t>5</a:t>
+            </a:fld>
+            <a:endParaRPr lang="fr-FR"/>
+          </a:p>
+        </p:txBody>
+      </p:sp>
+    </p:spTree>
+    <p:extLst>
+      <p:ext uri="{BB962C8B-B14F-4D97-AF65-F5344CB8AC3E}">
+        <p14:creationId xmlns:p14="http://schemas.microsoft.com/office/powerpoint/2010/main" val="3398892996"/>
+      </p:ext>
+    </p:extLst>
+  </p:cSld>
+  <p:clrMapOvr>
+    <a:masterClrMapping/>
+  </p:clrMapOvr>
+</p:notes>
+</file>
+
+<file path=ppt/notesSlides/notesSlide6.xml><?xml version="1.0" encoding="utf-8"?>
+<p:notes xmlns:a="http://schemas.openxmlformats.org/drawingml/2006/main" xmlns:r="http://schemas.openxmlformats.org/officeDocument/2006/relationships" xmlns:p="http://schemas.openxmlformats.org/presentationml/2006/main">
+  <p:cSld>
+    <p:spTree>
+      <p:nvGrpSpPr>
+        <p:cNvPr id="1" name=""/>
+        <p:cNvGrpSpPr/>
+        <p:nvPr/>
+      </p:nvGrpSpPr>
+      <p:grpSpPr>
+        <a:xfrm>
+          <a:off x="0" y="0"/>
+          <a:ext cx="0" cy="0"/>
+          <a:chOff x="0" y="0"/>
+          <a:chExt cx="0" cy="0"/>
+        </a:xfrm>
+      </p:grpSpPr>
+      <p:sp>
+        <p:nvSpPr>
+          <p:cNvPr id="2" name="Espace réservé de l'image des diapositives 1"/>
+          <p:cNvSpPr>
+            <a:spLocks noGrp="1" noRot="1" noChangeAspect="1"/>
+          </p:cNvSpPr>
+          <p:nvPr>
+            <p:ph type="sldImg"/>
+          </p:nvPr>
+        </p:nvSpPr>
+        <p:spPr/>
+      </p:sp>
+      <p:sp>
+        <p:nvSpPr>
+          <p:cNvPr id="3" name="Espace réservé des notes 2"/>
+          <p:cNvSpPr>
+            <a:spLocks noGrp="1"/>
+          </p:cNvSpPr>
+          <p:nvPr>
+            <p:ph type="body" idx="1"/>
+          </p:nvPr>
+        </p:nvSpPr>
+        <p:spPr/>
+        <p:txBody>
+          <a:bodyPr/>
+          <a:lstStyle/>
+          <a:p>
+            <a:r>
+              <a:rPr lang="fr-FR" dirty="0"/>
+              <a:t>Indicateur de charge</a:t>
+            </a:r>
+          </a:p>
+        </p:txBody>
+      </p:sp>
+      <p:sp>
+        <p:nvSpPr>
+          <p:cNvPr id="4" name="Espace réservé du numéro de diapositive 3"/>
+          <p:cNvSpPr>
+            <a:spLocks noGrp="1"/>
+          </p:cNvSpPr>
+          <p:nvPr>
+            <p:ph type="sldNum" sz="quarter" idx="5"/>
+          </p:nvPr>
+        </p:nvSpPr>
+        <p:spPr/>
+        <p:txBody>
+          <a:bodyPr/>
+          <a:lstStyle/>
+          <a:p>
+            <a:fld id="{B7B83776-916E-4FC1-8221-C25F9A09B6D8}" type="slidenum">
+              <a:rPr lang="fr-FR" smtClean="0"/>
+              <a:t>6</a:t>
+            </a:fld>
+            <a:endParaRPr lang="fr-FR"/>
+          </a:p>
+        </p:txBody>
+      </p:sp>
+    </p:spTree>
+    <p:extLst>
+      <p:ext uri="{BB962C8B-B14F-4D97-AF65-F5344CB8AC3E}">
+        <p14:creationId xmlns:p14="http://schemas.microsoft.com/office/powerpoint/2010/main" val="593373132"/>
+      </p:ext>
+    </p:extLst>
+  </p:cSld>
+  <p:clrMapOvr>
+    <a:masterClrMapping/>
+  </p:clrMapOvr>
+</p:notes>
+</file>
+
+<file path=ppt/notesSlides/notesSlide7.xml><?xml version="1.0" encoding="utf-8"?>
+<p:notes xmlns:a="http://schemas.openxmlformats.org/drawingml/2006/main" xmlns:r="http://schemas.openxmlformats.org/officeDocument/2006/relationships" xmlns:p="http://schemas.openxmlformats.org/presentationml/2006/main">
+  <p:cSld>
+    <p:spTree>
+      <p:nvGrpSpPr>
+        <p:cNvPr id="1" name=""/>
+        <p:cNvGrpSpPr/>
+        <p:nvPr/>
+      </p:nvGrpSpPr>
+      <p:grpSpPr>
+        <a:xfrm>
+          <a:off x="0" y="0"/>
+          <a:ext cx="0" cy="0"/>
+          <a:chOff x="0" y="0"/>
+          <a:chExt cx="0" cy="0"/>
+        </a:xfrm>
+      </p:grpSpPr>
+      <p:sp>
+        <p:nvSpPr>
+          <p:cNvPr id="2" name="Espace réservé de l'image des diapositives 1"/>
+          <p:cNvSpPr>
+            <a:spLocks noGrp="1" noRot="1" noChangeAspect="1"/>
+          </p:cNvSpPr>
+          <p:nvPr>
+            <p:ph type="sldImg"/>
+          </p:nvPr>
+        </p:nvSpPr>
+        <p:spPr/>
+      </p:sp>
+      <p:sp>
+        <p:nvSpPr>
+          <p:cNvPr id="3" name="Espace réservé des notes 2"/>
+          <p:cNvSpPr>
+            <a:spLocks noGrp="1"/>
+          </p:cNvSpPr>
+          <p:nvPr>
+            <p:ph type="body" idx="1"/>
+          </p:nvPr>
+        </p:nvSpPr>
+        <p:spPr/>
+        <p:txBody>
+          <a:bodyPr/>
+          <a:lstStyle/>
+          <a:p>
+            <a:r>
+              <a:rPr lang="fr-FR" dirty="0"/>
+              <a:t>Batterie démontable</a:t>
+            </a:r>
+          </a:p>
+        </p:txBody>
+      </p:sp>
+      <p:sp>
+        <p:nvSpPr>
+          <p:cNvPr id="4" name="Espace réservé du numéro de diapositive 3"/>
+          <p:cNvSpPr>
+            <a:spLocks noGrp="1"/>
+          </p:cNvSpPr>
+          <p:nvPr>
+            <p:ph type="sldNum" sz="quarter" idx="5"/>
+          </p:nvPr>
+        </p:nvSpPr>
+        <p:spPr/>
+        <p:txBody>
+          <a:bodyPr/>
+          <a:lstStyle/>
+          <a:p>
+            <a:fld id="{B7B83776-916E-4FC1-8221-C25F9A09B6D8}" type="slidenum">
+              <a:rPr lang="fr-FR" smtClean="0"/>
+              <a:t>7</a:t>
+            </a:fld>
+            <a:endParaRPr lang="fr-FR"/>
+          </a:p>
+        </p:txBody>
+      </p:sp>
+    </p:spTree>
+    <p:extLst>
+      <p:ext uri="{BB962C8B-B14F-4D97-AF65-F5344CB8AC3E}">
+        <p14:creationId xmlns:p14="http://schemas.microsoft.com/office/powerpoint/2010/main" val="2298421295"/>
+      </p:ext>
+    </p:extLst>
+  </p:cSld>
+  <p:clrMapOvr>
+    <a:masterClrMapping/>
+  </p:clrMapOvr>
+</p:notes>
+</file>
+
+<file path=ppt/notesSlides/notesSlide8.xml><?xml version="1.0" encoding="utf-8"?>
+<p:notes xmlns:a="http://schemas.openxmlformats.org/drawingml/2006/main" xmlns:r="http://schemas.openxmlformats.org/officeDocument/2006/relationships" xmlns:p="http://schemas.openxmlformats.org/presentationml/2006/main">
+  <p:cSld>
+    <p:spTree>
+      <p:nvGrpSpPr>
+        <p:cNvPr id="1" name=""/>
+        <p:cNvGrpSpPr/>
+        <p:nvPr/>
+      </p:nvGrpSpPr>
+      <p:grpSpPr>
+        <a:xfrm>
+          <a:off x="0" y="0"/>
+          <a:ext cx="0" cy="0"/>
+          <a:chOff x="0" y="0"/>
+          <a:chExt cx="0" cy="0"/>
+        </a:xfrm>
+      </p:grpSpPr>
+      <p:sp>
+        <p:nvSpPr>
+          <p:cNvPr id="2" name="Espace réservé de l'image des diapositives 1"/>
+          <p:cNvSpPr>
+            <a:spLocks noGrp="1" noRot="1" noChangeAspect="1"/>
+          </p:cNvSpPr>
+          <p:nvPr>
+            <p:ph type="sldImg"/>
+          </p:nvPr>
+        </p:nvSpPr>
+        <p:spPr/>
+      </p:sp>
+      <p:sp>
+        <p:nvSpPr>
+          <p:cNvPr id="3" name="Espace réservé des notes 2"/>
+          <p:cNvSpPr>
+            <a:spLocks noGrp="1"/>
+          </p:cNvSpPr>
+          <p:nvPr>
+            <p:ph type="body" idx="1"/>
+          </p:nvPr>
+        </p:nvSpPr>
+        <p:spPr/>
+        <p:txBody>
+          <a:bodyPr/>
+          <a:lstStyle/>
+          <a:p>
+            <a:r>
+              <a:rPr lang="fr-FR" dirty="0"/>
+              <a:t>Pneu</a:t>
+            </a:r>
+          </a:p>
+        </p:txBody>
+      </p:sp>
+      <p:sp>
+        <p:nvSpPr>
+          <p:cNvPr id="4" name="Espace réservé du numéro de diapositive 3"/>
+          <p:cNvSpPr>
+            <a:spLocks noGrp="1"/>
+          </p:cNvSpPr>
+          <p:nvPr>
+            <p:ph type="sldNum" sz="quarter" idx="5"/>
+          </p:nvPr>
+        </p:nvSpPr>
+        <p:spPr/>
+        <p:txBody>
+          <a:bodyPr/>
+          <a:lstStyle/>
+          <a:p>
+            <a:fld id="{B7B83776-916E-4FC1-8221-C25F9A09B6D8}" type="slidenum">
+              <a:rPr lang="fr-FR" smtClean="0"/>
+              <a:t>8</a:t>
+            </a:fld>
+            <a:endParaRPr lang="fr-FR"/>
+          </a:p>
+        </p:txBody>
+      </p:sp>
+    </p:spTree>
+    <p:extLst>
+      <p:ext uri="{BB962C8B-B14F-4D97-AF65-F5344CB8AC3E}">
+        <p14:creationId xmlns:p14="http://schemas.microsoft.com/office/powerpoint/2010/main" val="837387114"/>
+      </p:ext>
+    </p:extLst>
+  </p:cSld>
+  <p:clrMapOvr>
+    <a:masterClrMapping/>
+  </p:clrMapOvr>
+</p:notes>
+</file>
+
+<file path=ppt/notesSlides/notesSlide9.xml><?xml version="1.0" encoding="utf-8"?>
+<p:notes xmlns:a="http://schemas.openxmlformats.org/drawingml/2006/main" xmlns:r="http://schemas.openxmlformats.org/officeDocument/2006/relationships" xmlns:p="http://schemas.openxmlformats.org/presentationml/2006/main">
+  <p:cSld>
+    <p:spTree>
+      <p:nvGrpSpPr>
+        <p:cNvPr id="1" name=""/>
+        <p:cNvGrpSpPr/>
+        <p:nvPr/>
+      </p:nvGrpSpPr>
+      <p:grpSpPr>
+        <a:xfrm>
+          <a:off x="0" y="0"/>
+          <a:ext cx="0" cy="0"/>
+          <a:chOff x="0" y="0"/>
+          <a:chExt cx="0" cy="0"/>
+        </a:xfrm>
+      </p:grpSpPr>
+      <p:sp>
+        <p:nvSpPr>
+          <p:cNvPr id="2" name="Espace réservé de l'image des diapositives 1"/>
+          <p:cNvSpPr>
+            <a:spLocks noGrp="1" noRot="1" noChangeAspect="1"/>
+          </p:cNvSpPr>
+          <p:nvPr>
+            <p:ph type="sldImg"/>
+          </p:nvPr>
+        </p:nvSpPr>
+        <p:spPr/>
+      </p:sp>
+      <p:sp>
+        <p:nvSpPr>
+          <p:cNvPr id="3" name="Espace réservé des notes 2"/>
+          <p:cNvSpPr>
+            <a:spLocks noGrp="1"/>
+          </p:cNvSpPr>
+          <p:nvPr>
+            <p:ph type="body" idx="1"/>
+          </p:nvPr>
+        </p:nvSpPr>
+        <p:spPr/>
+        <p:txBody>
+          <a:bodyPr/>
+          <a:lstStyle/>
+          <a:p>
+            <a:r>
+              <a:rPr lang="fr-FR" dirty="0"/>
+              <a:t>Suspension</a:t>
+            </a:r>
+          </a:p>
+        </p:txBody>
+      </p:sp>
+      <p:sp>
+        <p:nvSpPr>
+          <p:cNvPr id="4" name="Espace réservé du numéro de diapositive 3"/>
+          <p:cNvSpPr>
+            <a:spLocks noGrp="1"/>
+          </p:cNvSpPr>
+          <p:nvPr>
+            <p:ph type="sldNum" sz="quarter" idx="5"/>
+          </p:nvPr>
+        </p:nvSpPr>
+        <p:spPr/>
+        <p:txBody>
+          <a:bodyPr/>
+          <a:lstStyle/>
+          <a:p>
+            <a:fld id="{B7B83776-916E-4FC1-8221-C25F9A09B6D8}" type="slidenum">
+              <a:rPr lang="fr-FR" smtClean="0"/>
+              <a:t>9</a:t>
+            </a:fld>
+            <a:endParaRPr lang="fr-FR"/>
+          </a:p>
+        </p:txBody>
+      </p:sp>
+    </p:spTree>
+    <p:extLst>
+      <p:ext uri="{BB962C8B-B14F-4D97-AF65-F5344CB8AC3E}">
+        <p14:creationId xmlns:p14="http://schemas.microsoft.com/office/powerpoint/2010/main" val="190275497"/>
+      </p:ext>
+    </p:extLst>
+  </p:cSld>
+  <p:clrMapOvr>
+    <a:masterClrMapping/>
+  </p:clrMapOvr>
+</p:notes>
+</file>
+
 <file path=ppt/slideLayouts/slideLayout1.xml><?xml version="1.0" encoding="utf-8"?>
 <p:sldLayout xmlns:a="http://schemas.openxmlformats.org/drawingml/2006/main" xmlns:r="http://schemas.openxmlformats.org/officeDocument/2006/relationships" xmlns:p="http://schemas.openxmlformats.org/presentationml/2006/main" type="title" preserve="1">
   <p:cSld name="Diapositive de titre">
@@ -297,7 +2050,7 @@
           <a:p>
             <a:fld id="{48A87A34-81AB-432B-8DAE-1953F412C126}" type="datetimeFigureOut">
               <a:rPr lang="en-US" dirty="0"/>
-              <a:t>9/25/2020</a:t>
+              <a:t>10/9/2020</a:t>
             </a:fld>
             <a:endParaRPr lang="en-US" dirty="0"/>
           </a:p>
@@ -559,7 +2312,7 @@
           <a:p>
             <a:fld id="{48A87A34-81AB-432B-8DAE-1953F412C126}" type="datetimeFigureOut">
               <a:rPr lang="en-US" dirty="0"/>
-              <a:t>9/25/2020</a:t>
+              <a:t>10/9/2020</a:t>
             </a:fld>
             <a:endParaRPr lang="en-US" dirty="0"/>
           </a:p>
@@ -786,7 +2539,7 @@
             <a:fld id="{48A87A34-81AB-432B-8DAE-1953F412C126}" type="datetimeFigureOut">
               <a:rPr lang="en-US" dirty="0"/>
               <a:pPr/>
-              <a:t>9/25/2020</a:t>
+              <a:t>10/9/2020</a:t>
             </a:fld>
             <a:endParaRPr lang="en-US" dirty="0"/>
           </a:p>
@@ -1092,7 +2845,7 @@
             <a:fld id="{48A87A34-81AB-432B-8DAE-1953F412C126}" type="datetimeFigureOut">
               <a:rPr lang="en-US" dirty="0"/>
               <a:pPr/>
-              <a:t>9/25/2020</a:t>
+              <a:t>10/9/2020</a:t>
             </a:fld>
             <a:endParaRPr lang="en-US" dirty="0"/>
           </a:p>
@@ -1561,7 +3314,7 @@
             <a:fld id="{48A87A34-81AB-432B-8DAE-1953F412C126}" type="datetimeFigureOut">
               <a:rPr lang="en-US" dirty="0"/>
               <a:pPr/>
-              <a:t>9/25/2020</a:t>
+              <a:t>10/9/2020</a:t>
             </a:fld>
             <a:endParaRPr lang="en-US" dirty="0"/>
           </a:p>
@@ -2103,7 +3856,7 @@
           <a:p>
             <a:fld id="{48A87A34-81AB-432B-8DAE-1953F412C126}" type="datetimeFigureOut">
               <a:rPr lang="en-US" dirty="0"/>
-              <a:t>9/25/2020</a:t>
+              <a:t>10/9/2020</a:t>
             </a:fld>
             <a:endParaRPr lang="en-US" dirty="0"/>
           </a:p>
@@ -2872,7 +4625,7 @@
           <a:p>
             <a:fld id="{48A87A34-81AB-432B-8DAE-1953F412C126}" type="datetimeFigureOut">
               <a:rPr lang="en-US" dirty="0"/>
-              <a:t>9/25/2020</a:t>
+              <a:t>10/9/2020</a:t>
             </a:fld>
             <a:endParaRPr lang="en-US" dirty="0"/>
           </a:p>
@@ -3042,7 +4795,7 @@
           <a:p>
             <a:fld id="{48A87A34-81AB-432B-8DAE-1953F412C126}" type="datetimeFigureOut">
               <a:rPr lang="en-US" dirty="0"/>
-              <a:t>9/25/2020</a:t>
+              <a:t>10/9/2020</a:t>
             </a:fld>
             <a:endParaRPr lang="en-US" dirty="0"/>
           </a:p>
@@ -3261,7 +5014,7 @@
             <a:fld id="{48A87A34-81AB-432B-8DAE-1953F412C126}" type="datetimeFigureOut">
               <a:rPr lang="en-US" dirty="0"/>
               <a:pPr/>
-              <a:t>9/25/2020</a:t>
+              <a:t>10/9/2020</a:t>
             </a:fld>
             <a:endParaRPr lang="en-US" dirty="0"/>
           </a:p>
@@ -3436,7 +5189,7 @@
           <a:p>
             <a:fld id="{48A87A34-81AB-432B-8DAE-1953F412C126}" type="datetimeFigureOut">
               <a:rPr lang="en-US" dirty="0"/>
-              <a:t>9/25/2020</a:t>
+              <a:t>10/9/2020</a:t>
             </a:fld>
             <a:endParaRPr lang="en-US" dirty="0"/>
           </a:p>
@@ -3721,7 +5474,7 @@
             <a:fld id="{48A87A34-81AB-432B-8DAE-1953F412C126}" type="datetimeFigureOut">
               <a:rPr lang="en-US" dirty="0"/>
               <a:pPr/>
-              <a:t>9/25/2020</a:t>
+              <a:t>10/9/2020</a:t>
             </a:fld>
             <a:endParaRPr lang="en-US" dirty="0"/>
           </a:p>
@@ -3958,7 +5711,7 @@
           <a:p>
             <a:fld id="{48A87A34-81AB-432B-8DAE-1953F412C126}" type="datetimeFigureOut">
               <a:rPr lang="en-US" dirty="0"/>
-              <a:t>9/25/2020</a:t>
+              <a:t>10/9/2020</a:t>
             </a:fld>
             <a:endParaRPr lang="en-US" dirty="0"/>
           </a:p>
@@ -4332,7 +6085,7 @@
           <a:p>
             <a:fld id="{48A87A34-81AB-432B-8DAE-1953F412C126}" type="datetimeFigureOut">
               <a:rPr lang="en-US" dirty="0"/>
-              <a:t>9/25/2020</a:t>
+              <a:t>10/9/2020</a:t>
             </a:fld>
             <a:endParaRPr lang="en-US" dirty="0"/>
           </a:p>
@@ -4445,7 +6198,7 @@
           <a:p>
             <a:fld id="{48A87A34-81AB-432B-8DAE-1953F412C126}" type="datetimeFigureOut">
               <a:rPr lang="en-US" dirty="0"/>
-              <a:t>9/25/2020</a:t>
+              <a:t>10/9/2020</a:t>
             </a:fld>
             <a:endParaRPr lang="en-US" dirty="0"/>
           </a:p>
@@ -4535,7 +6288,7 @@
           <a:p>
             <a:fld id="{48A87A34-81AB-432B-8DAE-1953F412C126}" type="datetimeFigureOut">
               <a:rPr lang="en-US" dirty="0"/>
-              <a:t>9/25/2020</a:t>
+              <a:t>10/9/2020</a:t>
             </a:fld>
             <a:endParaRPr lang="en-US" dirty="0"/>
           </a:p>
@@ -4779,7 +6532,7 @@
           <a:p>
             <a:fld id="{48A87A34-81AB-432B-8DAE-1953F412C126}" type="datetimeFigureOut">
               <a:rPr lang="en-US" dirty="0"/>
-              <a:t>9/25/2020</a:t>
+              <a:t>10/9/2020</a:t>
             </a:fld>
             <a:endParaRPr lang="en-US" dirty="0"/>
           </a:p>
@@ -5031,7 +6784,7 @@
           <a:p>
             <a:fld id="{48A87A34-81AB-432B-8DAE-1953F412C126}" type="datetimeFigureOut">
               <a:rPr lang="en-US" dirty="0"/>
-              <a:t>9/25/2020</a:t>
+              <a:t>10/9/2020</a:t>
             </a:fld>
             <a:endParaRPr lang="en-US" dirty="0"/>
           </a:p>
@@ -5270,7 +7023,7 @@
             <a:fld id="{48A87A34-81AB-432B-8DAE-1953F412C126}" type="datetimeFigureOut">
               <a:rPr lang="en-US" dirty="0"/>
               <a:pPr/>
-              <a:t>9/25/2020</a:t>
+              <a:t>10/9/2020</a:t>
             </a:fld>
             <a:endParaRPr lang="en-US" dirty="0"/>
           </a:p>
@@ -5747,18 +7500,151 @@
   <p:clrMapOvr>
     <a:masterClrMapping/>
   </p:clrMapOvr>
-  <mc:AlternateContent xmlns:mc="http://schemas.openxmlformats.org/markup-compatibility/2006">
-    <mc:Choice xmlns:p159="http://schemas.microsoft.com/office/powerpoint/2015/09/main" Requires="p159">
-      <p:transition xmlns:p14="http://schemas.microsoft.com/office/powerpoint/2010/main" spd="slow" p14:dur="2000">
-        <p159:morph option="byObject"/>
+  <mc:AlternateContent xmlns:mc="http://schemas.openxmlformats.org/markup-compatibility/2006" xmlns:p14="http://schemas.microsoft.com/office/powerpoint/2010/main">
+    <mc:Choice Requires="p14">
+      <p:transition spd="slow">
+        <p14:flash/>
       </p:transition>
     </mc:Choice>
-    <mc:Fallback>
+    <mc:Fallback xmlns="">
       <p:transition spd="slow">
         <p:fade/>
       </p:transition>
     </mc:Fallback>
   </mc:AlternateContent>
+  <p:timing>
+    <p:tnLst>
+      <p:par>
+        <p:cTn id="1" dur="indefinite" restart="never" nodeType="tmRoot">
+          <p:childTnLst>
+            <p:seq concurrent="1" nextAc="seek">
+              <p:cTn id="2" dur="indefinite" nodeType="mainSeq">
+                <p:childTnLst>
+                  <p:par>
+                    <p:cTn id="3" fill="hold">
+                      <p:stCondLst>
+                        <p:cond delay="indefinite"/>
+                        <p:cond evt="onBegin" delay="0">
+                          <p:tn val="2"/>
+                        </p:cond>
+                      </p:stCondLst>
+                      <p:childTnLst>
+                        <p:par>
+                          <p:cTn id="4" fill="hold">
+                            <p:stCondLst>
+                              <p:cond delay="0"/>
+                            </p:stCondLst>
+                            <p:childTnLst>
+                              <p:par>
+                                <p:cTn id="5" presetID="10" presetClass="entr" presetSubtype="0" fill="hold" grpId="0" nodeType="withEffect">
+                                  <p:stCondLst>
+                                    <p:cond delay="0"/>
+                                  </p:stCondLst>
+                                  <p:childTnLst>
+                                    <p:set>
+                                      <p:cBhvr>
+                                        <p:cTn id="6" dur="1" fill="hold">
+                                          <p:stCondLst>
+                                            <p:cond delay="0"/>
+                                          </p:stCondLst>
+                                        </p:cTn>
+                                        <p:tgtEl>
+                                          <p:spTgt spid="2"/>
+                                        </p:tgtEl>
+                                        <p:attrNameLst>
+                                          <p:attrName>style.visibility</p:attrName>
+                                        </p:attrNameLst>
+                                      </p:cBhvr>
+                                      <p:to>
+                                        <p:strVal val="visible"/>
+                                      </p:to>
+                                    </p:set>
+                                    <p:animEffect transition="in" filter="fade">
+                                      <p:cBhvr>
+                                        <p:cTn id="7" dur="500"/>
+                                        <p:tgtEl>
+                                          <p:spTgt spid="2"/>
+                                        </p:tgtEl>
+                                      </p:cBhvr>
+                                    </p:animEffect>
+                                  </p:childTnLst>
+                                </p:cTn>
+                              </p:par>
+                              <p:par>
+                                <p:cTn id="8" presetID="10" presetClass="entr" presetSubtype="0" fill="hold" grpId="0" nodeType="withEffect">
+                                  <p:stCondLst>
+                                    <p:cond delay="0"/>
+                                  </p:stCondLst>
+                                  <p:childTnLst>
+                                    <p:set>
+                                      <p:cBhvr>
+                                        <p:cTn id="9" dur="1" fill="hold">
+                                          <p:stCondLst>
+                                            <p:cond delay="0"/>
+                                          </p:stCondLst>
+                                        </p:cTn>
+                                        <p:tgtEl>
+                                          <p:spTgt spid="3">
+                                            <p:txEl>
+                                              <p:pRg st="0" end="0"/>
+                                            </p:txEl>
+                                          </p:spTgt>
+                                        </p:tgtEl>
+                                        <p:attrNameLst>
+                                          <p:attrName>style.visibility</p:attrName>
+                                        </p:attrNameLst>
+                                      </p:cBhvr>
+                                      <p:to>
+                                        <p:strVal val="visible"/>
+                                      </p:to>
+                                    </p:set>
+                                    <p:animEffect transition="in" filter="fade">
+                                      <p:cBhvr>
+                                        <p:cTn id="10" dur="500"/>
+                                        <p:tgtEl>
+                                          <p:spTgt spid="3">
+                                            <p:txEl>
+                                              <p:pRg st="0" end="0"/>
+                                            </p:txEl>
+                                          </p:spTgt>
+                                        </p:tgtEl>
+                                      </p:cBhvr>
+                                    </p:animEffect>
+                                  </p:childTnLst>
+                                </p:cTn>
+                              </p:par>
+                            </p:childTnLst>
+                          </p:cTn>
+                        </p:par>
+                      </p:childTnLst>
+                    </p:cTn>
+                  </p:par>
+                </p:childTnLst>
+              </p:cTn>
+              <p:prevCondLst>
+                <p:cond evt="onPrev" delay="0">
+                  <p:tgtEl>
+                    <p:sldTgt/>
+                  </p:tgtEl>
+                </p:cond>
+              </p:prevCondLst>
+              <p:nextCondLst>
+                <p:cond evt="onNext" delay="0">
+                  <p:tgtEl>
+                    <p:sldTgt/>
+                  </p:tgtEl>
+                </p:cond>
+              </p:nextCondLst>
+            </p:seq>
+          </p:childTnLst>
+        </p:cTn>
+      </p:par>
+    </p:tnLst>
+    <p:bldLst>
+      <p:bldP spid="2" grpId="0"/>
+      <p:bldP spid="3" grpId="0" build="p"/>
+    </p:bldLst>
+  </p:timing>
 </p:sld>
 </file>
 
@@ -5837,7 +7723,7 @@
           <p:nvPr/>
         </p:nvPicPr>
         <p:blipFill rotWithShape="1">
-          <a:blip r:embed="rId2"/>
+          <a:blip r:embed="rId3"/>
           <a:srcRect r="-5" b="1625"/>
           <a:stretch/>
         </p:blipFill>
@@ -5864,6 +7750,206 @@
   <p:transition spd="med">
     <p:pull/>
   </p:transition>
+  <p:timing>
+    <p:tnLst>
+      <p:par>
+        <p:cTn id="1" dur="indefinite" restart="never" nodeType="tmRoot">
+          <p:childTnLst>
+            <p:seq concurrent="1" nextAc="seek">
+              <p:cTn id="2" dur="indefinite" nodeType="mainSeq">
+                <p:childTnLst>
+                  <p:par>
+                    <p:cTn id="3" fill="hold">
+                      <p:stCondLst>
+                        <p:cond delay="indefinite"/>
+                        <p:cond evt="onBegin" delay="0">
+                          <p:tn val="2"/>
+                        </p:cond>
+                      </p:stCondLst>
+                      <p:childTnLst>
+                        <p:par>
+                          <p:cTn id="4" fill="hold">
+                            <p:stCondLst>
+                              <p:cond delay="0"/>
+                            </p:stCondLst>
+                            <p:childTnLst>
+                              <p:par>
+                                <p:cTn id="5" presetID="2" presetClass="entr" presetSubtype="1" fill="hold" grpId="0" nodeType="withEffect">
+                                  <p:stCondLst>
+                                    <p:cond delay="0"/>
+                                  </p:stCondLst>
+                                  <p:childTnLst>
+                                    <p:set>
+                                      <p:cBhvr>
+                                        <p:cTn id="6" dur="1" fill="hold">
+                                          <p:stCondLst>
+                                            <p:cond delay="0"/>
+                                          </p:stCondLst>
+                                        </p:cTn>
+                                        <p:tgtEl>
+                                          <p:spTgt spid="2"/>
+                                        </p:tgtEl>
+                                        <p:attrNameLst>
+                                          <p:attrName>style.visibility</p:attrName>
+                                        </p:attrNameLst>
+                                      </p:cBhvr>
+                                      <p:to>
+                                        <p:strVal val="visible"/>
+                                      </p:to>
+                                    </p:set>
+                                    <p:anim calcmode="lin" valueType="num">
+                                      <p:cBhvr additive="base">
+                                        <p:cTn id="7" dur="500" fill="hold"/>
+                                        <p:tgtEl>
+                                          <p:spTgt spid="2"/>
+                                        </p:tgtEl>
+                                        <p:attrNameLst>
+                                          <p:attrName>ppt_x</p:attrName>
+                                        </p:attrNameLst>
+                                      </p:cBhvr>
+                                      <p:tavLst>
+                                        <p:tav tm="0">
+                                          <p:val>
+                                            <p:strVal val="#ppt_x"/>
+                                          </p:val>
+                                        </p:tav>
+                                        <p:tav tm="100000">
+                                          <p:val>
+                                            <p:strVal val="#ppt_x"/>
+                                          </p:val>
+                                        </p:tav>
+                                      </p:tavLst>
+                                    </p:anim>
+                                    <p:anim calcmode="lin" valueType="num">
+                                      <p:cBhvr additive="base">
+                                        <p:cTn id="8" dur="500" fill="hold"/>
+                                        <p:tgtEl>
+                                          <p:spTgt spid="2"/>
+                                        </p:tgtEl>
+                                        <p:attrNameLst>
+                                          <p:attrName>ppt_y</p:attrName>
+                                        </p:attrNameLst>
+                                      </p:cBhvr>
+                                      <p:tavLst>
+                                        <p:tav tm="0">
+                                          <p:val>
+                                            <p:strVal val="0-#ppt_h/2"/>
+                                          </p:val>
+                                        </p:tav>
+                                        <p:tav tm="100000">
+                                          <p:val>
+                                            <p:strVal val="#ppt_y"/>
+                                          </p:val>
+                                        </p:tav>
+                                      </p:tavLst>
+                                    </p:anim>
+                                  </p:childTnLst>
+                                </p:cTn>
+                              </p:par>
+                              <p:par>
+                                <p:cTn id="9" presetID="2" presetClass="entr" presetSubtype="4" fill="hold" nodeType="withEffect">
+                                  <p:stCondLst>
+                                    <p:cond delay="0"/>
+                                  </p:stCondLst>
+                                  <p:childTnLst>
+                                    <p:set>
+                                      <p:cBhvr>
+                                        <p:cTn id="10" dur="1" fill="hold">
+                                          <p:stCondLst>
+                                            <p:cond delay="0"/>
+                                          </p:stCondLst>
+                                        </p:cTn>
+                                        <p:tgtEl>
+                                          <p:spTgt spid="5"/>
+                                        </p:tgtEl>
+                                        <p:attrNameLst>
+                                          <p:attrName>style.visibility</p:attrName>
+                                        </p:attrNameLst>
+                                      </p:cBhvr>
+                                      <p:to>
+                                        <p:strVal val="visible"/>
+                                      </p:to>
+                                    </p:set>
+                                    <p:anim calcmode="lin" valueType="num">
+                                      <p:cBhvr additive="base">
+                                        <p:cTn id="11" dur="500" fill="hold"/>
+                                        <p:tgtEl>
+                                          <p:spTgt spid="5"/>
+                                        </p:tgtEl>
+                                        <p:attrNameLst>
+                                          <p:attrName>ppt_x</p:attrName>
+                                        </p:attrNameLst>
+                                      </p:cBhvr>
+                                      <p:tavLst>
+                                        <p:tav tm="0">
+                                          <p:val>
+                                            <p:strVal val="#ppt_x"/>
+                                          </p:val>
+                                        </p:tav>
+                                        <p:tav tm="100000">
+                                          <p:val>
+                                            <p:strVal val="#ppt_x"/>
+                                          </p:val>
+                                        </p:tav>
+                                      </p:tavLst>
+                                    </p:anim>
+                                    <p:anim calcmode="lin" valueType="num">
+                                      <p:cBhvr additive="base">
+                                        <p:cTn id="12" dur="500" fill="hold"/>
+                                        <p:tgtEl>
+                                          <p:spTgt spid="5"/>
+                                        </p:tgtEl>
+                                        <p:attrNameLst>
+                                          <p:attrName>ppt_y</p:attrName>
+                                        </p:attrNameLst>
+                                      </p:cBhvr>
+                                      <p:tavLst>
+                                        <p:tav tm="0">
+                                          <p:val>
+                                            <p:strVal val="1+#ppt_h/2"/>
+                                          </p:val>
+                                        </p:tav>
+                                        <p:tav tm="100000">
+                                          <p:val>
+                                            <p:strVal val="#ppt_y"/>
+                                          </p:val>
+                                        </p:tav>
+                                      </p:tavLst>
+                                    </p:anim>
+                                  </p:childTnLst>
+                                </p:cTn>
+                              </p:par>
+                            </p:childTnLst>
+                          </p:cTn>
+                        </p:par>
+                      </p:childTnLst>
+                    </p:cTn>
+                  </p:par>
+                </p:childTnLst>
+              </p:cTn>
+              <p:prevCondLst>
+                <p:cond evt="onPrev" delay="0">
+                  <p:tgtEl>
+                    <p:sldTgt/>
+                  </p:tgtEl>
+                </p:cond>
+              </p:prevCondLst>
+              <p:nextCondLst>
+                <p:cond evt="onNext" delay="0">
+                  <p:tgtEl>
+                    <p:sldTgt/>
+                  </p:tgtEl>
+                </p:cond>
+              </p:nextCondLst>
+            </p:seq>
+          </p:childTnLst>
+        </p:cTn>
+      </p:par>
+    </p:tnLst>
+    <p:bldLst>
+      <p:bldP spid="2" grpId="0"/>
+    </p:bldLst>
+  </p:timing>
 </p:sld>
 </file>
 
@@ -5979,7 +8065,7 @@
           </p:nvPr>
         </p:nvPicPr>
         <p:blipFill>
-          <a:blip r:embed="rId2">
+          <a:blip r:embed="rId3">
             <a:extLst>
               <a:ext uri="{28A0092B-C50C-407E-A947-70E740481C1C}">
                 <a14:useLocalDpi xmlns:a14="http://schemas.microsoft.com/office/drawing/2010/main" val="0"/>
@@ -6120,7 +8206,7 @@
           <p:nvPr/>
         </p:nvPicPr>
         <p:blipFill rotWithShape="1">
-          <a:blip r:embed="rId3"/>
+          <a:blip r:embed="rId4"/>
           <a:srcRect r="-5" b="1625"/>
           <a:stretch/>
         </p:blipFill>
@@ -6147,6 +8233,206 @@
   <p:transition spd="slow">
     <p:cover/>
   </p:transition>
+  <p:timing>
+    <p:tnLst>
+      <p:par>
+        <p:cTn id="1" dur="indefinite" restart="never" nodeType="tmRoot">
+          <p:childTnLst>
+            <p:seq concurrent="1" nextAc="seek">
+              <p:cTn id="2" dur="indefinite" nodeType="mainSeq">
+                <p:childTnLst>
+                  <p:par>
+                    <p:cTn id="3" fill="hold">
+                      <p:stCondLst>
+                        <p:cond delay="indefinite"/>
+                        <p:cond evt="onBegin" delay="0">
+                          <p:tn val="2"/>
+                        </p:cond>
+                      </p:stCondLst>
+                      <p:childTnLst>
+                        <p:par>
+                          <p:cTn id="4" fill="hold">
+                            <p:stCondLst>
+                              <p:cond delay="0"/>
+                            </p:stCondLst>
+                            <p:childTnLst>
+                              <p:par>
+                                <p:cTn id="5" presetID="2" presetClass="entr" presetSubtype="4" fill="hold" grpId="0" nodeType="withEffect">
+                                  <p:stCondLst>
+                                    <p:cond delay="0"/>
+                                  </p:stCondLst>
+                                  <p:childTnLst>
+                                    <p:set>
+                                      <p:cBhvr>
+                                        <p:cTn id="6" dur="1" fill="hold">
+                                          <p:stCondLst>
+                                            <p:cond delay="0"/>
+                                          </p:stCondLst>
+                                        </p:cTn>
+                                        <p:tgtEl>
+                                          <p:spTgt spid="2"/>
+                                        </p:tgtEl>
+                                        <p:attrNameLst>
+                                          <p:attrName>style.visibility</p:attrName>
+                                        </p:attrNameLst>
+                                      </p:cBhvr>
+                                      <p:to>
+                                        <p:strVal val="visible"/>
+                                      </p:to>
+                                    </p:set>
+                                    <p:anim calcmode="lin" valueType="num">
+                                      <p:cBhvr additive="base">
+                                        <p:cTn id="7" dur="500" fill="hold"/>
+                                        <p:tgtEl>
+                                          <p:spTgt spid="2"/>
+                                        </p:tgtEl>
+                                        <p:attrNameLst>
+                                          <p:attrName>ppt_x</p:attrName>
+                                        </p:attrNameLst>
+                                      </p:cBhvr>
+                                      <p:tavLst>
+                                        <p:tav tm="0">
+                                          <p:val>
+                                            <p:strVal val="#ppt_x"/>
+                                          </p:val>
+                                        </p:tav>
+                                        <p:tav tm="100000">
+                                          <p:val>
+                                            <p:strVal val="#ppt_x"/>
+                                          </p:val>
+                                        </p:tav>
+                                      </p:tavLst>
+                                    </p:anim>
+                                    <p:anim calcmode="lin" valueType="num">
+                                      <p:cBhvr additive="base">
+                                        <p:cTn id="8" dur="500" fill="hold"/>
+                                        <p:tgtEl>
+                                          <p:spTgt spid="2"/>
+                                        </p:tgtEl>
+                                        <p:attrNameLst>
+                                          <p:attrName>ppt_y</p:attrName>
+                                        </p:attrNameLst>
+                                      </p:cBhvr>
+                                      <p:tavLst>
+                                        <p:tav tm="0">
+                                          <p:val>
+                                            <p:strVal val="1+#ppt_h/2"/>
+                                          </p:val>
+                                        </p:tav>
+                                        <p:tav tm="100000">
+                                          <p:val>
+                                            <p:strVal val="#ppt_y"/>
+                                          </p:val>
+                                        </p:tav>
+                                      </p:tavLst>
+                                    </p:anim>
+                                  </p:childTnLst>
+                                </p:cTn>
+                              </p:par>
+                              <p:par>
+                                <p:cTn id="9" presetID="2" presetClass="entr" presetSubtype="1" fill="hold" nodeType="withEffect">
+                                  <p:stCondLst>
+                                    <p:cond delay="0"/>
+                                  </p:stCondLst>
+                                  <p:childTnLst>
+                                    <p:set>
+                                      <p:cBhvr>
+                                        <p:cTn id="10" dur="1" fill="hold">
+                                          <p:stCondLst>
+                                            <p:cond delay="0"/>
+                                          </p:stCondLst>
+                                        </p:cTn>
+                                        <p:tgtEl>
+                                          <p:spTgt spid="5"/>
+                                        </p:tgtEl>
+                                        <p:attrNameLst>
+                                          <p:attrName>style.visibility</p:attrName>
+                                        </p:attrNameLst>
+                                      </p:cBhvr>
+                                      <p:to>
+                                        <p:strVal val="visible"/>
+                                      </p:to>
+                                    </p:set>
+                                    <p:anim calcmode="lin" valueType="num">
+                                      <p:cBhvr additive="base">
+                                        <p:cTn id="11" dur="500" fill="hold"/>
+                                        <p:tgtEl>
+                                          <p:spTgt spid="5"/>
+                                        </p:tgtEl>
+                                        <p:attrNameLst>
+                                          <p:attrName>ppt_x</p:attrName>
+                                        </p:attrNameLst>
+                                      </p:cBhvr>
+                                      <p:tavLst>
+                                        <p:tav tm="0">
+                                          <p:val>
+                                            <p:strVal val="#ppt_x"/>
+                                          </p:val>
+                                        </p:tav>
+                                        <p:tav tm="100000">
+                                          <p:val>
+                                            <p:strVal val="#ppt_x"/>
+                                          </p:val>
+                                        </p:tav>
+                                      </p:tavLst>
+                                    </p:anim>
+                                    <p:anim calcmode="lin" valueType="num">
+                                      <p:cBhvr additive="base">
+                                        <p:cTn id="12" dur="500" fill="hold"/>
+                                        <p:tgtEl>
+                                          <p:spTgt spid="5"/>
+                                        </p:tgtEl>
+                                        <p:attrNameLst>
+                                          <p:attrName>ppt_y</p:attrName>
+                                        </p:attrNameLst>
+                                      </p:cBhvr>
+                                      <p:tavLst>
+                                        <p:tav tm="0">
+                                          <p:val>
+                                            <p:strVal val="0-#ppt_h/2"/>
+                                          </p:val>
+                                        </p:tav>
+                                        <p:tav tm="100000">
+                                          <p:val>
+                                            <p:strVal val="#ppt_y"/>
+                                          </p:val>
+                                        </p:tav>
+                                      </p:tavLst>
+                                    </p:anim>
+                                  </p:childTnLst>
+                                </p:cTn>
+                              </p:par>
+                            </p:childTnLst>
+                          </p:cTn>
+                        </p:par>
+                      </p:childTnLst>
+                    </p:cTn>
+                  </p:par>
+                </p:childTnLst>
+              </p:cTn>
+              <p:prevCondLst>
+                <p:cond evt="onPrev" delay="0">
+                  <p:tgtEl>
+                    <p:sldTgt/>
+                  </p:tgtEl>
+                </p:cond>
+              </p:prevCondLst>
+              <p:nextCondLst>
+                <p:cond evt="onNext" delay="0">
+                  <p:tgtEl>
+                    <p:sldTgt/>
+                  </p:tgtEl>
+                </p:cond>
+              </p:nextCondLst>
+            </p:seq>
+          </p:childTnLst>
+        </p:cTn>
+      </p:par>
+    </p:tnLst>
+    <p:bldLst>
+      <p:bldP spid="2" grpId="0"/>
+    </p:bldLst>
+  </p:timing>
 </p:sld>
 </file>
 
@@ -6262,7 +8548,7 @@
           </p:nvPr>
         </p:nvPicPr>
         <p:blipFill>
-          <a:blip r:embed="rId2">
+          <a:blip r:embed="rId3">
             <a:extLst>
               <a:ext uri="{28A0092B-C50C-407E-A947-70E740481C1C}">
                 <a14:useLocalDpi xmlns:a14="http://schemas.microsoft.com/office/drawing/2010/main" val="0"/>
@@ -6403,7 +8689,7 @@
           <p:nvPr/>
         </p:nvPicPr>
         <p:blipFill rotWithShape="1">
-          <a:blip r:embed="rId3"/>
+          <a:blip r:embed="rId4"/>
           <a:srcRect t="23323" r="-3" b="1477"/>
           <a:stretch/>
         </p:blipFill>
@@ -6430,6 +8716,206 @@
   <p:transition spd="med">
     <p:pull/>
   </p:transition>
+  <p:timing>
+    <p:tnLst>
+      <p:par>
+        <p:cTn id="1" dur="indefinite" restart="never" nodeType="tmRoot">
+          <p:childTnLst>
+            <p:seq concurrent="1" nextAc="seek">
+              <p:cTn id="2" dur="indefinite" nodeType="mainSeq">
+                <p:childTnLst>
+                  <p:par>
+                    <p:cTn id="3" fill="hold">
+                      <p:stCondLst>
+                        <p:cond delay="indefinite"/>
+                        <p:cond evt="onBegin" delay="0">
+                          <p:tn val="2"/>
+                        </p:cond>
+                      </p:stCondLst>
+                      <p:childTnLst>
+                        <p:par>
+                          <p:cTn id="4" fill="hold">
+                            <p:stCondLst>
+                              <p:cond delay="0"/>
+                            </p:stCondLst>
+                            <p:childTnLst>
+                              <p:par>
+                                <p:cTn id="5" presetID="2" presetClass="entr" presetSubtype="4" fill="hold" grpId="0" nodeType="withEffect">
+                                  <p:stCondLst>
+                                    <p:cond delay="0"/>
+                                  </p:stCondLst>
+                                  <p:childTnLst>
+                                    <p:set>
+                                      <p:cBhvr>
+                                        <p:cTn id="6" dur="1" fill="hold">
+                                          <p:stCondLst>
+                                            <p:cond delay="0"/>
+                                          </p:stCondLst>
+                                        </p:cTn>
+                                        <p:tgtEl>
+                                          <p:spTgt spid="2"/>
+                                        </p:tgtEl>
+                                        <p:attrNameLst>
+                                          <p:attrName>style.visibility</p:attrName>
+                                        </p:attrNameLst>
+                                      </p:cBhvr>
+                                      <p:to>
+                                        <p:strVal val="visible"/>
+                                      </p:to>
+                                    </p:set>
+                                    <p:anim calcmode="lin" valueType="num">
+                                      <p:cBhvr additive="base">
+                                        <p:cTn id="7" dur="500" fill="hold"/>
+                                        <p:tgtEl>
+                                          <p:spTgt spid="2"/>
+                                        </p:tgtEl>
+                                        <p:attrNameLst>
+                                          <p:attrName>ppt_x</p:attrName>
+                                        </p:attrNameLst>
+                                      </p:cBhvr>
+                                      <p:tavLst>
+                                        <p:tav tm="0">
+                                          <p:val>
+                                            <p:strVal val="#ppt_x"/>
+                                          </p:val>
+                                        </p:tav>
+                                        <p:tav tm="100000">
+                                          <p:val>
+                                            <p:strVal val="#ppt_x"/>
+                                          </p:val>
+                                        </p:tav>
+                                      </p:tavLst>
+                                    </p:anim>
+                                    <p:anim calcmode="lin" valueType="num">
+                                      <p:cBhvr additive="base">
+                                        <p:cTn id="8" dur="500" fill="hold"/>
+                                        <p:tgtEl>
+                                          <p:spTgt spid="2"/>
+                                        </p:tgtEl>
+                                        <p:attrNameLst>
+                                          <p:attrName>ppt_y</p:attrName>
+                                        </p:attrNameLst>
+                                      </p:cBhvr>
+                                      <p:tavLst>
+                                        <p:tav tm="0">
+                                          <p:val>
+                                            <p:strVal val="1+#ppt_h/2"/>
+                                          </p:val>
+                                        </p:tav>
+                                        <p:tav tm="100000">
+                                          <p:val>
+                                            <p:strVal val="#ppt_y"/>
+                                          </p:val>
+                                        </p:tav>
+                                      </p:tavLst>
+                                    </p:anim>
+                                  </p:childTnLst>
+                                </p:cTn>
+                              </p:par>
+                              <p:par>
+                                <p:cTn id="9" presetID="2" presetClass="entr" presetSubtype="1" fill="hold" nodeType="withEffect">
+                                  <p:stCondLst>
+                                    <p:cond delay="0"/>
+                                  </p:stCondLst>
+                                  <p:childTnLst>
+                                    <p:set>
+                                      <p:cBhvr>
+                                        <p:cTn id="10" dur="1" fill="hold">
+                                          <p:stCondLst>
+                                            <p:cond delay="0"/>
+                                          </p:stCondLst>
+                                        </p:cTn>
+                                        <p:tgtEl>
+                                          <p:spTgt spid="5"/>
+                                        </p:tgtEl>
+                                        <p:attrNameLst>
+                                          <p:attrName>style.visibility</p:attrName>
+                                        </p:attrNameLst>
+                                      </p:cBhvr>
+                                      <p:to>
+                                        <p:strVal val="visible"/>
+                                      </p:to>
+                                    </p:set>
+                                    <p:anim calcmode="lin" valueType="num">
+                                      <p:cBhvr additive="base">
+                                        <p:cTn id="11" dur="500" fill="hold"/>
+                                        <p:tgtEl>
+                                          <p:spTgt spid="5"/>
+                                        </p:tgtEl>
+                                        <p:attrNameLst>
+                                          <p:attrName>ppt_x</p:attrName>
+                                        </p:attrNameLst>
+                                      </p:cBhvr>
+                                      <p:tavLst>
+                                        <p:tav tm="0">
+                                          <p:val>
+                                            <p:strVal val="#ppt_x"/>
+                                          </p:val>
+                                        </p:tav>
+                                        <p:tav tm="100000">
+                                          <p:val>
+                                            <p:strVal val="#ppt_x"/>
+                                          </p:val>
+                                        </p:tav>
+                                      </p:tavLst>
+                                    </p:anim>
+                                    <p:anim calcmode="lin" valueType="num">
+                                      <p:cBhvr additive="base">
+                                        <p:cTn id="12" dur="500" fill="hold"/>
+                                        <p:tgtEl>
+                                          <p:spTgt spid="5"/>
+                                        </p:tgtEl>
+                                        <p:attrNameLst>
+                                          <p:attrName>ppt_y</p:attrName>
+                                        </p:attrNameLst>
+                                      </p:cBhvr>
+                                      <p:tavLst>
+                                        <p:tav tm="0">
+                                          <p:val>
+                                            <p:strVal val="0-#ppt_h/2"/>
+                                          </p:val>
+                                        </p:tav>
+                                        <p:tav tm="100000">
+                                          <p:val>
+                                            <p:strVal val="#ppt_y"/>
+                                          </p:val>
+                                        </p:tav>
+                                      </p:tavLst>
+                                    </p:anim>
+                                  </p:childTnLst>
+                                </p:cTn>
+                              </p:par>
+                            </p:childTnLst>
+                          </p:cTn>
+                        </p:par>
+                      </p:childTnLst>
+                    </p:cTn>
+                  </p:par>
+                </p:childTnLst>
+              </p:cTn>
+              <p:prevCondLst>
+                <p:cond evt="onPrev" delay="0">
+                  <p:tgtEl>
+                    <p:sldTgt/>
+                  </p:tgtEl>
+                </p:cond>
+              </p:prevCondLst>
+              <p:nextCondLst>
+                <p:cond evt="onNext" delay="0">
+                  <p:tgtEl>
+                    <p:sldTgt/>
+                  </p:tgtEl>
+                </p:cond>
+              </p:nextCondLst>
+            </p:seq>
+          </p:childTnLst>
+        </p:cTn>
+      </p:par>
+    </p:tnLst>
+    <p:bldLst>
+      <p:bldP spid="2" grpId="0"/>
+    </p:bldLst>
+  </p:timing>
 </p:sld>
 </file>
 
@@ -6508,7 +8994,7 @@
           <p:nvPr/>
         </p:nvPicPr>
         <p:blipFill>
-          <a:blip r:embed="rId2"/>
+          <a:blip r:embed="rId3"/>
           <a:stretch>
             <a:fillRect/>
           </a:stretch>
@@ -6536,6 +9022,206 @@
   <p:transition spd="slow">
     <p:cover/>
   </p:transition>
+  <p:timing>
+    <p:tnLst>
+      <p:par>
+        <p:cTn id="1" dur="indefinite" restart="never" nodeType="tmRoot">
+          <p:childTnLst>
+            <p:seq concurrent="1" nextAc="seek">
+              <p:cTn id="2" dur="indefinite" nodeType="mainSeq">
+                <p:childTnLst>
+                  <p:par>
+                    <p:cTn id="3" fill="hold">
+                      <p:stCondLst>
+                        <p:cond delay="indefinite"/>
+                        <p:cond evt="onBegin" delay="0">
+                          <p:tn val="2"/>
+                        </p:cond>
+                      </p:stCondLst>
+                      <p:childTnLst>
+                        <p:par>
+                          <p:cTn id="4" fill="hold">
+                            <p:stCondLst>
+                              <p:cond delay="0"/>
+                            </p:stCondLst>
+                            <p:childTnLst>
+                              <p:par>
+                                <p:cTn id="5" presetID="2" presetClass="entr" presetSubtype="4" fill="hold" grpId="0" nodeType="withEffect">
+                                  <p:stCondLst>
+                                    <p:cond delay="0"/>
+                                  </p:stCondLst>
+                                  <p:childTnLst>
+                                    <p:set>
+                                      <p:cBhvr>
+                                        <p:cTn id="6" dur="1" fill="hold">
+                                          <p:stCondLst>
+                                            <p:cond delay="0"/>
+                                          </p:stCondLst>
+                                        </p:cTn>
+                                        <p:tgtEl>
+                                          <p:spTgt spid="2"/>
+                                        </p:tgtEl>
+                                        <p:attrNameLst>
+                                          <p:attrName>style.visibility</p:attrName>
+                                        </p:attrNameLst>
+                                      </p:cBhvr>
+                                      <p:to>
+                                        <p:strVal val="visible"/>
+                                      </p:to>
+                                    </p:set>
+                                    <p:anim calcmode="lin" valueType="num">
+                                      <p:cBhvr additive="base">
+                                        <p:cTn id="7" dur="500" fill="hold"/>
+                                        <p:tgtEl>
+                                          <p:spTgt spid="2"/>
+                                        </p:tgtEl>
+                                        <p:attrNameLst>
+                                          <p:attrName>ppt_x</p:attrName>
+                                        </p:attrNameLst>
+                                      </p:cBhvr>
+                                      <p:tavLst>
+                                        <p:tav tm="0">
+                                          <p:val>
+                                            <p:strVal val="#ppt_x"/>
+                                          </p:val>
+                                        </p:tav>
+                                        <p:tav tm="100000">
+                                          <p:val>
+                                            <p:strVal val="#ppt_x"/>
+                                          </p:val>
+                                        </p:tav>
+                                      </p:tavLst>
+                                    </p:anim>
+                                    <p:anim calcmode="lin" valueType="num">
+                                      <p:cBhvr additive="base">
+                                        <p:cTn id="8" dur="500" fill="hold"/>
+                                        <p:tgtEl>
+                                          <p:spTgt spid="2"/>
+                                        </p:tgtEl>
+                                        <p:attrNameLst>
+                                          <p:attrName>ppt_y</p:attrName>
+                                        </p:attrNameLst>
+                                      </p:cBhvr>
+                                      <p:tavLst>
+                                        <p:tav tm="0">
+                                          <p:val>
+                                            <p:strVal val="1+#ppt_h/2"/>
+                                          </p:val>
+                                        </p:tav>
+                                        <p:tav tm="100000">
+                                          <p:val>
+                                            <p:strVal val="#ppt_y"/>
+                                          </p:val>
+                                        </p:tav>
+                                      </p:tavLst>
+                                    </p:anim>
+                                  </p:childTnLst>
+                                </p:cTn>
+                              </p:par>
+                              <p:par>
+                                <p:cTn id="9" presetID="2" presetClass="entr" presetSubtype="2" fill="hold" nodeType="withEffect">
+                                  <p:stCondLst>
+                                    <p:cond delay="0"/>
+                                  </p:stCondLst>
+                                  <p:childTnLst>
+                                    <p:set>
+                                      <p:cBhvr>
+                                        <p:cTn id="10" dur="1" fill="hold">
+                                          <p:stCondLst>
+                                            <p:cond delay="0"/>
+                                          </p:stCondLst>
+                                        </p:cTn>
+                                        <p:tgtEl>
+                                          <p:spTgt spid="5"/>
+                                        </p:tgtEl>
+                                        <p:attrNameLst>
+                                          <p:attrName>style.visibility</p:attrName>
+                                        </p:attrNameLst>
+                                      </p:cBhvr>
+                                      <p:to>
+                                        <p:strVal val="visible"/>
+                                      </p:to>
+                                    </p:set>
+                                    <p:anim calcmode="lin" valueType="num">
+                                      <p:cBhvr additive="base">
+                                        <p:cTn id="11" dur="500" fill="hold"/>
+                                        <p:tgtEl>
+                                          <p:spTgt spid="5"/>
+                                        </p:tgtEl>
+                                        <p:attrNameLst>
+                                          <p:attrName>ppt_x</p:attrName>
+                                        </p:attrNameLst>
+                                      </p:cBhvr>
+                                      <p:tavLst>
+                                        <p:tav tm="0">
+                                          <p:val>
+                                            <p:strVal val="1+#ppt_w/2"/>
+                                          </p:val>
+                                        </p:tav>
+                                        <p:tav tm="100000">
+                                          <p:val>
+                                            <p:strVal val="#ppt_x"/>
+                                          </p:val>
+                                        </p:tav>
+                                      </p:tavLst>
+                                    </p:anim>
+                                    <p:anim calcmode="lin" valueType="num">
+                                      <p:cBhvr additive="base">
+                                        <p:cTn id="12" dur="500" fill="hold"/>
+                                        <p:tgtEl>
+                                          <p:spTgt spid="5"/>
+                                        </p:tgtEl>
+                                        <p:attrNameLst>
+                                          <p:attrName>ppt_y</p:attrName>
+                                        </p:attrNameLst>
+                                      </p:cBhvr>
+                                      <p:tavLst>
+                                        <p:tav tm="0">
+                                          <p:val>
+                                            <p:strVal val="#ppt_y"/>
+                                          </p:val>
+                                        </p:tav>
+                                        <p:tav tm="100000">
+                                          <p:val>
+                                            <p:strVal val="#ppt_y"/>
+                                          </p:val>
+                                        </p:tav>
+                                      </p:tavLst>
+                                    </p:anim>
+                                  </p:childTnLst>
+                                </p:cTn>
+                              </p:par>
+                            </p:childTnLst>
+                          </p:cTn>
+                        </p:par>
+                      </p:childTnLst>
+                    </p:cTn>
+                  </p:par>
+                </p:childTnLst>
+              </p:cTn>
+              <p:prevCondLst>
+                <p:cond evt="onPrev" delay="0">
+                  <p:tgtEl>
+                    <p:sldTgt/>
+                  </p:tgtEl>
+                </p:cond>
+              </p:prevCondLst>
+              <p:nextCondLst>
+                <p:cond evt="onNext" delay="0">
+                  <p:tgtEl>
+                    <p:sldTgt/>
+                  </p:tgtEl>
+                </p:cond>
+              </p:nextCondLst>
+            </p:seq>
+          </p:childTnLst>
+        </p:cTn>
+      </p:par>
+    </p:tnLst>
+    <p:bldLst>
+      <p:bldP spid="2" grpId="0"/>
+    </p:bldLst>
+  </p:timing>
 </p:sld>
 </file>
 
@@ -6596,12 +9282,8 @@
               <a:buNone/>
             </a:pPr>
             <a:r>
-              <a:rPr lang="en-US" sz="4000" dirty="0" err="1"/>
-              <a:t>Developped</a:t>
-            </a:r>
-            <a:r>
               <a:rPr lang="en-US" sz="4000" dirty="0"/>
-              <a:t> in France</a:t>
+              <a:t>Developed in France</a:t>
             </a:r>
           </a:p>
         </p:txBody>
@@ -6621,7 +9303,7 @@
           <p:nvPr/>
         </p:nvPicPr>
         <p:blipFill>
-          <a:blip r:embed="rId2"/>
+          <a:blip r:embed="rId3"/>
           <a:stretch>
             <a:fillRect/>
           </a:stretch>
@@ -6646,15 +9328,244 @@
   <p:clrMapOvr>
     <a:masterClrMapping/>
   </p:clrMapOvr>
-  <p:transition spd="med">
-    <p:pull/>
-  </p:transition>
+  <mc:AlternateContent xmlns:mc="http://schemas.openxmlformats.org/markup-compatibility/2006" xmlns:p14="http://schemas.microsoft.com/office/powerpoint/2010/main">
+    <mc:Choice Requires="p14">
+      <p:transition spd="slow" p14:dur="4000">
+        <p14:vortex dir="r"/>
+      </p:transition>
+    </mc:Choice>
+    <mc:Fallback xmlns="">
+      <p:transition spd="slow">
+        <p:fade/>
+      </p:transition>
+    </mc:Fallback>
+  </mc:AlternateContent>
+  <p:timing>
+    <p:tnLst>
+      <p:par>
+        <p:cTn id="1" dur="indefinite" restart="never" nodeType="tmRoot">
+          <p:childTnLst>
+            <p:seq concurrent="1" nextAc="seek">
+              <p:cTn id="2" dur="indefinite" nodeType="mainSeq">
+                <p:childTnLst>
+                  <p:par>
+                    <p:cTn id="3" fill="hold">
+                      <p:stCondLst>
+                        <p:cond delay="indefinite"/>
+                        <p:cond evt="onBegin" delay="0">
+                          <p:tn val="2"/>
+                        </p:cond>
+                      </p:stCondLst>
+                      <p:childTnLst>
+                        <p:par>
+                          <p:cTn id="4" fill="hold">
+                            <p:stCondLst>
+                              <p:cond delay="0"/>
+                            </p:stCondLst>
+                            <p:childTnLst>
+                              <p:par>
+                                <p:cTn id="5" presetID="2" presetClass="entr" presetSubtype="8" fill="hold" grpId="0" nodeType="withEffect">
+                                  <p:stCondLst>
+                                    <p:cond delay="0"/>
+                                  </p:stCondLst>
+                                  <p:childTnLst>
+                                    <p:set>
+                                      <p:cBhvr>
+                                        <p:cTn id="6" dur="1" fill="hold">
+                                          <p:stCondLst>
+                                            <p:cond delay="0"/>
+                                          </p:stCondLst>
+                                        </p:cTn>
+                                        <p:tgtEl>
+                                          <p:spTgt spid="9">
+                                            <p:txEl>
+                                              <p:pRg st="0" end="0"/>
+                                            </p:txEl>
+                                          </p:spTgt>
+                                        </p:tgtEl>
+                                        <p:attrNameLst>
+                                          <p:attrName>style.visibility</p:attrName>
+                                        </p:attrNameLst>
+                                      </p:cBhvr>
+                                      <p:to>
+                                        <p:strVal val="visible"/>
+                                      </p:to>
+                                    </p:set>
+                                    <p:anim calcmode="lin" valueType="num">
+                                      <p:cBhvr additive="base">
+                                        <p:cTn id="7" dur="500" fill="hold"/>
+                                        <p:tgtEl>
+                                          <p:spTgt spid="9">
+                                            <p:txEl>
+                                              <p:pRg st="0" end="0"/>
+                                            </p:txEl>
+                                          </p:spTgt>
+                                        </p:tgtEl>
+                                        <p:attrNameLst>
+                                          <p:attrName>ppt_x</p:attrName>
+                                        </p:attrNameLst>
+                                      </p:cBhvr>
+                                      <p:tavLst>
+                                        <p:tav tm="0">
+                                          <p:val>
+                                            <p:strVal val="0-#ppt_w/2"/>
+                                          </p:val>
+                                        </p:tav>
+                                        <p:tav tm="100000">
+                                          <p:val>
+                                            <p:strVal val="#ppt_x"/>
+                                          </p:val>
+                                        </p:tav>
+                                      </p:tavLst>
+                                    </p:anim>
+                                    <p:anim calcmode="lin" valueType="num">
+                                      <p:cBhvr additive="base">
+                                        <p:cTn id="8" dur="500" fill="hold"/>
+                                        <p:tgtEl>
+                                          <p:spTgt spid="9">
+                                            <p:txEl>
+                                              <p:pRg st="0" end="0"/>
+                                            </p:txEl>
+                                          </p:spTgt>
+                                        </p:tgtEl>
+                                        <p:attrNameLst>
+                                          <p:attrName>ppt_y</p:attrName>
+                                        </p:attrNameLst>
+                                      </p:cBhvr>
+                                      <p:tavLst>
+                                        <p:tav tm="0">
+                                          <p:val>
+                                            <p:strVal val="#ppt_y"/>
+                                          </p:val>
+                                        </p:tav>
+                                        <p:tav tm="100000">
+                                          <p:val>
+                                            <p:strVal val="#ppt_y"/>
+                                          </p:val>
+                                        </p:tav>
+                                      </p:tavLst>
+                                    </p:anim>
+                                  </p:childTnLst>
+                                </p:cTn>
+                              </p:par>
+                              <p:par>
+                                <p:cTn id="9" presetID="2" presetClass="entr" presetSubtype="3" fill="hold" nodeType="withEffect">
+                                  <p:stCondLst>
+                                    <p:cond delay="0"/>
+                                  </p:stCondLst>
+                                  <p:childTnLst>
+                                    <p:set>
+                                      <p:cBhvr>
+                                        <p:cTn id="10" dur="1" fill="hold">
+                                          <p:stCondLst>
+                                            <p:cond delay="0"/>
+                                          </p:stCondLst>
+                                        </p:cTn>
+                                        <p:tgtEl>
+                                          <p:spTgt spid="5"/>
+                                        </p:tgtEl>
+                                        <p:attrNameLst>
+                                          <p:attrName>style.visibility</p:attrName>
+                                        </p:attrNameLst>
+                                      </p:cBhvr>
+                                      <p:to>
+                                        <p:strVal val="visible"/>
+                                      </p:to>
+                                    </p:set>
+                                    <p:anim calcmode="lin" valueType="num">
+                                      <p:cBhvr additive="base">
+                                        <p:cTn id="11" dur="500" fill="hold"/>
+                                        <p:tgtEl>
+                                          <p:spTgt spid="5"/>
+                                        </p:tgtEl>
+                                        <p:attrNameLst>
+                                          <p:attrName>ppt_x</p:attrName>
+                                        </p:attrNameLst>
+                                      </p:cBhvr>
+                                      <p:tavLst>
+                                        <p:tav tm="0">
+                                          <p:val>
+                                            <p:strVal val="1+#ppt_w/2"/>
+                                          </p:val>
+                                        </p:tav>
+                                        <p:tav tm="100000">
+                                          <p:val>
+                                            <p:strVal val="#ppt_x"/>
+                                          </p:val>
+                                        </p:tav>
+                                      </p:tavLst>
+                                    </p:anim>
+                                    <p:anim calcmode="lin" valueType="num">
+                                      <p:cBhvr additive="base">
+                                        <p:cTn id="12" dur="500" fill="hold"/>
+                                        <p:tgtEl>
+                                          <p:spTgt spid="5"/>
+                                        </p:tgtEl>
+                                        <p:attrNameLst>
+                                          <p:attrName>ppt_y</p:attrName>
+                                        </p:attrNameLst>
+                                      </p:cBhvr>
+                                      <p:tavLst>
+                                        <p:tav tm="0">
+                                          <p:val>
+                                            <p:strVal val="0-#ppt_h/2"/>
+                                          </p:val>
+                                        </p:tav>
+                                        <p:tav tm="100000">
+                                          <p:val>
+                                            <p:strVal val="#ppt_y"/>
+                                          </p:val>
+                                        </p:tav>
+                                      </p:tavLst>
+                                    </p:anim>
+                                  </p:childTnLst>
+                                </p:cTn>
+                              </p:par>
+                            </p:childTnLst>
+                          </p:cTn>
+                        </p:par>
+                      </p:childTnLst>
+                    </p:cTn>
+                  </p:par>
+                </p:childTnLst>
+              </p:cTn>
+              <p:prevCondLst>
+                <p:cond evt="onPrev" delay="0">
+                  <p:tgtEl>
+                    <p:sldTgt/>
+                  </p:tgtEl>
+                </p:cond>
+              </p:prevCondLst>
+              <p:nextCondLst>
+                <p:cond evt="onNext" delay="0">
+                  <p:tgtEl>
+                    <p:sldTgt/>
+                  </p:tgtEl>
+                </p:cond>
+              </p:nextCondLst>
+            </p:seq>
+          </p:childTnLst>
+        </p:cTn>
+      </p:par>
+    </p:tnLst>
+    <p:bldLst>
+      <p:bldP spid="9" grpId="0" build="p"/>
+    </p:bldLst>
+  </p:timing>
 </p:sld>
 </file>
 
 <file path=ppt/slides/slide15.xml><?xml version="1.0" encoding="utf-8"?>
 <p:sld xmlns:a="http://schemas.openxmlformats.org/drawingml/2006/main" xmlns:r="http://schemas.openxmlformats.org/officeDocument/2006/relationships" xmlns:p="http://schemas.openxmlformats.org/presentationml/2006/main">
   <p:cSld>
+    <p:bg>
+      <p:bgPr>
+        <a:solidFill>
+          <a:schemeClr val="bg1"/>
+        </a:solidFill>
+        <a:effectLst/>
+      </p:bgPr>
+    </p:bg>
     <p:spTree>
       <p:nvGrpSpPr>
         <p:cNvPr id="1" name=""/>
@@ -6671,10 +9582,10 @@
       </p:grpSpPr>
       <p:sp>
         <p:nvSpPr>
-          <p:cNvPr id="3" name="Espace réservé du contenu 2">
+          <p:cNvPr id="2" name="Titre 1">
             <a:extLst>
               <a:ext uri="{FF2B5EF4-FFF2-40B4-BE49-F238E27FC236}">
-                <a16:creationId xmlns:a16="http://schemas.microsoft.com/office/drawing/2014/main" id="{78DCAE27-2C88-45B8-8308-A520355CBD15}"/>
+                <a16:creationId xmlns:a16="http://schemas.microsoft.com/office/drawing/2014/main" id="{062D7BC2-6839-4ED3-987F-E1B21F778247}"/>
               </a:ext>
             </a:extLst>
           </p:cNvPr>
@@ -6682,78 +9593,527 @@
             <a:spLocks noGrp="1"/>
           </p:cNvSpPr>
           <p:nvPr>
-            <p:ph idx="1"/>
-          </p:nvPr>
-        </p:nvSpPr>
-        <p:spPr/>
+            <p:ph type="title"/>
+          </p:nvPr>
+        </p:nvSpPr>
+        <p:spPr>
+          <a:xfrm>
+            <a:off x="619760" y="764373"/>
+            <a:ext cx="6832600" cy="1293028"/>
+          </a:xfrm>
+        </p:spPr>
         <p:txBody>
           <a:bodyPr>
             <a:normAutofit/>
           </a:bodyPr>
           <a:lstStyle/>
           <a:p>
-            <a:pPr marL="0" indent="0" algn="ctr">
-              <a:buNone/>
-            </a:pPr>
-            <a:r>
-              <a:rPr lang="en-US" sz="3200" b="1" dirty="0"/>
-              <a:t>E-ST 500 V2 NOIR BLEU 27,5"</a:t>
-            </a:r>
-          </a:p>
-          <a:p>
-            <a:pPr marL="0" indent="0" algn="ctr">
-              <a:buNone/>
-            </a:pPr>
-            <a:endParaRPr lang="fr-FR" sz="3200" dirty="0"/>
-          </a:p>
-          <a:p>
-            <a:pPr marL="0" indent="0" algn="ctr">
-              <a:buNone/>
-            </a:pPr>
-            <a:r>
-              <a:rPr lang="fr-FR" sz="3200" dirty="0"/>
-              <a:t>1199€</a:t>
-            </a:r>
-          </a:p>
-          <a:p>
-            <a:pPr marL="0" indent="0" algn="ctr">
-              <a:buNone/>
-            </a:pPr>
-            <a:endParaRPr lang="fr-FR" sz="3200" dirty="0"/>
-          </a:p>
-          <a:p>
-            <a:pPr marL="0" indent="0" algn="ctr">
-              <a:buNone/>
-            </a:pPr>
-            <a:r>
-              <a:rPr lang="fr-FR" sz="3200" dirty="0"/>
-              <a:t>AVAILABLE NOW AT</a:t>
-            </a:r>
-          </a:p>
-          <a:p>
-            <a:pPr marL="0" indent="0" algn="ctr">
-              <a:buNone/>
-            </a:pPr>
-            <a:r>
-              <a:rPr lang="fr-FR" sz="3200" dirty="0"/>
-              <a:t>Decathlon.fr</a:t>
-            </a:r>
-          </a:p>
-        </p:txBody>
-      </p:sp>
+            <a:r>
+              <a:rPr lang="fr-FR" dirty="0" err="1"/>
+              <a:t>We</a:t>
+            </a:r>
+            <a:r>
+              <a:rPr lang="fr-FR" dirty="0"/>
+              <a:t> recycle </a:t>
+            </a:r>
+            <a:r>
+              <a:rPr lang="fr-FR" dirty="0" err="1"/>
+              <a:t>your</a:t>
+            </a:r>
+            <a:r>
+              <a:rPr lang="fr-FR" dirty="0"/>
+              <a:t> </a:t>
+            </a:r>
+            <a:r>
+              <a:rPr lang="fr-FR" dirty="0" err="1"/>
+              <a:t>old</a:t>
+            </a:r>
+            <a:r>
+              <a:rPr lang="fr-FR" dirty="0"/>
+              <a:t> bike</a:t>
+            </a:r>
+          </a:p>
+        </p:txBody>
+      </p:sp>
+      <p:sp>
+        <p:nvSpPr>
+          <p:cNvPr id="9" name="Content Placeholder 8">
+            <a:extLst>
+              <a:ext uri="{FF2B5EF4-FFF2-40B4-BE49-F238E27FC236}">
+                <a16:creationId xmlns:a16="http://schemas.microsoft.com/office/drawing/2014/main" id="{5D643D6E-28EE-437A-A72D-EA84D48E6DF1}"/>
+              </a:ext>
+            </a:extLst>
+          </p:cNvPr>
+          <p:cNvSpPr>
+            <a:spLocks noGrp="1"/>
+          </p:cNvSpPr>
+          <p:nvPr>
+            <p:ph idx="1"/>
+          </p:nvPr>
+        </p:nvSpPr>
+        <p:spPr>
+          <a:xfrm>
+            <a:off x="619760" y="2194560"/>
+            <a:ext cx="6832600" cy="4024125"/>
+          </a:xfrm>
+        </p:spPr>
+        <p:txBody>
+          <a:bodyPr>
+            <a:normAutofit/>
+          </a:bodyPr>
+          <a:lstStyle/>
+          <a:p>
+            <a:endParaRPr lang="en-US" dirty="0"/>
+          </a:p>
+          <a:p>
+            <a:r>
+              <a:rPr lang="en-US" sz="2800" dirty="0"/>
+              <a:t>Up to 300€ on your old VTT</a:t>
+            </a:r>
+          </a:p>
+          <a:p>
+            <a:endParaRPr lang="en-US" sz="2800" dirty="0"/>
+          </a:p>
+          <a:p>
+            <a:endParaRPr lang="en-US" sz="2800" dirty="0"/>
+          </a:p>
+          <a:p>
+            <a:endParaRPr lang="en-US" sz="2800" dirty="0"/>
+          </a:p>
+          <a:p>
+            <a:endParaRPr lang="en-US" sz="2800" dirty="0"/>
+          </a:p>
+          <a:p>
+            <a:r>
+              <a:rPr lang="en-US" sz="2800" dirty="0"/>
+              <a:t>View conditions on occasions.decathlon.fr</a:t>
+            </a:r>
+          </a:p>
+        </p:txBody>
+      </p:sp>
+      <p:pic>
+        <p:nvPicPr>
+          <p:cNvPr id="5" name="Espace réservé du contenu 4" descr="Une image contenant objet, horloge&#10;&#10;Description générée automatiquement">
+            <a:extLst>
+              <a:ext uri="{FF2B5EF4-FFF2-40B4-BE49-F238E27FC236}">
+                <a16:creationId xmlns:a16="http://schemas.microsoft.com/office/drawing/2014/main" id="{8254F814-7FEA-4FA7-A906-56B0F8CB2F11}"/>
+              </a:ext>
+            </a:extLst>
+          </p:cNvPr>
+          <p:cNvPicPr>
+            <a:picLocks noChangeAspect="1"/>
+          </p:cNvPicPr>
+          <p:nvPr/>
+        </p:nvPicPr>
+        <p:blipFill>
+          <a:blip r:embed="rId3"/>
+          <a:stretch>
+            <a:fillRect/>
+          </a:stretch>
+        </p:blipFill>
+        <p:spPr>
+          <a:xfrm>
+            <a:off x="7861238" y="1659923"/>
+            <a:ext cx="3644962" cy="3644962"/>
+          </a:xfrm>
+          <a:prstGeom prst="rect">
+            <a:avLst/>
+          </a:prstGeom>
+        </p:spPr>
+      </p:pic>
     </p:spTree>
     <p:extLst>
       <p:ext uri="{BB962C8B-B14F-4D97-AF65-F5344CB8AC3E}">
-        <p14:creationId xmlns:p14="http://schemas.microsoft.com/office/powerpoint/2010/main" val="1169458282"/>
+        <p14:creationId xmlns:p14="http://schemas.microsoft.com/office/powerpoint/2010/main" val="3427293674"/>
       </p:ext>
     </p:extLst>
   </p:cSld>
   <p:clrMapOvr>
     <a:masterClrMapping/>
   </p:clrMapOvr>
-  <p:transition spd="slow">
-    <p:push dir="u"/>
-  </p:transition>
+  <mc:AlternateContent xmlns:mc="http://schemas.openxmlformats.org/markup-compatibility/2006" xmlns:p14="http://schemas.microsoft.com/office/powerpoint/2010/main">
+    <mc:Choice Requires="p14">
+      <p:transition spd="slow" p14:dur="2000">
+        <p14:ferris dir="l"/>
+      </p:transition>
+    </mc:Choice>
+    <mc:Fallback xmlns="">
+      <p:transition spd="slow">
+        <p:fade/>
+      </p:transition>
+    </mc:Fallback>
+  </mc:AlternateContent>
+  <p:timing>
+    <p:tnLst>
+      <p:par>
+        <p:cTn id="1" dur="indefinite" restart="never" nodeType="tmRoot">
+          <p:childTnLst>
+            <p:seq concurrent="1" nextAc="seek">
+              <p:cTn id="2" dur="indefinite" nodeType="mainSeq">
+                <p:childTnLst>
+                  <p:par>
+                    <p:cTn id="3" fill="hold">
+                      <p:stCondLst>
+                        <p:cond delay="indefinite"/>
+                        <p:cond evt="onBegin" delay="0">
+                          <p:tn val="2"/>
+                        </p:cond>
+                      </p:stCondLst>
+                      <p:childTnLst>
+                        <p:par>
+                          <p:cTn id="4" fill="hold">
+                            <p:stCondLst>
+                              <p:cond delay="0"/>
+                            </p:stCondLst>
+                            <p:childTnLst>
+                              <p:par>
+                                <p:cTn id="5" presetID="2" presetClass="entr" presetSubtype="3" fill="hold" nodeType="withEffect">
+                                  <p:stCondLst>
+                                    <p:cond delay="0"/>
+                                  </p:stCondLst>
+                                  <p:childTnLst>
+                                    <p:set>
+                                      <p:cBhvr>
+                                        <p:cTn id="6" dur="1" fill="hold">
+                                          <p:stCondLst>
+                                            <p:cond delay="0"/>
+                                          </p:stCondLst>
+                                        </p:cTn>
+                                        <p:tgtEl>
+                                          <p:spTgt spid="5"/>
+                                        </p:tgtEl>
+                                        <p:attrNameLst>
+                                          <p:attrName>style.visibility</p:attrName>
+                                        </p:attrNameLst>
+                                      </p:cBhvr>
+                                      <p:to>
+                                        <p:strVal val="visible"/>
+                                      </p:to>
+                                    </p:set>
+                                    <p:anim calcmode="lin" valueType="num">
+                                      <p:cBhvr additive="base">
+                                        <p:cTn id="7" dur="500" fill="hold"/>
+                                        <p:tgtEl>
+                                          <p:spTgt spid="5"/>
+                                        </p:tgtEl>
+                                        <p:attrNameLst>
+                                          <p:attrName>ppt_x</p:attrName>
+                                        </p:attrNameLst>
+                                      </p:cBhvr>
+                                      <p:tavLst>
+                                        <p:tav tm="0">
+                                          <p:val>
+                                            <p:strVal val="1+#ppt_w/2"/>
+                                          </p:val>
+                                        </p:tav>
+                                        <p:tav tm="100000">
+                                          <p:val>
+                                            <p:strVal val="#ppt_x"/>
+                                          </p:val>
+                                        </p:tav>
+                                      </p:tavLst>
+                                    </p:anim>
+                                    <p:anim calcmode="lin" valueType="num">
+                                      <p:cBhvr additive="base">
+                                        <p:cTn id="8" dur="500" fill="hold"/>
+                                        <p:tgtEl>
+                                          <p:spTgt spid="5"/>
+                                        </p:tgtEl>
+                                        <p:attrNameLst>
+                                          <p:attrName>ppt_y</p:attrName>
+                                        </p:attrNameLst>
+                                      </p:cBhvr>
+                                      <p:tavLst>
+                                        <p:tav tm="0">
+                                          <p:val>
+                                            <p:strVal val="0-#ppt_h/2"/>
+                                          </p:val>
+                                        </p:tav>
+                                        <p:tav tm="100000">
+                                          <p:val>
+                                            <p:strVal val="#ppt_y"/>
+                                          </p:val>
+                                        </p:tav>
+                                      </p:tavLst>
+                                    </p:anim>
+                                  </p:childTnLst>
+                                </p:cTn>
+                              </p:par>
+                              <p:par>
+                                <p:cTn id="9" presetID="2" presetClass="entr" presetSubtype="8" fill="hold" grpId="0" nodeType="withEffect">
+                                  <p:stCondLst>
+                                    <p:cond delay="0"/>
+                                  </p:stCondLst>
+                                  <p:childTnLst>
+                                    <p:set>
+                                      <p:cBhvr>
+                                        <p:cTn id="10" dur="1" fill="hold">
+                                          <p:stCondLst>
+                                            <p:cond delay="0"/>
+                                          </p:stCondLst>
+                                        </p:cTn>
+                                        <p:tgtEl>
+                                          <p:spTgt spid="2"/>
+                                        </p:tgtEl>
+                                        <p:attrNameLst>
+                                          <p:attrName>style.visibility</p:attrName>
+                                        </p:attrNameLst>
+                                      </p:cBhvr>
+                                      <p:to>
+                                        <p:strVal val="visible"/>
+                                      </p:to>
+                                    </p:set>
+                                    <p:anim calcmode="lin" valueType="num">
+                                      <p:cBhvr additive="base">
+                                        <p:cTn id="11" dur="500" fill="hold"/>
+                                        <p:tgtEl>
+                                          <p:spTgt spid="2"/>
+                                        </p:tgtEl>
+                                        <p:attrNameLst>
+                                          <p:attrName>ppt_x</p:attrName>
+                                        </p:attrNameLst>
+                                      </p:cBhvr>
+                                      <p:tavLst>
+                                        <p:tav tm="0">
+                                          <p:val>
+                                            <p:strVal val="0-#ppt_w/2"/>
+                                          </p:val>
+                                        </p:tav>
+                                        <p:tav tm="100000">
+                                          <p:val>
+                                            <p:strVal val="#ppt_x"/>
+                                          </p:val>
+                                        </p:tav>
+                                      </p:tavLst>
+                                    </p:anim>
+                                    <p:anim calcmode="lin" valueType="num">
+                                      <p:cBhvr additive="base">
+                                        <p:cTn id="12" dur="500" fill="hold"/>
+                                        <p:tgtEl>
+                                          <p:spTgt spid="2"/>
+                                        </p:tgtEl>
+                                        <p:attrNameLst>
+                                          <p:attrName>ppt_y</p:attrName>
+                                        </p:attrNameLst>
+                                      </p:cBhvr>
+                                      <p:tavLst>
+                                        <p:tav tm="0">
+                                          <p:val>
+                                            <p:strVal val="#ppt_y"/>
+                                          </p:val>
+                                        </p:tav>
+                                        <p:tav tm="100000">
+                                          <p:val>
+                                            <p:strVal val="#ppt_y"/>
+                                          </p:val>
+                                        </p:tav>
+                                      </p:tavLst>
+                                    </p:anim>
+                                  </p:childTnLst>
+                                </p:cTn>
+                              </p:par>
+                              <p:par>
+                                <p:cTn id="13" presetID="2" presetClass="entr" presetSubtype="8" fill="hold" grpId="0" nodeType="withEffect">
+                                  <p:stCondLst>
+                                    <p:cond delay="0"/>
+                                  </p:stCondLst>
+                                  <p:childTnLst>
+                                    <p:set>
+                                      <p:cBhvr>
+                                        <p:cTn id="14" dur="1" fill="hold">
+                                          <p:stCondLst>
+                                            <p:cond delay="0"/>
+                                          </p:stCondLst>
+                                        </p:cTn>
+                                        <p:tgtEl>
+                                          <p:spTgt spid="9">
+                                            <p:txEl>
+                                              <p:pRg st="1" end="1"/>
+                                            </p:txEl>
+                                          </p:spTgt>
+                                        </p:tgtEl>
+                                        <p:attrNameLst>
+                                          <p:attrName>style.visibility</p:attrName>
+                                        </p:attrNameLst>
+                                      </p:cBhvr>
+                                      <p:to>
+                                        <p:strVal val="visible"/>
+                                      </p:to>
+                                    </p:set>
+                                    <p:anim calcmode="lin" valueType="num">
+                                      <p:cBhvr additive="base">
+                                        <p:cTn id="15" dur="500" fill="hold"/>
+                                        <p:tgtEl>
+                                          <p:spTgt spid="9">
+                                            <p:txEl>
+                                              <p:pRg st="1" end="1"/>
+                                            </p:txEl>
+                                          </p:spTgt>
+                                        </p:tgtEl>
+                                        <p:attrNameLst>
+                                          <p:attrName>ppt_x</p:attrName>
+                                        </p:attrNameLst>
+                                      </p:cBhvr>
+                                      <p:tavLst>
+                                        <p:tav tm="0">
+                                          <p:val>
+                                            <p:strVal val="0-#ppt_w/2"/>
+                                          </p:val>
+                                        </p:tav>
+                                        <p:tav tm="100000">
+                                          <p:val>
+                                            <p:strVal val="#ppt_x"/>
+                                          </p:val>
+                                        </p:tav>
+                                      </p:tavLst>
+                                    </p:anim>
+                                    <p:anim calcmode="lin" valueType="num">
+                                      <p:cBhvr additive="base">
+                                        <p:cTn id="16" dur="500" fill="hold"/>
+                                        <p:tgtEl>
+                                          <p:spTgt spid="9">
+                                            <p:txEl>
+                                              <p:pRg st="1" end="1"/>
+                                            </p:txEl>
+                                          </p:spTgt>
+                                        </p:tgtEl>
+                                        <p:attrNameLst>
+                                          <p:attrName>ppt_y</p:attrName>
+                                        </p:attrNameLst>
+                                      </p:cBhvr>
+                                      <p:tavLst>
+                                        <p:tav tm="0">
+                                          <p:val>
+                                            <p:strVal val="#ppt_y"/>
+                                          </p:val>
+                                        </p:tav>
+                                        <p:tav tm="100000">
+                                          <p:val>
+                                            <p:strVal val="#ppt_y"/>
+                                          </p:val>
+                                        </p:tav>
+                                      </p:tavLst>
+                                    </p:anim>
+                                  </p:childTnLst>
+                                </p:cTn>
+                              </p:par>
+                              <p:par>
+                                <p:cTn id="17" presetID="2" presetClass="entr" presetSubtype="8" fill="hold" grpId="0" nodeType="withEffect">
+                                  <p:stCondLst>
+                                    <p:cond delay="0"/>
+                                  </p:stCondLst>
+                                  <p:childTnLst>
+                                    <p:set>
+                                      <p:cBhvr>
+                                        <p:cTn id="18" dur="1" fill="hold">
+                                          <p:stCondLst>
+                                            <p:cond delay="0"/>
+                                          </p:stCondLst>
+                                        </p:cTn>
+                                        <p:tgtEl>
+                                          <p:spTgt spid="9">
+                                            <p:txEl>
+                                              <p:pRg st="6" end="6"/>
+                                            </p:txEl>
+                                          </p:spTgt>
+                                        </p:tgtEl>
+                                        <p:attrNameLst>
+                                          <p:attrName>style.visibility</p:attrName>
+                                        </p:attrNameLst>
+                                      </p:cBhvr>
+                                      <p:to>
+                                        <p:strVal val="visible"/>
+                                      </p:to>
+                                    </p:set>
+                                    <p:anim calcmode="lin" valueType="num">
+                                      <p:cBhvr additive="base">
+                                        <p:cTn id="19" dur="500" fill="hold"/>
+                                        <p:tgtEl>
+                                          <p:spTgt spid="9">
+                                            <p:txEl>
+                                              <p:pRg st="6" end="6"/>
+                                            </p:txEl>
+                                          </p:spTgt>
+                                        </p:tgtEl>
+                                        <p:attrNameLst>
+                                          <p:attrName>ppt_x</p:attrName>
+                                        </p:attrNameLst>
+                                      </p:cBhvr>
+                                      <p:tavLst>
+                                        <p:tav tm="0">
+                                          <p:val>
+                                            <p:strVal val="0-#ppt_w/2"/>
+                                          </p:val>
+                                        </p:tav>
+                                        <p:tav tm="100000">
+                                          <p:val>
+                                            <p:strVal val="#ppt_x"/>
+                                          </p:val>
+                                        </p:tav>
+                                      </p:tavLst>
+                                    </p:anim>
+                                    <p:anim calcmode="lin" valueType="num">
+                                      <p:cBhvr additive="base">
+                                        <p:cTn id="20" dur="500" fill="hold"/>
+                                        <p:tgtEl>
+                                          <p:spTgt spid="9">
+                                            <p:txEl>
+                                              <p:pRg st="6" end="6"/>
+                                            </p:txEl>
+                                          </p:spTgt>
+                                        </p:tgtEl>
+                                        <p:attrNameLst>
+                                          <p:attrName>ppt_y</p:attrName>
+                                        </p:attrNameLst>
+                                      </p:cBhvr>
+                                      <p:tavLst>
+                                        <p:tav tm="0">
+                                          <p:val>
+                                            <p:strVal val="#ppt_y"/>
+                                          </p:val>
+                                        </p:tav>
+                                        <p:tav tm="100000">
+                                          <p:val>
+                                            <p:strVal val="#ppt_y"/>
+                                          </p:val>
+                                        </p:tav>
+                                      </p:tavLst>
+                                    </p:anim>
+                                  </p:childTnLst>
+                                </p:cTn>
+                              </p:par>
+                            </p:childTnLst>
+                          </p:cTn>
+                        </p:par>
+                      </p:childTnLst>
+                    </p:cTn>
+                  </p:par>
+                </p:childTnLst>
+              </p:cTn>
+              <p:prevCondLst>
+                <p:cond evt="onPrev" delay="0">
+                  <p:tgtEl>
+                    <p:sldTgt/>
+                  </p:tgtEl>
+                </p:cond>
+              </p:prevCondLst>
+              <p:nextCondLst>
+                <p:cond evt="onNext" delay="0">
+                  <p:tgtEl>
+                    <p:sldTgt/>
+                  </p:tgtEl>
+                </p:cond>
+              </p:nextCondLst>
+            </p:seq>
+          </p:childTnLst>
+        </p:cTn>
+      </p:par>
+    </p:tnLst>
+    <p:bldLst>
+      <p:bldP spid="2" grpId="0"/>
+      <p:bldP spid="9" grpId="0" build="p"/>
+    </p:bldLst>
+  </p:timing>
 </p:sld>
 </file>
 
@@ -6776,10 +10136,10 @@
       </p:grpSpPr>
       <p:sp>
         <p:nvSpPr>
-          <p:cNvPr id="2" name="Titre 1">
+          <p:cNvPr id="3" name="Espace réservé du contenu 2">
             <a:extLst>
               <a:ext uri="{FF2B5EF4-FFF2-40B4-BE49-F238E27FC236}">
-                <a16:creationId xmlns:a16="http://schemas.microsoft.com/office/drawing/2014/main" id="{062D7BC2-6839-4ED3-987F-E1B21F778247}"/>
+                <a16:creationId xmlns:a16="http://schemas.microsoft.com/office/drawing/2014/main" id="{78DCAE27-2C88-45B8-8308-A520355CBD15}"/>
               </a:ext>
             </a:extLst>
           </p:cNvPr>
@@ -6787,76 +10147,529 @@
             <a:spLocks noGrp="1"/>
           </p:cNvSpPr>
           <p:nvPr>
-            <p:ph type="title"/>
+            <p:ph idx="1"/>
           </p:nvPr>
         </p:nvSpPr>
         <p:spPr/>
         <p:txBody>
-          <a:bodyPr/>
+          <a:bodyPr>
+            <a:normAutofit/>
+          </a:bodyPr>
           <a:lstStyle/>
           <a:p>
-            <a:r>
-              <a:rPr lang="fr-FR" dirty="0" err="1"/>
-              <a:t>We</a:t>
-            </a:r>
-            <a:r>
-              <a:rPr lang="fr-FR" dirty="0"/>
-              <a:t> recycle </a:t>
-            </a:r>
-            <a:r>
-              <a:rPr lang="fr-FR" dirty="0" err="1"/>
-              <a:t>your</a:t>
-            </a:r>
-            <a:r>
-              <a:rPr lang="fr-FR" dirty="0"/>
-              <a:t> </a:t>
-            </a:r>
-            <a:r>
-              <a:rPr lang="fr-FR" dirty="0" err="1"/>
-              <a:t>old</a:t>
-            </a:r>
-            <a:r>
-              <a:rPr lang="fr-FR" dirty="0"/>
-              <a:t> bike</a:t>
-            </a:r>
-          </a:p>
-        </p:txBody>
-      </p:sp>
-      <p:sp>
-        <p:nvSpPr>
-          <p:cNvPr id="3" name="Espace réservé du contenu 2">
-            <a:extLst>
-              <a:ext uri="{FF2B5EF4-FFF2-40B4-BE49-F238E27FC236}">
-                <a16:creationId xmlns:a16="http://schemas.microsoft.com/office/drawing/2014/main" id="{9029DAAE-FC38-4B81-926A-7D6DC40331E0}"/>
-              </a:ext>
-            </a:extLst>
-          </p:cNvPr>
-          <p:cNvSpPr>
-            <a:spLocks noGrp="1"/>
-          </p:cNvSpPr>
-          <p:nvPr>
-            <p:ph idx="1"/>
-          </p:nvPr>
-        </p:nvSpPr>
-        <p:spPr/>
-        <p:txBody>
-          <a:bodyPr/>
-          <a:lstStyle/>
-          <a:p>
-            <a:endParaRPr lang="fr-FR"/>
+            <a:pPr marL="0" indent="0" algn="ctr">
+              <a:buNone/>
+            </a:pPr>
+            <a:r>
+              <a:rPr lang="en-US" sz="3200" b="1" dirty="0"/>
+              <a:t>E-ST 500 V2 Black-Blue / Yellow 27,5"</a:t>
+            </a:r>
+          </a:p>
+          <a:p>
+            <a:pPr marL="0" indent="0" algn="ctr">
+              <a:buNone/>
+            </a:pPr>
+            <a:endParaRPr lang="fr-FR" sz="3200" dirty="0"/>
+          </a:p>
+          <a:p>
+            <a:pPr marL="0" indent="0" algn="ctr">
+              <a:buNone/>
+            </a:pPr>
+            <a:r>
+              <a:rPr lang="fr-FR" sz="3200" dirty="0"/>
+              <a:t>1199€</a:t>
+            </a:r>
+          </a:p>
+          <a:p>
+            <a:pPr marL="0" indent="0" algn="ctr">
+              <a:buNone/>
+            </a:pPr>
+            <a:endParaRPr lang="fr-FR" sz="3200" dirty="0"/>
+          </a:p>
+          <a:p>
+            <a:pPr marL="0" indent="0" algn="ctr">
+              <a:buNone/>
+            </a:pPr>
+            <a:r>
+              <a:rPr lang="fr-FR" sz="3200" dirty="0"/>
+              <a:t>AVAILABLE NOW AT</a:t>
+            </a:r>
+          </a:p>
+          <a:p>
+            <a:pPr marL="0" indent="0" algn="ctr">
+              <a:buNone/>
+            </a:pPr>
+            <a:r>
+              <a:rPr lang="fr-FR" sz="3200" dirty="0"/>
+              <a:t>Decathlon.fr</a:t>
+            </a:r>
           </a:p>
         </p:txBody>
       </p:sp>
     </p:spTree>
     <p:extLst>
       <p:ext uri="{BB962C8B-B14F-4D97-AF65-F5344CB8AC3E}">
-        <p14:creationId xmlns:p14="http://schemas.microsoft.com/office/powerpoint/2010/main" val="3427293674"/>
+        <p14:creationId xmlns:p14="http://schemas.microsoft.com/office/powerpoint/2010/main" val="1169458282"/>
       </p:ext>
     </p:extLst>
   </p:cSld>
   <p:clrMapOvr>
     <a:masterClrMapping/>
   </p:clrMapOvr>
+  <mc:AlternateContent xmlns:mc="http://schemas.openxmlformats.org/markup-compatibility/2006" xmlns:p15="http://schemas.microsoft.com/office/powerpoint/2012/main">
+    <mc:Choice Requires="p15">
+      <p:transition xmlns:p14="http://schemas.microsoft.com/office/powerpoint/2010/main" spd="slow" p14:dur="1250">
+        <p15:prstTrans prst="airplane"/>
+      </p:transition>
+    </mc:Choice>
+    <mc:Fallback xmlns="">
+      <p:transition spd="slow">
+        <p:fade/>
+      </p:transition>
+    </mc:Fallback>
+  </mc:AlternateContent>
+  <p:timing>
+    <p:tnLst>
+      <p:par>
+        <p:cTn id="1" dur="indefinite" restart="never" nodeType="tmRoot">
+          <p:childTnLst>
+            <p:seq concurrent="1" nextAc="seek">
+              <p:cTn id="2" dur="indefinite" nodeType="mainSeq">
+                <p:childTnLst>
+                  <p:par>
+                    <p:cTn id="3" fill="hold">
+                      <p:stCondLst>
+                        <p:cond delay="indefinite"/>
+                        <p:cond evt="onBegin" delay="0">
+                          <p:tn val="2"/>
+                        </p:cond>
+                      </p:stCondLst>
+                      <p:childTnLst>
+                        <p:par>
+                          <p:cTn id="4" fill="hold">
+                            <p:stCondLst>
+                              <p:cond delay="0"/>
+                            </p:stCondLst>
+                            <p:childTnLst>
+                              <p:par>
+                                <p:cTn id="5" presetID="53" presetClass="entr" presetSubtype="16" fill="hold" grpId="0" nodeType="withEffect">
+                                  <p:stCondLst>
+                                    <p:cond delay="0"/>
+                                  </p:stCondLst>
+                                  <p:childTnLst>
+                                    <p:set>
+                                      <p:cBhvr>
+                                        <p:cTn id="6" dur="1" fill="hold">
+                                          <p:stCondLst>
+                                            <p:cond delay="0"/>
+                                          </p:stCondLst>
+                                        </p:cTn>
+                                        <p:tgtEl>
+                                          <p:spTgt spid="3">
+                                            <p:txEl>
+                                              <p:pRg st="0" end="0"/>
+                                            </p:txEl>
+                                          </p:spTgt>
+                                        </p:tgtEl>
+                                        <p:attrNameLst>
+                                          <p:attrName>style.visibility</p:attrName>
+                                        </p:attrNameLst>
+                                      </p:cBhvr>
+                                      <p:to>
+                                        <p:strVal val="visible"/>
+                                      </p:to>
+                                    </p:set>
+                                    <p:anim calcmode="lin" valueType="num">
+                                      <p:cBhvr>
+                                        <p:cTn id="7" dur="500" fill="hold"/>
+                                        <p:tgtEl>
+                                          <p:spTgt spid="3">
+                                            <p:txEl>
+                                              <p:pRg st="0" end="0"/>
+                                            </p:txEl>
+                                          </p:spTgt>
+                                        </p:tgtEl>
+                                        <p:attrNameLst>
+                                          <p:attrName>ppt_w</p:attrName>
+                                        </p:attrNameLst>
+                                      </p:cBhvr>
+                                      <p:tavLst>
+                                        <p:tav tm="0">
+                                          <p:val>
+                                            <p:fltVal val="0"/>
+                                          </p:val>
+                                        </p:tav>
+                                        <p:tav tm="100000">
+                                          <p:val>
+                                            <p:strVal val="#ppt_w"/>
+                                          </p:val>
+                                        </p:tav>
+                                      </p:tavLst>
+                                    </p:anim>
+                                    <p:anim calcmode="lin" valueType="num">
+                                      <p:cBhvr>
+                                        <p:cTn id="8" dur="500" fill="hold"/>
+                                        <p:tgtEl>
+                                          <p:spTgt spid="3">
+                                            <p:txEl>
+                                              <p:pRg st="0" end="0"/>
+                                            </p:txEl>
+                                          </p:spTgt>
+                                        </p:tgtEl>
+                                        <p:attrNameLst>
+                                          <p:attrName>ppt_h</p:attrName>
+                                        </p:attrNameLst>
+                                      </p:cBhvr>
+                                      <p:tavLst>
+                                        <p:tav tm="0">
+                                          <p:val>
+                                            <p:fltVal val="0"/>
+                                          </p:val>
+                                        </p:tav>
+                                        <p:tav tm="100000">
+                                          <p:val>
+                                            <p:strVal val="#ppt_h"/>
+                                          </p:val>
+                                        </p:tav>
+                                      </p:tavLst>
+                                    </p:anim>
+                                    <p:animEffect transition="in" filter="fade">
+                                      <p:cBhvr>
+                                        <p:cTn id="9" dur="500"/>
+                                        <p:tgtEl>
+                                          <p:spTgt spid="3">
+                                            <p:txEl>
+                                              <p:pRg st="0" end="0"/>
+                                            </p:txEl>
+                                          </p:spTgt>
+                                        </p:tgtEl>
+                                      </p:cBhvr>
+                                    </p:animEffect>
+                                  </p:childTnLst>
+                                </p:cTn>
+                              </p:par>
+                              <p:par>
+                                <p:cTn id="10" presetID="53" presetClass="entr" presetSubtype="16" fill="hold" grpId="0" nodeType="withEffect">
+                                  <p:stCondLst>
+                                    <p:cond delay="0"/>
+                                  </p:stCondLst>
+                                  <p:childTnLst>
+                                    <p:set>
+                                      <p:cBhvr>
+                                        <p:cTn id="11" dur="1" fill="hold">
+                                          <p:stCondLst>
+                                            <p:cond delay="0"/>
+                                          </p:stCondLst>
+                                        </p:cTn>
+                                        <p:tgtEl>
+                                          <p:spTgt spid="3">
+                                            <p:txEl>
+                                              <p:pRg st="2" end="2"/>
+                                            </p:txEl>
+                                          </p:spTgt>
+                                        </p:tgtEl>
+                                        <p:attrNameLst>
+                                          <p:attrName>style.visibility</p:attrName>
+                                        </p:attrNameLst>
+                                      </p:cBhvr>
+                                      <p:to>
+                                        <p:strVal val="visible"/>
+                                      </p:to>
+                                    </p:set>
+                                    <p:anim calcmode="lin" valueType="num">
+                                      <p:cBhvr>
+                                        <p:cTn id="12" dur="500" fill="hold"/>
+                                        <p:tgtEl>
+                                          <p:spTgt spid="3">
+                                            <p:txEl>
+                                              <p:pRg st="2" end="2"/>
+                                            </p:txEl>
+                                          </p:spTgt>
+                                        </p:tgtEl>
+                                        <p:attrNameLst>
+                                          <p:attrName>ppt_w</p:attrName>
+                                        </p:attrNameLst>
+                                      </p:cBhvr>
+                                      <p:tavLst>
+                                        <p:tav tm="0">
+                                          <p:val>
+                                            <p:fltVal val="0"/>
+                                          </p:val>
+                                        </p:tav>
+                                        <p:tav tm="100000">
+                                          <p:val>
+                                            <p:strVal val="#ppt_w"/>
+                                          </p:val>
+                                        </p:tav>
+                                      </p:tavLst>
+                                    </p:anim>
+                                    <p:anim calcmode="lin" valueType="num">
+                                      <p:cBhvr>
+                                        <p:cTn id="13" dur="500" fill="hold"/>
+                                        <p:tgtEl>
+                                          <p:spTgt spid="3">
+                                            <p:txEl>
+                                              <p:pRg st="2" end="2"/>
+                                            </p:txEl>
+                                          </p:spTgt>
+                                        </p:tgtEl>
+                                        <p:attrNameLst>
+                                          <p:attrName>ppt_h</p:attrName>
+                                        </p:attrNameLst>
+                                      </p:cBhvr>
+                                      <p:tavLst>
+                                        <p:tav tm="0">
+                                          <p:val>
+                                            <p:fltVal val="0"/>
+                                          </p:val>
+                                        </p:tav>
+                                        <p:tav tm="100000">
+                                          <p:val>
+                                            <p:strVal val="#ppt_h"/>
+                                          </p:val>
+                                        </p:tav>
+                                      </p:tavLst>
+                                    </p:anim>
+                                    <p:animEffect transition="in" filter="fade">
+                                      <p:cBhvr>
+                                        <p:cTn id="14" dur="500"/>
+                                        <p:tgtEl>
+                                          <p:spTgt spid="3">
+                                            <p:txEl>
+                                              <p:pRg st="2" end="2"/>
+                                            </p:txEl>
+                                          </p:spTgt>
+                                        </p:tgtEl>
+                                      </p:cBhvr>
+                                    </p:animEffect>
+                                  </p:childTnLst>
+                                </p:cTn>
+                              </p:par>
+                              <p:par>
+                                <p:cTn id="15" presetID="53" presetClass="entr" presetSubtype="16" fill="hold" grpId="0" nodeType="withEffect">
+                                  <p:stCondLst>
+                                    <p:cond delay="0"/>
+                                  </p:stCondLst>
+                                  <p:childTnLst>
+                                    <p:set>
+                                      <p:cBhvr>
+                                        <p:cTn id="16" dur="1" fill="hold">
+                                          <p:stCondLst>
+                                            <p:cond delay="0"/>
+                                          </p:stCondLst>
+                                        </p:cTn>
+                                        <p:tgtEl>
+                                          <p:spTgt spid="3">
+                                            <p:txEl>
+                                              <p:pRg st="4" end="4"/>
+                                            </p:txEl>
+                                          </p:spTgt>
+                                        </p:tgtEl>
+                                        <p:attrNameLst>
+                                          <p:attrName>style.visibility</p:attrName>
+                                        </p:attrNameLst>
+                                      </p:cBhvr>
+                                      <p:to>
+                                        <p:strVal val="visible"/>
+                                      </p:to>
+                                    </p:set>
+                                    <p:anim calcmode="lin" valueType="num">
+                                      <p:cBhvr>
+                                        <p:cTn id="17" dur="500" fill="hold"/>
+                                        <p:tgtEl>
+                                          <p:spTgt spid="3">
+                                            <p:txEl>
+                                              <p:pRg st="4" end="4"/>
+                                            </p:txEl>
+                                          </p:spTgt>
+                                        </p:tgtEl>
+                                        <p:attrNameLst>
+                                          <p:attrName>ppt_w</p:attrName>
+                                        </p:attrNameLst>
+                                      </p:cBhvr>
+                                      <p:tavLst>
+                                        <p:tav tm="0">
+                                          <p:val>
+                                            <p:fltVal val="0"/>
+                                          </p:val>
+                                        </p:tav>
+                                        <p:tav tm="100000">
+                                          <p:val>
+                                            <p:strVal val="#ppt_w"/>
+                                          </p:val>
+                                        </p:tav>
+                                      </p:tavLst>
+                                    </p:anim>
+                                    <p:anim calcmode="lin" valueType="num">
+                                      <p:cBhvr>
+                                        <p:cTn id="18" dur="500" fill="hold"/>
+                                        <p:tgtEl>
+                                          <p:spTgt spid="3">
+                                            <p:txEl>
+                                              <p:pRg st="4" end="4"/>
+                                            </p:txEl>
+                                          </p:spTgt>
+                                        </p:tgtEl>
+                                        <p:attrNameLst>
+                                          <p:attrName>ppt_h</p:attrName>
+                                        </p:attrNameLst>
+                                      </p:cBhvr>
+                                      <p:tavLst>
+                                        <p:tav tm="0">
+                                          <p:val>
+                                            <p:fltVal val="0"/>
+                                          </p:val>
+                                        </p:tav>
+                                        <p:tav tm="100000">
+                                          <p:val>
+                                            <p:strVal val="#ppt_h"/>
+                                          </p:val>
+                                        </p:tav>
+                                      </p:tavLst>
+                                    </p:anim>
+                                    <p:animEffect transition="in" filter="fade">
+                                      <p:cBhvr>
+                                        <p:cTn id="19" dur="500"/>
+                                        <p:tgtEl>
+                                          <p:spTgt spid="3">
+                                            <p:txEl>
+                                              <p:pRg st="4" end="4"/>
+                                            </p:txEl>
+                                          </p:spTgt>
+                                        </p:tgtEl>
+                                      </p:cBhvr>
+                                    </p:animEffect>
+                                  </p:childTnLst>
+                                </p:cTn>
+                              </p:par>
+                              <p:par>
+                                <p:cTn id="20" presetID="53" presetClass="entr" presetSubtype="16" fill="hold" grpId="0" nodeType="withEffect">
+                                  <p:stCondLst>
+                                    <p:cond delay="0"/>
+                                  </p:stCondLst>
+                                  <p:childTnLst>
+                                    <p:set>
+                                      <p:cBhvr>
+                                        <p:cTn id="21" dur="1" fill="hold">
+                                          <p:stCondLst>
+                                            <p:cond delay="0"/>
+                                          </p:stCondLst>
+                                        </p:cTn>
+                                        <p:tgtEl>
+                                          <p:spTgt spid="3">
+                                            <p:txEl>
+                                              <p:pRg st="5" end="5"/>
+                                            </p:txEl>
+                                          </p:spTgt>
+                                        </p:tgtEl>
+                                        <p:attrNameLst>
+                                          <p:attrName>style.visibility</p:attrName>
+                                        </p:attrNameLst>
+                                      </p:cBhvr>
+                                      <p:to>
+                                        <p:strVal val="visible"/>
+                                      </p:to>
+                                    </p:set>
+                                    <p:anim calcmode="lin" valueType="num">
+                                      <p:cBhvr>
+                                        <p:cTn id="22" dur="500" fill="hold"/>
+                                        <p:tgtEl>
+                                          <p:spTgt spid="3">
+                                            <p:txEl>
+                                              <p:pRg st="5" end="5"/>
+                                            </p:txEl>
+                                          </p:spTgt>
+                                        </p:tgtEl>
+                                        <p:attrNameLst>
+                                          <p:attrName>ppt_w</p:attrName>
+                                        </p:attrNameLst>
+                                      </p:cBhvr>
+                                      <p:tavLst>
+                                        <p:tav tm="0">
+                                          <p:val>
+                                            <p:fltVal val="0"/>
+                                          </p:val>
+                                        </p:tav>
+                                        <p:tav tm="100000">
+                                          <p:val>
+                                            <p:strVal val="#ppt_w"/>
+                                          </p:val>
+                                        </p:tav>
+                                      </p:tavLst>
+                                    </p:anim>
+                                    <p:anim calcmode="lin" valueType="num">
+                                      <p:cBhvr>
+                                        <p:cTn id="23" dur="500" fill="hold"/>
+                                        <p:tgtEl>
+                                          <p:spTgt spid="3">
+                                            <p:txEl>
+                                              <p:pRg st="5" end="5"/>
+                                            </p:txEl>
+                                          </p:spTgt>
+                                        </p:tgtEl>
+                                        <p:attrNameLst>
+                                          <p:attrName>ppt_h</p:attrName>
+                                        </p:attrNameLst>
+                                      </p:cBhvr>
+                                      <p:tavLst>
+                                        <p:tav tm="0">
+                                          <p:val>
+                                            <p:fltVal val="0"/>
+                                          </p:val>
+                                        </p:tav>
+                                        <p:tav tm="100000">
+                                          <p:val>
+                                            <p:strVal val="#ppt_h"/>
+                                          </p:val>
+                                        </p:tav>
+                                      </p:tavLst>
+                                    </p:anim>
+                                    <p:animEffect transition="in" filter="fade">
+                                      <p:cBhvr>
+                                        <p:cTn id="24" dur="500"/>
+                                        <p:tgtEl>
+                                          <p:spTgt spid="3">
+                                            <p:txEl>
+                                              <p:pRg st="5" end="5"/>
+                                            </p:txEl>
+                                          </p:spTgt>
+                                        </p:tgtEl>
+                                      </p:cBhvr>
+                                    </p:animEffect>
+                                  </p:childTnLst>
+                                </p:cTn>
+                              </p:par>
+                            </p:childTnLst>
+                          </p:cTn>
+                        </p:par>
+                      </p:childTnLst>
+                    </p:cTn>
+                  </p:par>
+                </p:childTnLst>
+              </p:cTn>
+              <p:prevCondLst>
+                <p:cond evt="onPrev" delay="0">
+                  <p:tgtEl>
+                    <p:sldTgt/>
+                  </p:tgtEl>
+                </p:cond>
+              </p:prevCondLst>
+              <p:nextCondLst>
+                <p:cond evt="onNext" delay="0">
+                  <p:tgtEl>
+                    <p:sldTgt/>
+                  </p:tgtEl>
+                </p:cond>
+              </p:nextCondLst>
+            </p:seq>
+          </p:childTnLst>
+        </p:cTn>
+      </p:par>
+    </p:tnLst>
+    <p:bldLst>
+      <p:bldP spid="3" grpId="0" build="p"/>
+    </p:bldLst>
+  </p:timing>
 </p:sld>
 </file>
 
@@ -6933,7 +10746,7 @@
           </p:nvPr>
         </p:nvPicPr>
         <p:blipFill>
-          <a:blip r:embed="rId2"/>
+          <a:blip r:embed="rId3"/>
           <a:stretch>
             <a:fillRect/>
           </a:stretch>
@@ -6962,7 +10775,7 @@
           </p:nvPr>
         </p:nvPicPr>
         <p:blipFill>
-          <a:blip r:embed="rId3"/>
+          <a:blip r:embed="rId4"/>
           <a:stretch>
             <a:fillRect/>
           </a:stretch>
@@ -7065,6 +10878,443 @@
   <p:transition spd="med">
     <p:pull/>
   </p:transition>
+  <p:timing>
+    <p:tnLst>
+      <p:par>
+        <p:cTn id="1" dur="indefinite" restart="never" nodeType="tmRoot">
+          <p:childTnLst>
+            <p:seq concurrent="1" nextAc="seek">
+              <p:cTn id="2" dur="indefinite" nodeType="mainSeq">
+                <p:childTnLst>
+                  <p:par>
+                    <p:cTn id="3" fill="hold">
+                      <p:stCondLst>
+                        <p:cond delay="indefinite"/>
+                        <p:cond evt="onBegin" delay="0">
+                          <p:tn val="2"/>
+                        </p:cond>
+                      </p:stCondLst>
+                      <p:childTnLst>
+                        <p:par>
+                          <p:cTn id="4" fill="hold">
+                            <p:stCondLst>
+                              <p:cond delay="0"/>
+                            </p:stCondLst>
+                            <p:childTnLst>
+                              <p:par>
+                                <p:cTn id="5" presetID="42" presetClass="entr" presetSubtype="0" fill="hold" nodeType="withEffect">
+                                  <p:stCondLst>
+                                    <p:cond delay="0"/>
+                                  </p:stCondLst>
+                                  <p:childTnLst>
+                                    <p:set>
+                                      <p:cBhvr>
+                                        <p:cTn id="6" dur="1" fill="hold">
+                                          <p:stCondLst>
+                                            <p:cond delay="0"/>
+                                          </p:stCondLst>
+                                        </p:cTn>
+                                        <p:tgtEl>
+                                          <p:spTgt spid="7"/>
+                                        </p:tgtEl>
+                                        <p:attrNameLst>
+                                          <p:attrName>style.visibility</p:attrName>
+                                        </p:attrNameLst>
+                                      </p:cBhvr>
+                                      <p:to>
+                                        <p:strVal val="visible"/>
+                                      </p:to>
+                                    </p:set>
+                                    <p:animEffect transition="in" filter="fade">
+                                      <p:cBhvr>
+                                        <p:cTn id="7" dur="1000"/>
+                                        <p:tgtEl>
+                                          <p:spTgt spid="7"/>
+                                        </p:tgtEl>
+                                      </p:cBhvr>
+                                    </p:animEffect>
+                                    <p:anim calcmode="lin" valueType="num">
+                                      <p:cBhvr>
+                                        <p:cTn id="8" dur="1000" fill="hold"/>
+                                        <p:tgtEl>
+                                          <p:spTgt spid="7"/>
+                                        </p:tgtEl>
+                                        <p:attrNameLst>
+                                          <p:attrName>ppt_x</p:attrName>
+                                        </p:attrNameLst>
+                                      </p:cBhvr>
+                                      <p:tavLst>
+                                        <p:tav tm="0">
+                                          <p:val>
+                                            <p:strVal val="#ppt_x"/>
+                                          </p:val>
+                                        </p:tav>
+                                        <p:tav tm="100000">
+                                          <p:val>
+                                            <p:strVal val="#ppt_x"/>
+                                          </p:val>
+                                        </p:tav>
+                                      </p:tavLst>
+                                    </p:anim>
+                                    <p:anim calcmode="lin" valueType="num">
+                                      <p:cBhvr>
+                                        <p:cTn id="9" dur="1000" fill="hold"/>
+                                        <p:tgtEl>
+                                          <p:spTgt spid="7"/>
+                                        </p:tgtEl>
+                                        <p:attrNameLst>
+                                          <p:attrName>ppt_y</p:attrName>
+                                        </p:attrNameLst>
+                                      </p:cBhvr>
+                                      <p:tavLst>
+                                        <p:tav tm="0">
+                                          <p:val>
+                                            <p:strVal val="#ppt_y+.1"/>
+                                          </p:val>
+                                        </p:tav>
+                                        <p:tav tm="100000">
+                                          <p:val>
+                                            <p:strVal val="#ppt_y"/>
+                                          </p:val>
+                                        </p:tav>
+                                      </p:tavLst>
+                                    </p:anim>
+                                  </p:childTnLst>
+                                </p:cTn>
+                              </p:par>
+                              <p:par>
+                                <p:cTn id="10" presetID="42" presetClass="entr" presetSubtype="0" fill="hold" nodeType="withEffect">
+                                  <p:stCondLst>
+                                    <p:cond delay="0"/>
+                                  </p:stCondLst>
+                                  <p:childTnLst>
+                                    <p:set>
+                                      <p:cBhvr>
+                                        <p:cTn id="11" dur="1" fill="hold">
+                                          <p:stCondLst>
+                                            <p:cond delay="0"/>
+                                          </p:stCondLst>
+                                        </p:cTn>
+                                        <p:tgtEl>
+                                          <p:spTgt spid="9"/>
+                                        </p:tgtEl>
+                                        <p:attrNameLst>
+                                          <p:attrName>style.visibility</p:attrName>
+                                        </p:attrNameLst>
+                                      </p:cBhvr>
+                                      <p:to>
+                                        <p:strVal val="visible"/>
+                                      </p:to>
+                                    </p:set>
+                                    <p:animEffect transition="in" filter="fade">
+                                      <p:cBhvr>
+                                        <p:cTn id="12" dur="1000"/>
+                                        <p:tgtEl>
+                                          <p:spTgt spid="9"/>
+                                        </p:tgtEl>
+                                      </p:cBhvr>
+                                    </p:animEffect>
+                                    <p:anim calcmode="lin" valueType="num">
+                                      <p:cBhvr>
+                                        <p:cTn id="13" dur="1000" fill="hold"/>
+                                        <p:tgtEl>
+                                          <p:spTgt spid="9"/>
+                                        </p:tgtEl>
+                                        <p:attrNameLst>
+                                          <p:attrName>ppt_x</p:attrName>
+                                        </p:attrNameLst>
+                                      </p:cBhvr>
+                                      <p:tavLst>
+                                        <p:tav tm="0">
+                                          <p:val>
+                                            <p:strVal val="#ppt_x"/>
+                                          </p:val>
+                                        </p:tav>
+                                        <p:tav tm="100000">
+                                          <p:val>
+                                            <p:strVal val="#ppt_x"/>
+                                          </p:val>
+                                        </p:tav>
+                                      </p:tavLst>
+                                    </p:anim>
+                                    <p:anim calcmode="lin" valueType="num">
+                                      <p:cBhvr>
+                                        <p:cTn id="14" dur="1000" fill="hold"/>
+                                        <p:tgtEl>
+                                          <p:spTgt spid="9"/>
+                                        </p:tgtEl>
+                                        <p:attrNameLst>
+                                          <p:attrName>ppt_y</p:attrName>
+                                        </p:attrNameLst>
+                                      </p:cBhvr>
+                                      <p:tavLst>
+                                        <p:tav tm="0">
+                                          <p:val>
+                                            <p:strVal val="#ppt_y+.1"/>
+                                          </p:val>
+                                        </p:tav>
+                                        <p:tav tm="100000">
+                                          <p:val>
+                                            <p:strVal val="#ppt_y"/>
+                                          </p:val>
+                                        </p:tav>
+                                      </p:tavLst>
+                                    </p:anim>
+                                  </p:childTnLst>
+                                </p:cTn>
+                              </p:par>
+                              <p:par>
+                                <p:cTn id="15" presetID="2" presetClass="entr" presetSubtype="1" fill="hold" grpId="0" nodeType="withEffect">
+                                  <p:stCondLst>
+                                    <p:cond delay="0"/>
+                                  </p:stCondLst>
+                                  <p:childTnLst>
+                                    <p:set>
+                                      <p:cBhvr>
+                                        <p:cTn id="16" dur="1" fill="hold">
+                                          <p:stCondLst>
+                                            <p:cond delay="0"/>
+                                          </p:stCondLst>
+                                        </p:cTn>
+                                        <p:tgtEl>
+                                          <p:spTgt spid="2"/>
+                                        </p:tgtEl>
+                                        <p:attrNameLst>
+                                          <p:attrName>style.visibility</p:attrName>
+                                        </p:attrNameLst>
+                                      </p:cBhvr>
+                                      <p:to>
+                                        <p:strVal val="visible"/>
+                                      </p:to>
+                                    </p:set>
+                                    <p:anim calcmode="lin" valueType="num">
+                                      <p:cBhvr additive="base">
+                                        <p:cTn id="17" dur="500" fill="hold"/>
+                                        <p:tgtEl>
+                                          <p:spTgt spid="2"/>
+                                        </p:tgtEl>
+                                        <p:attrNameLst>
+                                          <p:attrName>ppt_x</p:attrName>
+                                        </p:attrNameLst>
+                                      </p:cBhvr>
+                                      <p:tavLst>
+                                        <p:tav tm="0">
+                                          <p:val>
+                                            <p:strVal val="#ppt_x"/>
+                                          </p:val>
+                                        </p:tav>
+                                        <p:tav tm="100000">
+                                          <p:val>
+                                            <p:strVal val="#ppt_x"/>
+                                          </p:val>
+                                        </p:tav>
+                                      </p:tavLst>
+                                    </p:anim>
+                                    <p:anim calcmode="lin" valueType="num">
+                                      <p:cBhvr additive="base">
+                                        <p:cTn id="18" dur="500" fill="hold"/>
+                                        <p:tgtEl>
+                                          <p:spTgt spid="2"/>
+                                        </p:tgtEl>
+                                        <p:attrNameLst>
+                                          <p:attrName>ppt_y</p:attrName>
+                                        </p:attrNameLst>
+                                      </p:cBhvr>
+                                      <p:tavLst>
+                                        <p:tav tm="0">
+                                          <p:val>
+                                            <p:strVal val="0-#ppt_h/2"/>
+                                          </p:val>
+                                        </p:tav>
+                                        <p:tav tm="100000">
+                                          <p:val>
+                                            <p:strVal val="#ppt_y"/>
+                                          </p:val>
+                                        </p:tav>
+                                      </p:tavLst>
+                                    </p:anim>
+                                  </p:childTnLst>
+                                </p:cTn>
+                              </p:par>
+                              <p:par>
+                                <p:cTn id="19" presetID="2" presetClass="entr" presetSubtype="8" fill="hold" grpId="0" nodeType="withEffect">
+                                  <p:stCondLst>
+                                    <p:cond delay="0"/>
+                                  </p:stCondLst>
+                                  <p:childTnLst>
+                                    <p:set>
+                                      <p:cBhvr>
+                                        <p:cTn id="20" dur="1" fill="hold">
+                                          <p:stCondLst>
+                                            <p:cond delay="0"/>
+                                          </p:stCondLst>
+                                        </p:cTn>
+                                        <p:tgtEl>
+                                          <p:spTgt spid="10"/>
+                                        </p:tgtEl>
+                                        <p:attrNameLst>
+                                          <p:attrName>style.visibility</p:attrName>
+                                        </p:attrNameLst>
+                                      </p:cBhvr>
+                                      <p:to>
+                                        <p:strVal val="visible"/>
+                                      </p:to>
+                                    </p:set>
+                                    <p:anim calcmode="lin" valueType="num">
+                                      <p:cBhvr additive="base">
+                                        <p:cTn id="21" dur="500" fill="hold"/>
+                                        <p:tgtEl>
+                                          <p:spTgt spid="10"/>
+                                        </p:tgtEl>
+                                        <p:attrNameLst>
+                                          <p:attrName>ppt_x</p:attrName>
+                                        </p:attrNameLst>
+                                      </p:cBhvr>
+                                      <p:tavLst>
+                                        <p:tav tm="0">
+                                          <p:val>
+                                            <p:strVal val="0-#ppt_w/2"/>
+                                          </p:val>
+                                        </p:tav>
+                                        <p:tav tm="100000">
+                                          <p:val>
+                                            <p:strVal val="#ppt_x"/>
+                                          </p:val>
+                                        </p:tav>
+                                      </p:tavLst>
+                                    </p:anim>
+                                    <p:anim calcmode="lin" valueType="num">
+                                      <p:cBhvr additive="base">
+                                        <p:cTn id="22" dur="500" fill="hold"/>
+                                        <p:tgtEl>
+                                          <p:spTgt spid="10"/>
+                                        </p:tgtEl>
+                                        <p:attrNameLst>
+                                          <p:attrName>ppt_y</p:attrName>
+                                        </p:attrNameLst>
+                                      </p:cBhvr>
+                                      <p:tavLst>
+                                        <p:tav tm="0">
+                                          <p:val>
+                                            <p:strVal val="#ppt_y"/>
+                                          </p:val>
+                                        </p:tav>
+                                        <p:tav tm="100000">
+                                          <p:val>
+                                            <p:strVal val="#ppt_y"/>
+                                          </p:val>
+                                        </p:tav>
+                                      </p:tavLst>
+                                    </p:anim>
+                                  </p:childTnLst>
+                                </p:cTn>
+                              </p:par>
+                              <p:par>
+                                <p:cTn id="23" presetID="2" presetClass="entr" presetSubtype="2" fill="hold" grpId="0" nodeType="withEffect">
+                                  <p:stCondLst>
+                                    <p:cond delay="0"/>
+                                  </p:stCondLst>
+                                  <p:childTnLst>
+                                    <p:set>
+                                      <p:cBhvr>
+                                        <p:cTn id="24" dur="1" fill="hold">
+                                          <p:stCondLst>
+                                            <p:cond delay="0"/>
+                                          </p:stCondLst>
+                                        </p:cTn>
+                                        <p:tgtEl>
+                                          <p:spTgt spid="11"/>
+                                        </p:tgtEl>
+                                        <p:attrNameLst>
+                                          <p:attrName>style.visibility</p:attrName>
+                                        </p:attrNameLst>
+                                      </p:cBhvr>
+                                      <p:to>
+                                        <p:strVal val="visible"/>
+                                      </p:to>
+                                    </p:set>
+                                    <p:anim calcmode="lin" valueType="num">
+                                      <p:cBhvr additive="base">
+                                        <p:cTn id="25" dur="500" fill="hold"/>
+                                        <p:tgtEl>
+                                          <p:spTgt spid="11"/>
+                                        </p:tgtEl>
+                                        <p:attrNameLst>
+                                          <p:attrName>ppt_x</p:attrName>
+                                        </p:attrNameLst>
+                                      </p:cBhvr>
+                                      <p:tavLst>
+                                        <p:tav tm="0">
+                                          <p:val>
+                                            <p:strVal val="1+#ppt_w/2"/>
+                                          </p:val>
+                                        </p:tav>
+                                        <p:tav tm="100000">
+                                          <p:val>
+                                            <p:strVal val="#ppt_x"/>
+                                          </p:val>
+                                        </p:tav>
+                                      </p:tavLst>
+                                    </p:anim>
+                                    <p:anim calcmode="lin" valueType="num">
+                                      <p:cBhvr additive="base">
+                                        <p:cTn id="26" dur="500" fill="hold"/>
+                                        <p:tgtEl>
+                                          <p:spTgt spid="11"/>
+                                        </p:tgtEl>
+                                        <p:attrNameLst>
+                                          <p:attrName>ppt_y</p:attrName>
+                                        </p:attrNameLst>
+                                      </p:cBhvr>
+                                      <p:tavLst>
+                                        <p:tav tm="0">
+                                          <p:val>
+                                            <p:strVal val="#ppt_y"/>
+                                          </p:val>
+                                        </p:tav>
+                                        <p:tav tm="100000">
+                                          <p:val>
+                                            <p:strVal val="#ppt_y"/>
+                                          </p:val>
+                                        </p:tav>
+                                      </p:tavLst>
+                                    </p:anim>
+                                  </p:childTnLst>
+                                </p:cTn>
+                              </p:par>
+                            </p:childTnLst>
+                          </p:cTn>
+                        </p:par>
+                      </p:childTnLst>
+                    </p:cTn>
+                  </p:par>
+                </p:childTnLst>
+              </p:cTn>
+              <p:prevCondLst>
+                <p:cond evt="onPrev" delay="0">
+                  <p:tgtEl>
+                    <p:sldTgt/>
+                  </p:tgtEl>
+                </p:cond>
+              </p:prevCondLst>
+              <p:nextCondLst>
+                <p:cond evt="onNext" delay="0">
+                  <p:tgtEl>
+                    <p:sldTgt/>
+                  </p:tgtEl>
+                </p:cond>
+              </p:nextCondLst>
+            </p:seq>
+          </p:childTnLst>
+        </p:cTn>
+      </p:par>
+    </p:tnLst>
+    <p:bldLst>
+      <p:bldP spid="2" grpId="0"/>
+      <p:bldP spid="10" grpId="0"/>
+      <p:bldP spid="11" grpId="0"/>
+    </p:bldLst>
+  </p:timing>
 </p:sld>
 </file>
 
@@ -7183,6 +11433,306 @@
   <p:transition spd="slow">
     <p:cover/>
   </p:transition>
+  <p:timing>
+    <p:tnLst>
+      <p:par>
+        <p:cTn id="1" dur="indefinite" restart="never" nodeType="tmRoot">
+          <p:childTnLst>
+            <p:seq concurrent="1" nextAc="seek">
+              <p:cTn id="2" dur="indefinite" nodeType="mainSeq">
+                <p:childTnLst>
+                  <p:par>
+                    <p:cTn id="3" fill="hold">
+                      <p:stCondLst>
+                        <p:cond delay="indefinite"/>
+                        <p:cond evt="onBegin" delay="0">
+                          <p:tn val="2"/>
+                        </p:cond>
+                      </p:stCondLst>
+                      <p:childTnLst>
+                        <p:par>
+                          <p:cTn id="4" fill="hold">
+                            <p:stCondLst>
+                              <p:cond delay="0"/>
+                            </p:stCondLst>
+                            <p:childTnLst>
+                              <p:par>
+                                <p:cTn id="5" presetID="2" presetClass="entr" presetSubtype="1" fill="hold" grpId="0" nodeType="withEffect">
+                                  <p:stCondLst>
+                                    <p:cond delay="0"/>
+                                  </p:stCondLst>
+                                  <p:childTnLst>
+                                    <p:set>
+                                      <p:cBhvr>
+                                        <p:cTn id="6" dur="1" fill="hold">
+                                          <p:stCondLst>
+                                            <p:cond delay="0"/>
+                                          </p:stCondLst>
+                                        </p:cTn>
+                                        <p:tgtEl>
+                                          <p:spTgt spid="2"/>
+                                        </p:tgtEl>
+                                        <p:attrNameLst>
+                                          <p:attrName>style.visibility</p:attrName>
+                                        </p:attrNameLst>
+                                      </p:cBhvr>
+                                      <p:to>
+                                        <p:strVal val="visible"/>
+                                      </p:to>
+                                    </p:set>
+                                    <p:anim calcmode="lin" valueType="num">
+                                      <p:cBhvr additive="base">
+                                        <p:cTn id="7" dur="500" fill="hold"/>
+                                        <p:tgtEl>
+                                          <p:spTgt spid="2"/>
+                                        </p:tgtEl>
+                                        <p:attrNameLst>
+                                          <p:attrName>ppt_x</p:attrName>
+                                        </p:attrNameLst>
+                                      </p:cBhvr>
+                                      <p:tavLst>
+                                        <p:tav tm="0">
+                                          <p:val>
+                                            <p:strVal val="#ppt_x"/>
+                                          </p:val>
+                                        </p:tav>
+                                        <p:tav tm="100000">
+                                          <p:val>
+                                            <p:strVal val="#ppt_x"/>
+                                          </p:val>
+                                        </p:tav>
+                                      </p:tavLst>
+                                    </p:anim>
+                                    <p:anim calcmode="lin" valueType="num">
+                                      <p:cBhvr additive="base">
+                                        <p:cTn id="8" dur="500" fill="hold"/>
+                                        <p:tgtEl>
+                                          <p:spTgt spid="2"/>
+                                        </p:tgtEl>
+                                        <p:attrNameLst>
+                                          <p:attrName>ppt_y</p:attrName>
+                                        </p:attrNameLst>
+                                      </p:cBhvr>
+                                      <p:tavLst>
+                                        <p:tav tm="0">
+                                          <p:val>
+                                            <p:strVal val="0-#ppt_h/2"/>
+                                          </p:val>
+                                        </p:tav>
+                                        <p:tav tm="100000">
+                                          <p:val>
+                                            <p:strVal val="#ppt_y"/>
+                                          </p:val>
+                                        </p:tav>
+                                      </p:tavLst>
+                                    </p:anim>
+                                  </p:childTnLst>
+                                </p:cTn>
+                              </p:par>
+                              <p:par>
+                                <p:cTn id="9" presetID="22" presetClass="entr" presetSubtype="4" fill="hold" grpId="0" nodeType="withEffect">
+                                  <p:stCondLst>
+                                    <p:cond delay="0"/>
+                                  </p:stCondLst>
+                                  <p:childTnLst>
+                                    <p:set>
+                                      <p:cBhvr>
+                                        <p:cTn id="10" dur="1" fill="hold">
+                                          <p:stCondLst>
+                                            <p:cond delay="0"/>
+                                          </p:stCondLst>
+                                        </p:cTn>
+                                        <p:tgtEl>
+                                          <p:spTgt spid="3">
+                                            <p:txEl>
+                                              <p:pRg st="0" end="0"/>
+                                            </p:txEl>
+                                          </p:spTgt>
+                                        </p:tgtEl>
+                                        <p:attrNameLst>
+                                          <p:attrName>style.visibility</p:attrName>
+                                        </p:attrNameLst>
+                                      </p:cBhvr>
+                                      <p:to>
+                                        <p:strVal val="visible"/>
+                                      </p:to>
+                                    </p:set>
+                                    <p:animEffect transition="in" filter="wipe(down)">
+                                      <p:cBhvr>
+                                        <p:cTn id="11" dur="500"/>
+                                        <p:tgtEl>
+                                          <p:spTgt spid="3">
+                                            <p:txEl>
+                                              <p:pRg st="0" end="0"/>
+                                            </p:txEl>
+                                          </p:spTgt>
+                                        </p:tgtEl>
+                                      </p:cBhvr>
+                                    </p:animEffect>
+                                  </p:childTnLst>
+                                </p:cTn>
+                              </p:par>
+                              <p:par>
+                                <p:cTn id="12" presetID="22" presetClass="entr" presetSubtype="4" fill="hold" grpId="0" nodeType="withEffect">
+                                  <p:stCondLst>
+                                    <p:cond delay="0"/>
+                                  </p:stCondLst>
+                                  <p:childTnLst>
+                                    <p:set>
+                                      <p:cBhvr>
+                                        <p:cTn id="13" dur="1" fill="hold">
+                                          <p:stCondLst>
+                                            <p:cond delay="0"/>
+                                          </p:stCondLst>
+                                        </p:cTn>
+                                        <p:tgtEl>
+                                          <p:spTgt spid="3">
+                                            <p:txEl>
+                                              <p:pRg st="1" end="1"/>
+                                            </p:txEl>
+                                          </p:spTgt>
+                                        </p:tgtEl>
+                                        <p:attrNameLst>
+                                          <p:attrName>style.visibility</p:attrName>
+                                        </p:attrNameLst>
+                                      </p:cBhvr>
+                                      <p:to>
+                                        <p:strVal val="visible"/>
+                                      </p:to>
+                                    </p:set>
+                                    <p:animEffect transition="in" filter="wipe(down)">
+                                      <p:cBhvr>
+                                        <p:cTn id="14" dur="500"/>
+                                        <p:tgtEl>
+                                          <p:spTgt spid="3">
+                                            <p:txEl>
+                                              <p:pRg st="1" end="1"/>
+                                            </p:txEl>
+                                          </p:spTgt>
+                                        </p:tgtEl>
+                                      </p:cBhvr>
+                                    </p:animEffect>
+                                  </p:childTnLst>
+                                </p:cTn>
+                              </p:par>
+                              <p:par>
+                                <p:cTn id="15" presetID="22" presetClass="entr" presetSubtype="4" fill="hold" grpId="0" nodeType="withEffect">
+                                  <p:stCondLst>
+                                    <p:cond delay="0"/>
+                                  </p:stCondLst>
+                                  <p:childTnLst>
+                                    <p:set>
+                                      <p:cBhvr>
+                                        <p:cTn id="16" dur="1" fill="hold">
+                                          <p:stCondLst>
+                                            <p:cond delay="0"/>
+                                          </p:stCondLst>
+                                        </p:cTn>
+                                        <p:tgtEl>
+                                          <p:spTgt spid="3">
+                                            <p:txEl>
+                                              <p:pRg st="2" end="2"/>
+                                            </p:txEl>
+                                          </p:spTgt>
+                                        </p:tgtEl>
+                                        <p:attrNameLst>
+                                          <p:attrName>style.visibility</p:attrName>
+                                        </p:attrNameLst>
+                                      </p:cBhvr>
+                                      <p:to>
+                                        <p:strVal val="visible"/>
+                                      </p:to>
+                                    </p:set>
+                                    <p:animEffect transition="in" filter="wipe(down)">
+                                      <p:cBhvr>
+                                        <p:cTn id="17" dur="500"/>
+                                        <p:tgtEl>
+                                          <p:spTgt spid="3">
+                                            <p:txEl>
+                                              <p:pRg st="2" end="2"/>
+                                            </p:txEl>
+                                          </p:spTgt>
+                                        </p:tgtEl>
+                                      </p:cBhvr>
+                                    </p:animEffect>
+                                  </p:childTnLst>
+                                </p:cTn>
+                              </p:par>
+                              <p:par>
+                                <p:cTn id="18" presetID="22" presetClass="entr" presetSubtype="4" fill="hold" grpId="0" nodeType="withEffect">
+                                  <p:stCondLst>
+                                    <p:cond delay="0"/>
+                                  </p:stCondLst>
+                                  <p:childTnLst>
+                                    <p:set>
+                                      <p:cBhvr>
+                                        <p:cTn id="19" dur="1" fill="hold">
+                                          <p:stCondLst>
+                                            <p:cond delay="0"/>
+                                          </p:stCondLst>
+                                        </p:cTn>
+                                        <p:tgtEl>
+                                          <p:spTgt spid="3">
+                                            <p:txEl>
+                                              <p:pRg st="3" end="3"/>
+                                            </p:txEl>
+                                          </p:spTgt>
+                                        </p:tgtEl>
+                                        <p:attrNameLst>
+                                          <p:attrName>style.visibility</p:attrName>
+                                        </p:attrNameLst>
+                                      </p:cBhvr>
+                                      <p:to>
+                                        <p:strVal val="visible"/>
+                                      </p:to>
+                                    </p:set>
+                                    <p:animEffect transition="in" filter="wipe(down)">
+                                      <p:cBhvr>
+                                        <p:cTn id="20" dur="500"/>
+                                        <p:tgtEl>
+                                          <p:spTgt spid="3">
+                                            <p:txEl>
+                                              <p:pRg st="3" end="3"/>
+                                            </p:txEl>
+                                          </p:spTgt>
+                                        </p:tgtEl>
+                                      </p:cBhvr>
+                                    </p:animEffect>
+                                  </p:childTnLst>
+                                </p:cTn>
+                              </p:par>
+                            </p:childTnLst>
+                          </p:cTn>
+                        </p:par>
+                      </p:childTnLst>
+                    </p:cTn>
+                  </p:par>
+                </p:childTnLst>
+              </p:cTn>
+              <p:prevCondLst>
+                <p:cond evt="onPrev" delay="0">
+                  <p:tgtEl>
+                    <p:sldTgt/>
+                  </p:tgtEl>
+                </p:cond>
+              </p:prevCondLst>
+              <p:nextCondLst>
+                <p:cond evt="onNext" delay="0">
+                  <p:tgtEl>
+                    <p:sldTgt/>
+                  </p:tgtEl>
+                </p:cond>
+              </p:nextCondLst>
+            </p:seq>
+          </p:childTnLst>
+        </p:cTn>
+      </p:par>
+    </p:tnLst>
+    <p:bldLst>
+      <p:bldP spid="2" grpId="0"/>
+      <p:bldP spid="3" grpId="0" build="p"/>
+    </p:bldLst>
+  </p:timing>
 </p:sld>
 </file>
 
@@ -7298,7 +11848,7 @@
           </p:nvPr>
         </p:nvPicPr>
         <p:blipFill>
-          <a:blip r:embed="rId2">
+          <a:blip r:embed="rId3">
             <a:extLst>
               <a:ext uri="{28A0092B-C50C-407E-A947-70E740481C1C}">
                 <a14:useLocalDpi xmlns:a14="http://schemas.microsoft.com/office/drawing/2010/main" val="0"/>
@@ -7502,7 +12052,7 @@
           <p:nvPr/>
         </p:nvPicPr>
         <p:blipFill rotWithShape="1">
-          <a:blip r:embed="rId3"/>
+          <a:blip r:embed="rId4"/>
           <a:srcRect r="-3" b="24800"/>
           <a:stretch/>
         </p:blipFill>
@@ -7529,6 +12079,555 @@
   <p:transition spd="med">
     <p:pull/>
   </p:transition>
+  <p:timing>
+    <p:tnLst>
+      <p:par>
+        <p:cTn id="1" dur="indefinite" restart="never" nodeType="tmRoot">
+          <p:childTnLst>
+            <p:seq concurrent="1" nextAc="seek">
+              <p:cTn id="2" dur="indefinite" nodeType="mainSeq">
+                <p:childTnLst>
+                  <p:par>
+                    <p:cTn id="3" fill="hold">
+                      <p:stCondLst>
+                        <p:cond delay="indefinite"/>
+                        <p:cond evt="onBegin" delay="0">
+                          <p:tn val="2"/>
+                        </p:cond>
+                      </p:stCondLst>
+                      <p:childTnLst>
+                        <p:par>
+                          <p:cTn id="4" fill="hold">
+                            <p:stCondLst>
+                              <p:cond delay="0"/>
+                            </p:stCondLst>
+                            <p:childTnLst>
+                              <p:par>
+                                <p:cTn id="5" presetID="47" presetClass="entr" presetSubtype="0" fill="hold" grpId="0" nodeType="withEffect">
+                                  <p:stCondLst>
+                                    <p:cond delay="0"/>
+                                  </p:stCondLst>
+                                  <p:childTnLst>
+                                    <p:set>
+                                      <p:cBhvr>
+                                        <p:cTn id="6" dur="1" fill="hold">
+                                          <p:stCondLst>
+                                            <p:cond delay="0"/>
+                                          </p:stCondLst>
+                                        </p:cTn>
+                                        <p:tgtEl>
+                                          <p:spTgt spid="2"/>
+                                        </p:tgtEl>
+                                        <p:attrNameLst>
+                                          <p:attrName>style.visibility</p:attrName>
+                                        </p:attrNameLst>
+                                      </p:cBhvr>
+                                      <p:to>
+                                        <p:strVal val="visible"/>
+                                      </p:to>
+                                    </p:set>
+                                    <p:animEffect transition="in" filter="fade">
+                                      <p:cBhvr>
+                                        <p:cTn id="7" dur="1000"/>
+                                        <p:tgtEl>
+                                          <p:spTgt spid="2"/>
+                                        </p:tgtEl>
+                                      </p:cBhvr>
+                                    </p:animEffect>
+                                    <p:anim calcmode="lin" valueType="num">
+                                      <p:cBhvr>
+                                        <p:cTn id="8" dur="1000" fill="hold"/>
+                                        <p:tgtEl>
+                                          <p:spTgt spid="2"/>
+                                        </p:tgtEl>
+                                        <p:attrNameLst>
+                                          <p:attrName>ppt_x</p:attrName>
+                                        </p:attrNameLst>
+                                      </p:cBhvr>
+                                      <p:tavLst>
+                                        <p:tav tm="0">
+                                          <p:val>
+                                            <p:strVal val="#ppt_x"/>
+                                          </p:val>
+                                        </p:tav>
+                                        <p:tav tm="100000">
+                                          <p:val>
+                                            <p:strVal val="#ppt_x"/>
+                                          </p:val>
+                                        </p:tav>
+                                      </p:tavLst>
+                                    </p:anim>
+                                    <p:anim calcmode="lin" valueType="num">
+                                      <p:cBhvr>
+                                        <p:cTn id="9" dur="1000" fill="hold"/>
+                                        <p:tgtEl>
+                                          <p:spTgt spid="2"/>
+                                        </p:tgtEl>
+                                        <p:attrNameLst>
+                                          <p:attrName>ppt_y</p:attrName>
+                                        </p:attrNameLst>
+                                      </p:cBhvr>
+                                      <p:tavLst>
+                                        <p:tav tm="0">
+                                          <p:val>
+                                            <p:strVal val="#ppt_y-.1"/>
+                                          </p:val>
+                                        </p:tav>
+                                        <p:tav tm="100000">
+                                          <p:val>
+                                            <p:strVal val="#ppt_y"/>
+                                          </p:val>
+                                        </p:tav>
+                                      </p:tavLst>
+                                    </p:anim>
+                                  </p:childTnLst>
+                                </p:cTn>
+                              </p:par>
+                              <p:par>
+                                <p:cTn id="10" presetID="2" presetClass="entr" presetSubtype="2" fill="hold" nodeType="withEffect">
+                                  <p:stCondLst>
+                                    <p:cond delay="0"/>
+                                  </p:stCondLst>
+                                  <p:childTnLst>
+                                    <p:set>
+                                      <p:cBhvr>
+                                        <p:cTn id="11" dur="1" fill="hold">
+                                          <p:stCondLst>
+                                            <p:cond delay="0"/>
+                                          </p:stCondLst>
+                                        </p:cTn>
+                                        <p:tgtEl>
+                                          <p:spTgt spid="5"/>
+                                        </p:tgtEl>
+                                        <p:attrNameLst>
+                                          <p:attrName>style.visibility</p:attrName>
+                                        </p:attrNameLst>
+                                      </p:cBhvr>
+                                      <p:to>
+                                        <p:strVal val="visible"/>
+                                      </p:to>
+                                    </p:set>
+                                    <p:anim calcmode="lin" valueType="num">
+                                      <p:cBhvr additive="base">
+                                        <p:cTn id="12" dur="500" fill="hold"/>
+                                        <p:tgtEl>
+                                          <p:spTgt spid="5"/>
+                                        </p:tgtEl>
+                                        <p:attrNameLst>
+                                          <p:attrName>ppt_x</p:attrName>
+                                        </p:attrNameLst>
+                                      </p:cBhvr>
+                                      <p:tavLst>
+                                        <p:tav tm="0">
+                                          <p:val>
+                                            <p:strVal val="1+#ppt_w/2"/>
+                                          </p:val>
+                                        </p:tav>
+                                        <p:tav tm="100000">
+                                          <p:val>
+                                            <p:strVal val="#ppt_x"/>
+                                          </p:val>
+                                        </p:tav>
+                                      </p:tavLst>
+                                    </p:anim>
+                                    <p:anim calcmode="lin" valueType="num">
+                                      <p:cBhvr additive="base">
+                                        <p:cTn id="13" dur="500" fill="hold"/>
+                                        <p:tgtEl>
+                                          <p:spTgt spid="5"/>
+                                        </p:tgtEl>
+                                        <p:attrNameLst>
+                                          <p:attrName>ppt_y</p:attrName>
+                                        </p:attrNameLst>
+                                      </p:cBhvr>
+                                      <p:tavLst>
+                                        <p:tav tm="0">
+                                          <p:val>
+                                            <p:strVal val="#ppt_y"/>
+                                          </p:val>
+                                        </p:tav>
+                                        <p:tav tm="100000">
+                                          <p:val>
+                                            <p:strVal val="#ppt_y"/>
+                                          </p:val>
+                                        </p:tav>
+                                      </p:tavLst>
+                                    </p:anim>
+                                  </p:childTnLst>
+                                </p:cTn>
+                              </p:par>
+                              <p:par>
+                                <p:cTn id="14" presetID="2" presetClass="entr" presetSubtype="8" fill="hold" grpId="0" nodeType="withEffect">
+                                  <p:stCondLst>
+                                    <p:cond delay="0"/>
+                                  </p:stCondLst>
+                                  <p:childTnLst>
+                                    <p:set>
+                                      <p:cBhvr>
+                                        <p:cTn id="15" dur="1" fill="hold">
+                                          <p:stCondLst>
+                                            <p:cond delay="0"/>
+                                          </p:stCondLst>
+                                        </p:cTn>
+                                        <p:tgtEl>
+                                          <p:spTgt spid="17">
+                                            <p:txEl>
+                                              <p:pRg st="0" end="0"/>
+                                            </p:txEl>
+                                          </p:spTgt>
+                                        </p:tgtEl>
+                                        <p:attrNameLst>
+                                          <p:attrName>style.visibility</p:attrName>
+                                        </p:attrNameLst>
+                                      </p:cBhvr>
+                                      <p:to>
+                                        <p:strVal val="visible"/>
+                                      </p:to>
+                                    </p:set>
+                                    <p:anim calcmode="lin" valueType="num">
+                                      <p:cBhvr additive="base">
+                                        <p:cTn id="16" dur="500" fill="hold"/>
+                                        <p:tgtEl>
+                                          <p:spTgt spid="17">
+                                            <p:txEl>
+                                              <p:pRg st="0" end="0"/>
+                                            </p:txEl>
+                                          </p:spTgt>
+                                        </p:tgtEl>
+                                        <p:attrNameLst>
+                                          <p:attrName>ppt_x</p:attrName>
+                                        </p:attrNameLst>
+                                      </p:cBhvr>
+                                      <p:tavLst>
+                                        <p:tav tm="0">
+                                          <p:val>
+                                            <p:strVal val="0-#ppt_w/2"/>
+                                          </p:val>
+                                        </p:tav>
+                                        <p:tav tm="100000">
+                                          <p:val>
+                                            <p:strVal val="#ppt_x"/>
+                                          </p:val>
+                                        </p:tav>
+                                      </p:tavLst>
+                                    </p:anim>
+                                    <p:anim calcmode="lin" valueType="num">
+                                      <p:cBhvr additive="base">
+                                        <p:cTn id="17" dur="500" fill="hold"/>
+                                        <p:tgtEl>
+                                          <p:spTgt spid="17">
+                                            <p:txEl>
+                                              <p:pRg st="0" end="0"/>
+                                            </p:txEl>
+                                          </p:spTgt>
+                                        </p:tgtEl>
+                                        <p:attrNameLst>
+                                          <p:attrName>ppt_y</p:attrName>
+                                        </p:attrNameLst>
+                                      </p:cBhvr>
+                                      <p:tavLst>
+                                        <p:tav tm="0">
+                                          <p:val>
+                                            <p:strVal val="#ppt_y"/>
+                                          </p:val>
+                                        </p:tav>
+                                        <p:tav tm="100000">
+                                          <p:val>
+                                            <p:strVal val="#ppt_y"/>
+                                          </p:val>
+                                        </p:tav>
+                                      </p:tavLst>
+                                    </p:anim>
+                                  </p:childTnLst>
+                                </p:cTn>
+                              </p:par>
+                              <p:par>
+                                <p:cTn id="18" presetID="2" presetClass="entr" presetSubtype="8" fill="hold" grpId="0" nodeType="withEffect">
+                                  <p:stCondLst>
+                                    <p:cond delay="0"/>
+                                  </p:stCondLst>
+                                  <p:childTnLst>
+                                    <p:set>
+                                      <p:cBhvr>
+                                        <p:cTn id="19" dur="1" fill="hold">
+                                          <p:stCondLst>
+                                            <p:cond delay="0"/>
+                                          </p:stCondLst>
+                                        </p:cTn>
+                                        <p:tgtEl>
+                                          <p:spTgt spid="17">
+                                            <p:txEl>
+                                              <p:pRg st="1" end="1"/>
+                                            </p:txEl>
+                                          </p:spTgt>
+                                        </p:tgtEl>
+                                        <p:attrNameLst>
+                                          <p:attrName>style.visibility</p:attrName>
+                                        </p:attrNameLst>
+                                      </p:cBhvr>
+                                      <p:to>
+                                        <p:strVal val="visible"/>
+                                      </p:to>
+                                    </p:set>
+                                    <p:anim calcmode="lin" valueType="num">
+                                      <p:cBhvr additive="base">
+                                        <p:cTn id="20" dur="500" fill="hold"/>
+                                        <p:tgtEl>
+                                          <p:spTgt spid="17">
+                                            <p:txEl>
+                                              <p:pRg st="1" end="1"/>
+                                            </p:txEl>
+                                          </p:spTgt>
+                                        </p:tgtEl>
+                                        <p:attrNameLst>
+                                          <p:attrName>ppt_x</p:attrName>
+                                        </p:attrNameLst>
+                                      </p:cBhvr>
+                                      <p:tavLst>
+                                        <p:tav tm="0">
+                                          <p:val>
+                                            <p:strVal val="0-#ppt_w/2"/>
+                                          </p:val>
+                                        </p:tav>
+                                        <p:tav tm="100000">
+                                          <p:val>
+                                            <p:strVal val="#ppt_x"/>
+                                          </p:val>
+                                        </p:tav>
+                                      </p:tavLst>
+                                    </p:anim>
+                                    <p:anim calcmode="lin" valueType="num">
+                                      <p:cBhvr additive="base">
+                                        <p:cTn id="21" dur="500" fill="hold"/>
+                                        <p:tgtEl>
+                                          <p:spTgt spid="17">
+                                            <p:txEl>
+                                              <p:pRg st="1" end="1"/>
+                                            </p:txEl>
+                                          </p:spTgt>
+                                        </p:tgtEl>
+                                        <p:attrNameLst>
+                                          <p:attrName>ppt_y</p:attrName>
+                                        </p:attrNameLst>
+                                      </p:cBhvr>
+                                      <p:tavLst>
+                                        <p:tav tm="0">
+                                          <p:val>
+                                            <p:strVal val="#ppt_y"/>
+                                          </p:val>
+                                        </p:tav>
+                                        <p:tav tm="100000">
+                                          <p:val>
+                                            <p:strVal val="#ppt_y"/>
+                                          </p:val>
+                                        </p:tav>
+                                      </p:tavLst>
+                                    </p:anim>
+                                  </p:childTnLst>
+                                </p:cTn>
+                              </p:par>
+                              <p:par>
+                                <p:cTn id="22" presetID="2" presetClass="entr" presetSubtype="8" fill="hold" grpId="0" nodeType="withEffect">
+                                  <p:stCondLst>
+                                    <p:cond delay="0"/>
+                                  </p:stCondLst>
+                                  <p:childTnLst>
+                                    <p:set>
+                                      <p:cBhvr>
+                                        <p:cTn id="23" dur="1" fill="hold">
+                                          <p:stCondLst>
+                                            <p:cond delay="0"/>
+                                          </p:stCondLst>
+                                        </p:cTn>
+                                        <p:tgtEl>
+                                          <p:spTgt spid="17">
+                                            <p:txEl>
+                                              <p:pRg st="3" end="3"/>
+                                            </p:txEl>
+                                          </p:spTgt>
+                                        </p:tgtEl>
+                                        <p:attrNameLst>
+                                          <p:attrName>style.visibility</p:attrName>
+                                        </p:attrNameLst>
+                                      </p:cBhvr>
+                                      <p:to>
+                                        <p:strVal val="visible"/>
+                                      </p:to>
+                                    </p:set>
+                                    <p:anim calcmode="lin" valueType="num">
+                                      <p:cBhvr additive="base">
+                                        <p:cTn id="24" dur="500" fill="hold"/>
+                                        <p:tgtEl>
+                                          <p:spTgt spid="17">
+                                            <p:txEl>
+                                              <p:pRg st="3" end="3"/>
+                                            </p:txEl>
+                                          </p:spTgt>
+                                        </p:tgtEl>
+                                        <p:attrNameLst>
+                                          <p:attrName>ppt_x</p:attrName>
+                                        </p:attrNameLst>
+                                      </p:cBhvr>
+                                      <p:tavLst>
+                                        <p:tav tm="0">
+                                          <p:val>
+                                            <p:strVal val="0-#ppt_w/2"/>
+                                          </p:val>
+                                        </p:tav>
+                                        <p:tav tm="100000">
+                                          <p:val>
+                                            <p:strVal val="#ppt_x"/>
+                                          </p:val>
+                                        </p:tav>
+                                      </p:tavLst>
+                                    </p:anim>
+                                    <p:anim calcmode="lin" valueType="num">
+                                      <p:cBhvr additive="base">
+                                        <p:cTn id="25" dur="500" fill="hold"/>
+                                        <p:tgtEl>
+                                          <p:spTgt spid="17">
+                                            <p:txEl>
+                                              <p:pRg st="3" end="3"/>
+                                            </p:txEl>
+                                          </p:spTgt>
+                                        </p:tgtEl>
+                                        <p:attrNameLst>
+                                          <p:attrName>ppt_y</p:attrName>
+                                        </p:attrNameLst>
+                                      </p:cBhvr>
+                                      <p:tavLst>
+                                        <p:tav tm="0">
+                                          <p:val>
+                                            <p:strVal val="#ppt_y"/>
+                                          </p:val>
+                                        </p:tav>
+                                        <p:tav tm="100000">
+                                          <p:val>
+                                            <p:strVal val="#ppt_y"/>
+                                          </p:val>
+                                        </p:tav>
+                                      </p:tavLst>
+                                    </p:anim>
+                                  </p:childTnLst>
+                                </p:cTn>
+                              </p:par>
+                              <p:par>
+                                <p:cTn id="26" presetID="2" presetClass="entr" presetSubtype="8" fill="hold" grpId="0" nodeType="withEffect">
+                                  <p:stCondLst>
+                                    <p:cond delay="0"/>
+                                  </p:stCondLst>
+                                  <p:childTnLst>
+                                    <p:set>
+                                      <p:cBhvr>
+                                        <p:cTn id="27" dur="1" fill="hold">
+                                          <p:stCondLst>
+                                            <p:cond delay="0"/>
+                                          </p:stCondLst>
+                                        </p:cTn>
+                                        <p:tgtEl>
+                                          <p:spTgt spid="17">
+                                            <p:txEl>
+                                              <p:pRg st="4" end="4"/>
+                                            </p:txEl>
+                                          </p:spTgt>
+                                        </p:tgtEl>
+                                        <p:attrNameLst>
+                                          <p:attrName>style.visibility</p:attrName>
+                                        </p:attrNameLst>
+                                      </p:cBhvr>
+                                      <p:to>
+                                        <p:strVal val="visible"/>
+                                      </p:to>
+                                    </p:set>
+                                    <p:anim calcmode="lin" valueType="num">
+                                      <p:cBhvr additive="base">
+                                        <p:cTn id="28" dur="500" fill="hold"/>
+                                        <p:tgtEl>
+                                          <p:spTgt spid="17">
+                                            <p:txEl>
+                                              <p:pRg st="4" end="4"/>
+                                            </p:txEl>
+                                          </p:spTgt>
+                                        </p:tgtEl>
+                                        <p:attrNameLst>
+                                          <p:attrName>ppt_x</p:attrName>
+                                        </p:attrNameLst>
+                                      </p:cBhvr>
+                                      <p:tavLst>
+                                        <p:tav tm="0">
+                                          <p:val>
+                                            <p:strVal val="0-#ppt_w/2"/>
+                                          </p:val>
+                                        </p:tav>
+                                        <p:tav tm="100000">
+                                          <p:val>
+                                            <p:strVal val="#ppt_x"/>
+                                          </p:val>
+                                        </p:tav>
+                                      </p:tavLst>
+                                    </p:anim>
+                                    <p:anim calcmode="lin" valueType="num">
+                                      <p:cBhvr additive="base">
+                                        <p:cTn id="29" dur="500" fill="hold"/>
+                                        <p:tgtEl>
+                                          <p:spTgt spid="17">
+                                            <p:txEl>
+                                              <p:pRg st="4" end="4"/>
+                                            </p:txEl>
+                                          </p:spTgt>
+                                        </p:tgtEl>
+                                        <p:attrNameLst>
+                                          <p:attrName>ppt_y</p:attrName>
+                                        </p:attrNameLst>
+                                      </p:cBhvr>
+                                      <p:tavLst>
+                                        <p:tav tm="0">
+                                          <p:val>
+                                            <p:strVal val="#ppt_y"/>
+                                          </p:val>
+                                        </p:tav>
+                                        <p:tav tm="100000">
+                                          <p:val>
+                                            <p:strVal val="#ppt_y"/>
+                                          </p:val>
+                                        </p:tav>
+                                      </p:tavLst>
+                                    </p:anim>
+                                  </p:childTnLst>
+                                </p:cTn>
+                              </p:par>
+                            </p:childTnLst>
+                          </p:cTn>
+                        </p:par>
+                      </p:childTnLst>
+                    </p:cTn>
+                  </p:par>
+                </p:childTnLst>
+              </p:cTn>
+              <p:prevCondLst>
+                <p:cond evt="onPrev" delay="0">
+                  <p:tgtEl>
+                    <p:sldTgt/>
+                  </p:tgtEl>
+                </p:cond>
+              </p:prevCondLst>
+              <p:nextCondLst>
+                <p:cond evt="onNext" delay="0">
+                  <p:tgtEl>
+                    <p:sldTgt/>
+                  </p:tgtEl>
+                </p:cond>
+              </p:nextCondLst>
+            </p:seq>
+          </p:childTnLst>
+        </p:cTn>
+      </p:par>
+    </p:tnLst>
+    <p:bldLst>
+      <p:bldP spid="2" grpId="0"/>
+      <p:bldP spid="17" grpId="0" build="p"/>
+    </p:bldLst>
+  </p:timing>
 </p:sld>
 </file>
 
@@ -7763,7 +12862,7 @@
           <p:nvPr/>
         </p:nvPicPr>
         <p:blipFill>
-          <a:blip r:embed="rId2"/>
+          <a:blip r:embed="rId3"/>
           <a:srcRect/>
           <a:stretch/>
         </p:blipFill>
@@ -7790,6 +12889,206 @@
   <p:transition spd="slow">
     <p:cover/>
   </p:transition>
+  <p:timing>
+    <p:tnLst>
+      <p:par>
+        <p:cTn id="1" dur="indefinite" restart="never" nodeType="tmRoot">
+          <p:childTnLst>
+            <p:seq concurrent="1" nextAc="seek">
+              <p:cTn id="2" dur="indefinite" nodeType="mainSeq">
+                <p:childTnLst>
+                  <p:par>
+                    <p:cTn id="3" fill="hold">
+                      <p:stCondLst>
+                        <p:cond delay="indefinite"/>
+                        <p:cond evt="onBegin" delay="0">
+                          <p:tn val="2"/>
+                        </p:cond>
+                      </p:stCondLst>
+                      <p:childTnLst>
+                        <p:par>
+                          <p:cTn id="4" fill="hold">
+                            <p:stCondLst>
+                              <p:cond delay="0"/>
+                            </p:stCondLst>
+                            <p:childTnLst>
+                              <p:par>
+                                <p:cTn id="5" presetID="2" presetClass="entr" presetSubtype="3" fill="hold" grpId="0" nodeType="withEffect">
+                                  <p:stCondLst>
+                                    <p:cond delay="0"/>
+                                  </p:stCondLst>
+                                  <p:childTnLst>
+                                    <p:set>
+                                      <p:cBhvr>
+                                        <p:cTn id="6" dur="1" fill="hold">
+                                          <p:stCondLst>
+                                            <p:cond delay="0"/>
+                                          </p:stCondLst>
+                                        </p:cTn>
+                                        <p:tgtEl>
+                                          <p:spTgt spid="2"/>
+                                        </p:tgtEl>
+                                        <p:attrNameLst>
+                                          <p:attrName>style.visibility</p:attrName>
+                                        </p:attrNameLst>
+                                      </p:cBhvr>
+                                      <p:to>
+                                        <p:strVal val="visible"/>
+                                      </p:to>
+                                    </p:set>
+                                    <p:anim calcmode="lin" valueType="num">
+                                      <p:cBhvr additive="base">
+                                        <p:cTn id="7" dur="500" fill="hold"/>
+                                        <p:tgtEl>
+                                          <p:spTgt spid="2"/>
+                                        </p:tgtEl>
+                                        <p:attrNameLst>
+                                          <p:attrName>ppt_x</p:attrName>
+                                        </p:attrNameLst>
+                                      </p:cBhvr>
+                                      <p:tavLst>
+                                        <p:tav tm="0">
+                                          <p:val>
+                                            <p:strVal val="1+#ppt_w/2"/>
+                                          </p:val>
+                                        </p:tav>
+                                        <p:tav tm="100000">
+                                          <p:val>
+                                            <p:strVal val="#ppt_x"/>
+                                          </p:val>
+                                        </p:tav>
+                                      </p:tavLst>
+                                    </p:anim>
+                                    <p:anim calcmode="lin" valueType="num">
+                                      <p:cBhvr additive="base">
+                                        <p:cTn id="8" dur="500" fill="hold"/>
+                                        <p:tgtEl>
+                                          <p:spTgt spid="2"/>
+                                        </p:tgtEl>
+                                        <p:attrNameLst>
+                                          <p:attrName>ppt_y</p:attrName>
+                                        </p:attrNameLst>
+                                      </p:cBhvr>
+                                      <p:tavLst>
+                                        <p:tav tm="0">
+                                          <p:val>
+                                            <p:strVal val="0-#ppt_h/2"/>
+                                          </p:val>
+                                        </p:tav>
+                                        <p:tav tm="100000">
+                                          <p:val>
+                                            <p:strVal val="#ppt_y"/>
+                                          </p:val>
+                                        </p:tav>
+                                      </p:tavLst>
+                                    </p:anim>
+                                  </p:childTnLst>
+                                </p:cTn>
+                              </p:par>
+                              <p:par>
+                                <p:cTn id="9" presetID="2" presetClass="entr" presetSubtype="9" fill="hold" nodeType="withEffect">
+                                  <p:stCondLst>
+                                    <p:cond delay="0"/>
+                                  </p:stCondLst>
+                                  <p:childTnLst>
+                                    <p:set>
+                                      <p:cBhvr>
+                                        <p:cTn id="10" dur="1" fill="hold">
+                                          <p:stCondLst>
+                                            <p:cond delay="0"/>
+                                          </p:stCondLst>
+                                        </p:cTn>
+                                        <p:tgtEl>
+                                          <p:spTgt spid="5"/>
+                                        </p:tgtEl>
+                                        <p:attrNameLst>
+                                          <p:attrName>style.visibility</p:attrName>
+                                        </p:attrNameLst>
+                                      </p:cBhvr>
+                                      <p:to>
+                                        <p:strVal val="visible"/>
+                                      </p:to>
+                                    </p:set>
+                                    <p:anim calcmode="lin" valueType="num">
+                                      <p:cBhvr additive="base">
+                                        <p:cTn id="11" dur="500" fill="hold"/>
+                                        <p:tgtEl>
+                                          <p:spTgt spid="5"/>
+                                        </p:tgtEl>
+                                        <p:attrNameLst>
+                                          <p:attrName>ppt_x</p:attrName>
+                                        </p:attrNameLst>
+                                      </p:cBhvr>
+                                      <p:tavLst>
+                                        <p:tav tm="0">
+                                          <p:val>
+                                            <p:strVal val="0-#ppt_w/2"/>
+                                          </p:val>
+                                        </p:tav>
+                                        <p:tav tm="100000">
+                                          <p:val>
+                                            <p:strVal val="#ppt_x"/>
+                                          </p:val>
+                                        </p:tav>
+                                      </p:tavLst>
+                                    </p:anim>
+                                    <p:anim calcmode="lin" valueType="num">
+                                      <p:cBhvr additive="base">
+                                        <p:cTn id="12" dur="500" fill="hold"/>
+                                        <p:tgtEl>
+                                          <p:spTgt spid="5"/>
+                                        </p:tgtEl>
+                                        <p:attrNameLst>
+                                          <p:attrName>ppt_y</p:attrName>
+                                        </p:attrNameLst>
+                                      </p:cBhvr>
+                                      <p:tavLst>
+                                        <p:tav tm="0">
+                                          <p:val>
+                                            <p:strVal val="0-#ppt_h/2"/>
+                                          </p:val>
+                                        </p:tav>
+                                        <p:tav tm="100000">
+                                          <p:val>
+                                            <p:strVal val="#ppt_y"/>
+                                          </p:val>
+                                        </p:tav>
+                                      </p:tavLst>
+                                    </p:anim>
+                                  </p:childTnLst>
+                                </p:cTn>
+                              </p:par>
+                            </p:childTnLst>
+                          </p:cTn>
+                        </p:par>
+                      </p:childTnLst>
+                    </p:cTn>
+                  </p:par>
+                </p:childTnLst>
+              </p:cTn>
+              <p:prevCondLst>
+                <p:cond evt="onPrev" delay="0">
+                  <p:tgtEl>
+                    <p:sldTgt/>
+                  </p:tgtEl>
+                </p:cond>
+              </p:prevCondLst>
+              <p:nextCondLst>
+                <p:cond evt="onNext" delay="0">
+                  <p:tgtEl>
+                    <p:sldTgt/>
+                  </p:tgtEl>
+                </p:cond>
+              </p:nextCondLst>
+            </p:seq>
+          </p:childTnLst>
+        </p:cTn>
+      </p:par>
+    </p:tnLst>
+    <p:bldLst>
+      <p:bldP spid="2" grpId="0"/>
+    </p:bldLst>
+  </p:timing>
 </p:sld>
 </file>
 
@@ -7857,7 +13156,7 @@
               <a:t>Charge </a:t>
             </a:r>
             <a:r>
-              <a:rPr lang="fr-FR" sz="4800"/>
+              <a:rPr lang="fr-FR" sz="4800" dirty="0" err="1"/>
               <a:t>indicator</a:t>
             </a:r>
             <a:endParaRPr lang="fr-FR" sz="4800" dirty="0"/>
@@ -7999,7 +13298,7 @@
           <p:nvPr/>
         </p:nvPicPr>
         <p:blipFill>
-          <a:blip r:embed="rId2"/>
+          <a:blip r:embed="rId3"/>
           <a:stretch>
             <a:fillRect/>
           </a:stretch>
@@ -8027,6 +13326,206 @@
   <p:transition spd="med">
     <p:pull/>
   </p:transition>
+  <p:timing>
+    <p:tnLst>
+      <p:par>
+        <p:cTn id="1" dur="indefinite" restart="never" nodeType="tmRoot">
+          <p:childTnLst>
+            <p:seq concurrent="1" nextAc="seek">
+              <p:cTn id="2" dur="indefinite" nodeType="mainSeq">
+                <p:childTnLst>
+                  <p:par>
+                    <p:cTn id="3" fill="hold">
+                      <p:stCondLst>
+                        <p:cond delay="indefinite"/>
+                        <p:cond evt="onBegin" delay="0">
+                          <p:tn val="2"/>
+                        </p:cond>
+                      </p:stCondLst>
+                      <p:childTnLst>
+                        <p:par>
+                          <p:cTn id="4" fill="hold">
+                            <p:stCondLst>
+                              <p:cond delay="0"/>
+                            </p:stCondLst>
+                            <p:childTnLst>
+                              <p:par>
+                                <p:cTn id="5" presetID="2" presetClass="entr" presetSubtype="6" fill="hold" grpId="0" nodeType="withEffect">
+                                  <p:stCondLst>
+                                    <p:cond delay="0"/>
+                                  </p:stCondLst>
+                                  <p:childTnLst>
+                                    <p:set>
+                                      <p:cBhvr>
+                                        <p:cTn id="6" dur="1" fill="hold">
+                                          <p:stCondLst>
+                                            <p:cond delay="0"/>
+                                          </p:stCondLst>
+                                        </p:cTn>
+                                        <p:tgtEl>
+                                          <p:spTgt spid="2"/>
+                                        </p:tgtEl>
+                                        <p:attrNameLst>
+                                          <p:attrName>style.visibility</p:attrName>
+                                        </p:attrNameLst>
+                                      </p:cBhvr>
+                                      <p:to>
+                                        <p:strVal val="visible"/>
+                                      </p:to>
+                                    </p:set>
+                                    <p:anim calcmode="lin" valueType="num">
+                                      <p:cBhvr additive="base">
+                                        <p:cTn id="7" dur="500" fill="hold"/>
+                                        <p:tgtEl>
+                                          <p:spTgt spid="2"/>
+                                        </p:tgtEl>
+                                        <p:attrNameLst>
+                                          <p:attrName>ppt_x</p:attrName>
+                                        </p:attrNameLst>
+                                      </p:cBhvr>
+                                      <p:tavLst>
+                                        <p:tav tm="0">
+                                          <p:val>
+                                            <p:strVal val="1+#ppt_w/2"/>
+                                          </p:val>
+                                        </p:tav>
+                                        <p:tav tm="100000">
+                                          <p:val>
+                                            <p:strVal val="#ppt_x"/>
+                                          </p:val>
+                                        </p:tav>
+                                      </p:tavLst>
+                                    </p:anim>
+                                    <p:anim calcmode="lin" valueType="num">
+                                      <p:cBhvr additive="base">
+                                        <p:cTn id="8" dur="500" fill="hold"/>
+                                        <p:tgtEl>
+                                          <p:spTgt spid="2"/>
+                                        </p:tgtEl>
+                                        <p:attrNameLst>
+                                          <p:attrName>ppt_y</p:attrName>
+                                        </p:attrNameLst>
+                                      </p:cBhvr>
+                                      <p:tavLst>
+                                        <p:tav tm="0">
+                                          <p:val>
+                                            <p:strVal val="1+#ppt_h/2"/>
+                                          </p:val>
+                                        </p:tav>
+                                        <p:tav tm="100000">
+                                          <p:val>
+                                            <p:strVal val="#ppt_y"/>
+                                          </p:val>
+                                        </p:tav>
+                                      </p:tavLst>
+                                    </p:anim>
+                                  </p:childTnLst>
+                                </p:cTn>
+                              </p:par>
+                              <p:par>
+                                <p:cTn id="9" presetID="2" presetClass="entr" presetSubtype="12" fill="hold" nodeType="withEffect">
+                                  <p:stCondLst>
+                                    <p:cond delay="0"/>
+                                  </p:stCondLst>
+                                  <p:childTnLst>
+                                    <p:set>
+                                      <p:cBhvr>
+                                        <p:cTn id="10" dur="1" fill="hold">
+                                          <p:stCondLst>
+                                            <p:cond delay="0"/>
+                                          </p:stCondLst>
+                                        </p:cTn>
+                                        <p:tgtEl>
+                                          <p:spTgt spid="5"/>
+                                        </p:tgtEl>
+                                        <p:attrNameLst>
+                                          <p:attrName>style.visibility</p:attrName>
+                                        </p:attrNameLst>
+                                      </p:cBhvr>
+                                      <p:to>
+                                        <p:strVal val="visible"/>
+                                      </p:to>
+                                    </p:set>
+                                    <p:anim calcmode="lin" valueType="num">
+                                      <p:cBhvr additive="base">
+                                        <p:cTn id="11" dur="500" fill="hold"/>
+                                        <p:tgtEl>
+                                          <p:spTgt spid="5"/>
+                                        </p:tgtEl>
+                                        <p:attrNameLst>
+                                          <p:attrName>ppt_x</p:attrName>
+                                        </p:attrNameLst>
+                                      </p:cBhvr>
+                                      <p:tavLst>
+                                        <p:tav tm="0">
+                                          <p:val>
+                                            <p:strVal val="0-#ppt_w/2"/>
+                                          </p:val>
+                                        </p:tav>
+                                        <p:tav tm="100000">
+                                          <p:val>
+                                            <p:strVal val="#ppt_x"/>
+                                          </p:val>
+                                        </p:tav>
+                                      </p:tavLst>
+                                    </p:anim>
+                                    <p:anim calcmode="lin" valueType="num">
+                                      <p:cBhvr additive="base">
+                                        <p:cTn id="12" dur="500" fill="hold"/>
+                                        <p:tgtEl>
+                                          <p:spTgt spid="5"/>
+                                        </p:tgtEl>
+                                        <p:attrNameLst>
+                                          <p:attrName>ppt_y</p:attrName>
+                                        </p:attrNameLst>
+                                      </p:cBhvr>
+                                      <p:tavLst>
+                                        <p:tav tm="0">
+                                          <p:val>
+                                            <p:strVal val="1+#ppt_h/2"/>
+                                          </p:val>
+                                        </p:tav>
+                                        <p:tav tm="100000">
+                                          <p:val>
+                                            <p:strVal val="#ppt_y"/>
+                                          </p:val>
+                                        </p:tav>
+                                      </p:tavLst>
+                                    </p:anim>
+                                  </p:childTnLst>
+                                </p:cTn>
+                              </p:par>
+                            </p:childTnLst>
+                          </p:cTn>
+                        </p:par>
+                      </p:childTnLst>
+                    </p:cTn>
+                  </p:par>
+                </p:childTnLst>
+              </p:cTn>
+              <p:prevCondLst>
+                <p:cond evt="onPrev" delay="0">
+                  <p:tgtEl>
+                    <p:sldTgt/>
+                  </p:tgtEl>
+                </p:cond>
+              </p:prevCondLst>
+              <p:nextCondLst>
+                <p:cond evt="onNext" delay="0">
+                  <p:tgtEl>
+                    <p:sldTgt/>
+                  </p:tgtEl>
+                </p:cond>
+              </p:nextCondLst>
+            </p:seq>
+          </p:childTnLst>
+        </p:cTn>
+      </p:par>
+    </p:tnLst>
+    <p:bldLst>
+      <p:bldP spid="2" grpId="0"/>
+    </p:bldLst>
+  </p:timing>
 </p:sld>
 </file>
 
@@ -8142,7 +13641,7 @@
           </p:nvPr>
         </p:nvPicPr>
         <p:blipFill>
-          <a:blip r:embed="rId2">
+          <a:blip r:embed="rId3">
             <a:extLst>
               <a:ext uri="{28A0092B-C50C-407E-A947-70E740481C1C}">
                 <a14:useLocalDpi xmlns:a14="http://schemas.microsoft.com/office/drawing/2010/main" val="0"/>
@@ -8192,26 +13691,9 @@
           <a:lstStyle/>
           <a:p>
             <a:r>
-              <a:rPr lang="fr-FR" sz="3200" dirty="0" err="1"/>
-              <a:t>Lockable</a:t>
-            </a:r>
-            <a:r>
-              <a:rPr lang="fr-FR" sz="3200" dirty="0"/>
-              <a:t>  and </a:t>
-            </a:r>
-            <a:r>
-              <a:rPr lang="fr-FR" sz="3200" dirty="0" err="1"/>
-              <a:t>Removable</a:t>
-            </a:r>
-            <a:r>
-              <a:rPr lang="fr-FR" sz="3200" dirty="0"/>
-              <a:t> </a:t>
-            </a:r>
-            <a:r>
-              <a:rPr lang="fr-FR" sz="3200" dirty="0" err="1"/>
-              <a:t>battery</a:t>
-            </a:r>
-            <a:endParaRPr lang="fr-FR" sz="3200" dirty="0"/>
+              <a:rPr lang="en-US" sz="3200" dirty="0"/>
+              <a:t>Lockable  and Removable battery</a:t>
+            </a:r>
           </a:p>
         </p:txBody>
       </p:sp>
@@ -8300,7 +13782,7 @@
           <p:nvPr/>
         </p:nvPicPr>
         <p:blipFill rotWithShape="1">
-          <a:blip r:embed="rId3"/>
+          <a:blip r:embed="rId4"/>
           <a:srcRect t="6341" r="-3" b="18459"/>
           <a:stretch/>
         </p:blipFill>
@@ -8327,6 +13809,206 @@
   <p:transition spd="slow">
     <p:cover/>
   </p:transition>
+  <p:timing>
+    <p:tnLst>
+      <p:par>
+        <p:cTn id="1" dur="indefinite" restart="never" nodeType="tmRoot">
+          <p:childTnLst>
+            <p:seq concurrent="1" nextAc="seek">
+              <p:cTn id="2" dur="indefinite" nodeType="mainSeq">
+                <p:childTnLst>
+                  <p:par>
+                    <p:cTn id="3" fill="hold">
+                      <p:stCondLst>
+                        <p:cond delay="indefinite"/>
+                        <p:cond evt="onBegin" delay="0">
+                          <p:tn val="2"/>
+                        </p:cond>
+                      </p:stCondLst>
+                      <p:childTnLst>
+                        <p:par>
+                          <p:cTn id="4" fill="hold">
+                            <p:stCondLst>
+                              <p:cond delay="0"/>
+                            </p:stCondLst>
+                            <p:childTnLst>
+                              <p:par>
+                                <p:cTn id="5" presetID="2" presetClass="entr" presetSubtype="8" fill="hold" grpId="0" nodeType="withEffect">
+                                  <p:stCondLst>
+                                    <p:cond delay="0"/>
+                                  </p:stCondLst>
+                                  <p:childTnLst>
+                                    <p:set>
+                                      <p:cBhvr>
+                                        <p:cTn id="6" dur="1" fill="hold">
+                                          <p:stCondLst>
+                                            <p:cond delay="0"/>
+                                          </p:stCondLst>
+                                        </p:cTn>
+                                        <p:tgtEl>
+                                          <p:spTgt spid="2"/>
+                                        </p:tgtEl>
+                                        <p:attrNameLst>
+                                          <p:attrName>style.visibility</p:attrName>
+                                        </p:attrNameLst>
+                                      </p:cBhvr>
+                                      <p:to>
+                                        <p:strVal val="visible"/>
+                                      </p:to>
+                                    </p:set>
+                                    <p:anim calcmode="lin" valueType="num">
+                                      <p:cBhvr additive="base">
+                                        <p:cTn id="7" dur="500" fill="hold"/>
+                                        <p:tgtEl>
+                                          <p:spTgt spid="2"/>
+                                        </p:tgtEl>
+                                        <p:attrNameLst>
+                                          <p:attrName>ppt_x</p:attrName>
+                                        </p:attrNameLst>
+                                      </p:cBhvr>
+                                      <p:tavLst>
+                                        <p:tav tm="0">
+                                          <p:val>
+                                            <p:strVal val="0-#ppt_w/2"/>
+                                          </p:val>
+                                        </p:tav>
+                                        <p:tav tm="100000">
+                                          <p:val>
+                                            <p:strVal val="#ppt_x"/>
+                                          </p:val>
+                                        </p:tav>
+                                      </p:tavLst>
+                                    </p:anim>
+                                    <p:anim calcmode="lin" valueType="num">
+                                      <p:cBhvr additive="base">
+                                        <p:cTn id="8" dur="500" fill="hold"/>
+                                        <p:tgtEl>
+                                          <p:spTgt spid="2"/>
+                                        </p:tgtEl>
+                                        <p:attrNameLst>
+                                          <p:attrName>ppt_y</p:attrName>
+                                        </p:attrNameLst>
+                                      </p:cBhvr>
+                                      <p:tavLst>
+                                        <p:tav tm="0">
+                                          <p:val>
+                                            <p:strVal val="#ppt_y"/>
+                                          </p:val>
+                                        </p:tav>
+                                        <p:tav tm="100000">
+                                          <p:val>
+                                            <p:strVal val="#ppt_y"/>
+                                          </p:val>
+                                        </p:tav>
+                                      </p:tavLst>
+                                    </p:anim>
+                                  </p:childTnLst>
+                                </p:cTn>
+                              </p:par>
+                              <p:par>
+                                <p:cTn id="9" presetID="2" presetClass="entr" presetSubtype="2" fill="hold" nodeType="withEffect">
+                                  <p:stCondLst>
+                                    <p:cond delay="0"/>
+                                  </p:stCondLst>
+                                  <p:childTnLst>
+                                    <p:set>
+                                      <p:cBhvr>
+                                        <p:cTn id="10" dur="1" fill="hold">
+                                          <p:stCondLst>
+                                            <p:cond delay="0"/>
+                                          </p:stCondLst>
+                                        </p:cTn>
+                                        <p:tgtEl>
+                                          <p:spTgt spid="5"/>
+                                        </p:tgtEl>
+                                        <p:attrNameLst>
+                                          <p:attrName>style.visibility</p:attrName>
+                                        </p:attrNameLst>
+                                      </p:cBhvr>
+                                      <p:to>
+                                        <p:strVal val="visible"/>
+                                      </p:to>
+                                    </p:set>
+                                    <p:anim calcmode="lin" valueType="num">
+                                      <p:cBhvr additive="base">
+                                        <p:cTn id="11" dur="500" fill="hold"/>
+                                        <p:tgtEl>
+                                          <p:spTgt spid="5"/>
+                                        </p:tgtEl>
+                                        <p:attrNameLst>
+                                          <p:attrName>ppt_x</p:attrName>
+                                        </p:attrNameLst>
+                                      </p:cBhvr>
+                                      <p:tavLst>
+                                        <p:tav tm="0">
+                                          <p:val>
+                                            <p:strVal val="1+#ppt_w/2"/>
+                                          </p:val>
+                                        </p:tav>
+                                        <p:tav tm="100000">
+                                          <p:val>
+                                            <p:strVal val="#ppt_x"/>
+                                          </p:val>
+                                        </p:tav>
+                                      </p:tavLst>
+                                    </p:anim>
+                                    <p:anim calcmode="lin" valueType="num">
+                                      <p:cBhvr additive="base">
+                                        <p:cTn id="12" dur="500" fill="hold"/>
+                                        <p:tgtEl>
+                                          <p:spTgt spid="5"/>
+                                        </p:tgtEl>
+                                        <p:attrNameLst>
+                                          <p:attrName>ppt_y</p:attrName>
+                                        </p:attrNameLst>
+                                      </p:cBhvr>
+                                      <p:tavLst>
+                                        <p:tav tm="0">
+                                          <p:val>
+                                            <p:strVal val="#ppt_y"/>
+                                          </p:val>
+                                        </p:tav>
+                                        <p:tav tm="100000">
+                                          <p:val>
+                                            <p:strVal val="#ppt_y"/>
+                                          </p:val>
+                                        </p:tav>
+                                      </p:tavLst>
+                                    </p:anim>
+                                  </p:childTnLst>
+                                </p:cTn>
+                              </p:par>
+                            </p:childTnLst>
+                          </p:cTn>
+                        </p:par>
+                      </p:childTnLst>
+                    </p:cTn>
+                  </p:par>
+                </p:childTnLst>
+              </p:cTn>
+              <p:prevCondLst>
+                <p:cond evt="onPrev" delay="0">
+                  <p:tgtEl>
+                    <p:sldTgt/>
+                  </p:tgtEl>
+                </p:cond>
+              </p:prevCondLst>
+              <p:nextCondLst>
+                <p:cond evt="onNext" delay="0">
+                  <p:tgtEl>
+                    <p:sldTgt/>
+                  </p:tgtEl>
+                </p:cond>
+              </p:nextCondLst>
+            </p:seq>
+          </p:childTnLst>
+        </p:cTn>
+      </p:par>
+    </p:tnLst>
+    <p:bldLst>
+      <p:bldP spid="2" grpId="0"/>
+    </p:bldLst>
+  </p:timing>
 </p:sld>
 </file>
 
@@ -8469,7 +14151,7 @@
           <p:nvPr/>
         </p:nvPicPr>
         <p:blipFill rotWithShape="1">
-          <a:blip r:embed="rId2"/>
+          <a:blip r:embed="rId3"/>
           <a:srcRect t="434" r="2" b="2"/>
           <a:stretch/>
         </p:blipFill>
@@ -8496,6 +14178,218 @@
   <p:transition spd="med">
     <p:pull/>
   </p:transition>
+  <p:timing>
+    <p:tnLst>
+      <p:par>
+        <p:cTn id="1" dur="indefinite" restart="never" nodeType="tmRoot">
+          <p:childTnLst>
+            <p:seq concurrent="1" nextAc="seek">
+              <p:cTn id="2" dur="indefinite" nodeType="mainSeq">
+                <p:childTnLst>
+                  <p:par>
+                    <p:cTn id="3" fill="hold">
+                      <p:stCondLst>
+                        <p:cond delay="indefinite"/>
+                        <p:cond evt="onBegin" delay="0">
+                          <p:tn val="2"/>
+                        </p:cond>
+                      </p:stCondLst>
+                      <p:childTnLst>
+                        <p:par>
+                          <p:cTn id="4" fill="hold">
+                            <p:stCondLst>
+                              <p:cond delay="0"/>
+                            </p:stCondLst>
+                            <p:childTnLst>
+                              <p:par>
+                                <p:cTn id="5" presetID="2" presetClass="entr" presetSubtype="8" fill="hold" grpId="0" nodeType="withEffect">
+                                  <p:stCondLst>
+                                    <p:cond delay="0"/>
+                                  </p:stCondLst>
+                                  <p:childTnLst>
+                                    <p:set>
+                                      <p:cBhvr>
+                                        <p:cTn id="6" dur="1" fill="hold">
+                                          <p:stCondLst>
+                                            <p:cond delay="0"/>
+                                          </p:stCondLst>
+                                        </p:cTn>
+                                        <p:tgtEl>
+                                          <p:spTgt spid="9">
+                                            <p:txEl>
+                                              <p:pRg st="0" end="0"/>
+                                            </p:txEl>
+                                          </p:spTgt>
+                                        </p:tgtEl>
+                                        <p:attrNameLst>
+                                          <p:attrName>style.visibility</p:attrName>
+                                        </p:attrNameLst>
+                                      </p:cBhvr>
+                                      <p:to>
+                                        <p:strVal val="visible"/>
+                                      </p:to>
+                                    </p:set>
+                                    <p:anim calcmode="lin" valueType="num">
+                                      <p:cBhvr additive="base">
+                                        <p:cTn id="7" dur="500" fill="hold"/>
+                                        <p:tgtEl>
+                                          <p:spTgt spid="9">
+                                            <p:txEl>
+                                              <p:pRg st="0" end="0"/>
+                                            </p:txEl>
+                                          </p:spTgt>
+                                        </p:tgtEl>
+                                        <p:attrNameLst>
+                                          <p:attrName>ppt_x</p:attrName>
+                                        </p:attrNameLst>
+                                      </p:cBhvr>
+                                      <p:tavLst>
+                                        <p:tav tm="0">
+                                          <p:val>
+                                            <p:strVal val="0-#ppt_w/2"/>
+                                          </p:val>
+                                        </p:tav>
+                                        <p:tav tm="100000">
+                                          <p:val>
+                                            <p:strVal val="#ppt_x"/>
+                                          </p:val>
+                                        </p:tav>
+                                      </p:tavLst>
+                                    </p:anim>
+                                    <p:anim calcmode="lin" valueType="num">
+                                      <p:cBhvr additive="base">
+                                        <p:cTn id="8" dur="500" fill="hold"/>
+                                        <p:tgtEl>
+                                          <p:spTgt spid="9">
+                                            <p:txEl>
+                                              <p:pRg st="0" end="0"/>
+                                            </p:txEl>
+                                          </p:spTgt>
+                                        </p:tgtEl>
+                                        <p:attrNameLst>
+                                          <p:attrName>ppt_y</p:attrName>
+                                        </p:attrNameLst>
+                                      </p:cBhvr>
+                                      <p:tavLst>
+                                        <p:tav tm="0">
+                                          <p:val>
+                                            <p:strVal val="#ppt_y"/>
+                                          </p:val>
+                                        </p:tav>
+                                        <p:tav tm="100000">
+                                          <p:val>
+                                            <p:strVal val="#ppt_y"/>
+                                          </p:val>
+                                        </p:tav>
+                                      </p:tavLst>
+                                    </p:anim>
+                                  </p:childTnLst>
+                                </p:cTn>
+                              </p:par>
+                              <p:par>
+                                <p:cTn id="9" presetID="2" presetClass="entr" presetSubtype="2" fill="hold" nodeType="withEffect">
+                                  <p:stCondLst>
+                                    <p:cond delay="0"/>
+                                  </p:stCondLst>
+                                  <p:childTnLst>
+                                    <p:set>
+                                      <p:cBhvr>
+                                        <p:cTn id="10" dur="1" fill="hold">
+                                          <p:stCondLst>
+                                            <p:cond delay="0"/>
+                                          </p:stCondLst>
+                                        </p:cTn>
+                                        <p:tgtEl>
+                                          <p:spTgt spid="5"/>
+                                        </p:tgtEl>
+                                        <p:attrNameLst>
+                                          <p:attrName>style.visibility</p:attrName>
+                                        </p:attrNameLst>
+                                      </p:cBhvr>
+                                      <p:to>
+                                        <p:strVal val="visible"/>
+                                      </p:to>
+                                    </p:set>
+                                    <p:anim calcmode="lin" valueType="num">
+                                      <p:cBhvr additive="base">
+                                        <p:cTn id="11" dur="500" fill="hold"/>
+                                        <p:tgtEl>
+                                          <p:spTgt spid="5"/>
+                                        </p:tgtEl>
+                                        <p:attrNameLst>
+                                          <p:attrName>ppt_x</p:attrName>
+                                        </p:attrNameLst>
+                                      </p:cBhvr>
+                                      <p:tavLst>
+                                        <p:tav tm="0">
+                                          <p:val>
+                                            <p:strVal val="1+#ppt_w/2"/>
+                                          </p:val>
+                                        </p:tav>
+                                        <p:tav tm="100000">
+                                          <p:val>
+                                            <p:strVal val="#ppt_x"/>
+                                          </p:val>
+                                        </p:tav>
+                                      </p:tavLst>
+                                    </p:anim>
+                                    <p:anim calcmode="lin" valueType="num">
+                                      <p:cBhvr additive="base">
+                                        <p:cTn id="12" dur="500" fill="hold"/>
+                                        <p:tgtEl>
+                                          <p:spTgt spid="5"/>
+                                        </p:tgtEl>
+                                        <p:attrNameLst>
+                                          <p:attrName>ppt_y</p:attrName>
+                                        </p:attrNameLst>
+                                      </p:cBhvr>
+                                      <p:tavLst>
+                                        <p:tav tm="0">
+                                          <p:val>
+                                            <p:strVal val="#ppt_y"/>
+                                          </p:val>
+                                        </p:tav>
+                                        <p:tav tm="100000">
+                                          <p:val>
+                                            <p:strVal val="#ppt_y"/>
+                                          </p:val>
+                                        </p:tav>
+                                      </p:tavLst>
+                                    </p:anim>
+                                  </p:childTnLst>
+                                </p:cTn>
+                              </p:par>
+                            </p:childTnLst>
+                          </p:cTn>
+                        </p:par>
+                      </p:childTnLst>
+                    </p:cTn>
+                  </p:par>
+                </p:childTnLst>
+              </p:cTn>
+              <p:prevCondLst>
+                <p:cond evt="onPrev" delay="0">
+                  <p:tgtEl>
+                    <p:sldTgt/>
+                  </p:tgtEl>
+                </p:cond>
+              </p:prevCondLst>
+              <p:nextCondLst>
+                <p:cond evt="onNext" delay="0">
+                  <p:tgtEl>
+                    <p:sldTgt/>
+                  </p:tgtEl>
+                </p:cond>
+              </p:nextCondLst>
+            </p:seq>
+          </p:childTnLst>
+        </p:cTn>
+      </p:par>
+    </p:tnLst>
+    <p:bldLst>
+      <p:bldP spid="9" grpId="0" build="p"/>
+    </p:bldLst>
+  </p:timing>
 </p:sld>
 </file>
 
@@ -8574,7 +14468,7 @@
           <p:nvPr/>
         </p:nvPicPr>
         <p:blipFill>
-          <a:blip r:embed="rId2"/>
+          <a:blip r:embed="rId3"/>
           <a:stretch>
             <a:fillRect/>
           </a:stretch>
@@ -8602,6 +14496,206 @@
   <p:transition spd="slow">
     <p:cover/>
   </p:transition>
+  <p:timing>
+    <p:tnLst>
+      <p:par>
+        <p:cTn id="1" dur="indefinite" restart="never" nodeType="tmRoot">
+          <p:childTnLst>
+            <p:seq concurrent="1" nextAc="seek">
+              <p:cTn id="2" dur="indefinite" nodeType="mainSeq">
+                <p:childTnLst>
+                  <p:par>
+                    <p:cTn id="3" fill="hold">
+                      <p:stCondLst>
+                        <p:cond delay="indefinite"/>
+                        <p:cond evt="onBegin" delay="0">
+                          <p:tn val="2"/>
+                        </p:cond>
+                      </p:stCondLst>
+                      <p:childTnLst>
+                        <p:par>
+                          <p:cTn id="4" fill="hold">
+                            <p:stCondLst>
+                              <p:cond delay="0"/>
+                            </p:stCondLst>
+                            <p:childTnLst>
+                              <p:par>
+                                <p:cTn id="5" presetID="2" presetClass="entr" presetSubtype="3" fill="hold" grpId="0" nodeType="withEffect">
+                                  <p:stCondLst>
+                                    <p:cond delay="0"/>
+                                  </p:stCondLst>
+                                  <p:childTnLst>
+                                    <p:set>
+                                      <p:cBhvr>
+                                        <p:cTn id="6" dur="1" fill="hold">
+                                          <p:stCondLst>
+                                            <p:cond delay="0"/>
+                                          </p:stCondLst>
+                                        </p:cTn>
+                                        <p:tgtEl>
+                                          <p:spTgt spid="2"/>
+                                        </p:tgtEl>
+                                        <p:attrNameLst>
+                                          <p:attrName>style.visibility</p:attrName>
+                                        </p:attrNameLst>
+                                      </p:cBhvr>
+                                      <p:to>
+                                        <p:strVal val="visible"/>
+                                      </p:to>
+                                    </p:set>
+                                    <p:anim calcmode="lin" valueType="num">
+                                      <p:cBhvr additive="base">
+                                        <p:cTn id="7" dur="500" fill="hold"/>
+                                        <p:tgtEl>
+                                          <p:spTgt spid="2"/>
+                                        </p:tgtEl>
+                                        <p:attrNameLst>
+                                          <p:attrName>ppt_x</p:attrName>
+                                        </p:attrNameLst>
+                                      </p:cBhvr>
+                                      <p:tavLst>
+                                        <p:tav tm="0">
+                                          <p:val>
+                                            <p:strVal val="1+#ppt_w/2"/>
+                                          </p:val>
+                                        </p:tav>
+                                        <p:tav tm="100000">
+                                          <p:val>
+                                            <p:strVal val="#ppt_x"/>
+                                          </p:val>
+                                        </p:tav>
+                                      </p:tavLst>
+                                    </p:anim>
+                                    <p:anim calcmode="lin" valueType="num">
+                                      <p:cBhvr additive="base">
+                                        <p:cTn id="8" dur="500" fill="hold"/>
+                                        <p:tgtEl>
+                                          <p:spTgt spid="2"/>
+                                        </p:tgtEl>
+                                        <p:attrNameLst>
+                                          <p:attrName>ppt_y</p:attrName>
+                                        </p:attrNameLst>
+                                      </p:cBhvr>
+                                      <p:tavLst>
+                                        <p:tav tm="0">
+                                          <p:val>
+                                            <p:strVal val="0-#ppt_h/2"/>
+                                          </p:val>
+                                        </p:tav>
+                                        <p:tav tm="100000">
+                                          <p:val>
+                                            <p:strVal val="#ppt_y"/>
+                                          </p:val>
+                                        </p:tav>
+                                      </p:tavLst>
+                                    </p:anim>
+                                  </p:childTnLst>
+                                </p:cTn>
+                              </p:par>
+                              <p:par>
+                                <p:cTn id="9" presetID="2" presetClass="entr" presetSubtype="12" fill="hold" nodeType="withEffect">
+                                  <p:stCondLst>
+                                    <p:cond delay="0"/>
+                                  </p:stCondLst>
+                                  <p:childTnLst>
+                                    <p:set>
+                                      <p:cBhvr>
+                                        <p:cTn id="10" dur="1" fill="hold">
+                                          <p:stCondLst>
+                                            <p:cond delay="0"/>
+                                          </p:stCondLst>
+                                        </p:cTn>
+                                        <p:tgtEl>
+                                          <p:spTgt spid="5"/>
+                                        </p:tgtEl>
+                                        <p:attrNameLst>
+                                          <p:attrName>style.visibility</p:attrName>
+                                        </p:attrNameLst>
+                                      </p:cBhvr>
+                                      <p:to>
+                                        <p:strVal val="visible"/>
+                                      </p:to>
+                                    </p:set>
+                                    <p:anim calcmode="lin" valueType="num">
+                                      <p:cBhvr additive="base">
+                                        <p:cTn id="11" dur="500" fill="hold"/>
+                                        <p:tgtEl>
+                                          <p:spTgt spid="5"/>
+                                        </p:tgtEl>
+                                        <p:attrNameLst>
+                                          <p:attrName>ppt_x</p:attrName>
+                                        </p:attrNameLst>
+                                      </p:cBhvr>
+                                      <p:tavLst>
+                                        <p:tav tm="0">
+                                          <p:val>
+                                            <p:strVal val="0-#ppt_w/2"/>
+                                          </p:val>
+                                        </p:tav>
+                                        <p:tav tm="100000">
+                                          <p:val>
+                                            <p:strVal val="#ppt_x"/>
+                                          </p:val>
+                                        </p:tav>
+                                      </p:tavLst>
+                                    </p:anim>
+                                    <p:anim calcmode="lin" valueType="num">
+                                      <p:cBhvr additive="base">
+                                        <p:cTn id="12" dur="500" fill="hold"/>
+                                        <p:tgtEl>
+                                          <p:spTgt spid="5"/>
+                                        </p:tgtEl>
+                                        <p:attrNameLst>
+                                          <p:attrName>ppt_y</p:attrName>
+                                        </p:attrNameLst>
+                                      </p:cBhvr>
+                                      <p:tavLst>
+                                        <p:tav tm="0">
+                                          <p:val>
+                                            <p:strVal val="1+#ppt_h/2"/>
+                                          </p:val>
+                                        </p:tav>
+                                        <p:tav tm="100000">
+                                          <p:val>
+                                            <p:strVal val="#ppt_y"/>
+                                          </p:val>
+                                        </p:tav>
+                                      </p:tavLst>
+                                    </p:anim>
+                                  </p:childTnLst>
+                                </p:cTn>
+                              </p:par>
+                            </p:childTnLst>
+                          </p:cTn>
+                        </p:par>
+                      </p:childTnLst>
+                    </p:cTn>
+                  </p:par>
+                </p:childTnLst>
+              </p:cTn>
+              <p:prevCondLst>
+                <p:cond evt="onPrev" delay="0">
+                  <p:tgtEl>
+                    <p:sldTgt/>
+                  </p:tgtEl>
+                </p:cond>
+              </p:prevCondLst>
+              <p:nextCondLst>
+                <p:cond evt="onNext" delay="0">
+                  <p:tgtEl>
+                    <p:sldTgt/>
+                  </p:tgtEl>
+                </p:cond>
+              </p:nextCondLst>
+            </p:seq>
+          </p:childTnLst>
+        </p:cTn>
+      </p:par>
+    </p:tnLst>
+    <p:bldLst>
+      <p:bldP spid="2" grpId="0"/>
+    </p:bldLst>
+  </p:timing>
 </p:sld>
 </file>
 
@@ -8873,4 +14967,299 @@
     </a:ext>
   </a:extLst>
 </a:theme>
+</file>
+
+<file path=ppt/theme/theme2.xml><?xml version="1.0" encoding="utf-8"?>
+<a:theme xmlns:a="http://schemas.openxmlformats.org/drawingml/2006/main" name="Thème Office">
+  <a:themeElements>
+    <a:clrScheme name="Office">
+      <a:dk1>
+        <a:sysClr val="windowText" lastClr="000000"/>
+      </a:dk1>
+      <a:lt1>
+        <a:sysClr val="window" lastClr="FFFFFF"/>
+      </a:lt1>
+      <a:dk2>
+        <a:srgbClr val="44546A"/>
+      </a:dk2>
+      <a:lt2>
+        <a:srgbClr val="E7E6E6"/>
+      </a:lt2>
+      <a:accent1>
+        <a:srgbClr val="4472C4"/>
+      </a:accent1>
+      <a:accent2>
+        <a:srgbClr val="ED7D31"/>
+      </a:accent2>
+      <a:accent3>
+        <a:srgbClr val="A5A5A5"/>
+      </a:accent3>
+      <a:accent4>
+        <a:srgbClr val="FFC000"/>
+      </a:accent4>
+      <a:accent5>
+        <a:srgbClr val="5B9BD5"/>
+      </a:accent5>
+      <a:accent6>
+        <a:srgbClr val="70AD47"/>
+      </a:accent6>
+      <a:hlink>
+        <a:srgbClr val="0563C1"/>
+      </a:hlink>
+      <a:folHlink>
+        <a:srgbClr val="954F72"/>
+      </a:folHlink>
+    </a:clrScheme>
+    <a:fontScheme name="Office">
+      <a:majorFont>
+        <a:latin typeface="Calibri Light" panose="020F0302020204030204"/>
+        <a:ea typeface=""/>
+        <a:cs typeface=""/>
+        <a:font script="Jpan" typeface="游ゴシック Light"/>
+        <a:font script="Hang" typeface="맑은 고딕"/>
+        <a:font script="Hans" typeface="等线 Light"/>
+        <a:font script="Hant" typeface="新細明體"/>
+        <a:font script="Arab" typeface="Times New Roman"/>
+        <a:font script="Hebr" typeface="Times New Roman"/>
+        <a:font script="Thai" typeface="Angsana New"/>
+        <a:font script="Ethi" typeface="Nyala"/>
+        <a:font script="Beng" typeface="Vrinda"/>
+        <a:font script="Gujr" typeface="Shruti"/>
+        <a:font script="Khmr" typeface="MoolBoran"/>
+        <a:font script="Knda" typeface="Tunga"/>
+        <a:font script="Guru" typeface="Raavi"/>
+        <a:font script="Cans" typeface="Euphemia"/>
+        <a:font script="Cher" typeface="Plantagenet Cherokee"/>
+        <a:font script="Yiii" typeface="Microsoft Yi Baiti"/>
+        <a:font script="Tibt" typeface="Microsoft Himalaya"/>
+        <a:font script="Thaa" typeface="MV Boli"/>
+        <a:font script="Deva" typeface="Mangal"/>
+        <a:font script="Telu" typeface="Gautami"/>
+        <a:font script="Taml" typeface="Latha"/>
+        <a:font script="Syrc" typeface="Estrangelo Edessa"/>
+        <a:font script="Orya" typeface="Kalinga"/>
+        <a:font script="Mlym" typeface="Kartika"/>
+        <a:font script="Laoo" typeface="DokChampa"/>
+        <a:font script="Sinh" typeface="Iskoola Pota"/>
+        <a:font script="Mong" typeface="Mongolian Baiti"/>
+        <a:font script="Viet" typeface="Times New Roman"/>
+        <a:font script="Uigh" typeface="Microsoft Uighur"/>
+        <a:font script="Geor" typeface="Sylfaen"/>
+        <a:font script="Armn" typeface="Arial"/>
+        <a:font script="Bugi" typeface="Leelawadee UI"/>
+        <a:font script="Bopo" typeface="Microsoft JhengHei"/>
+        <a:font script="Java" typeface="Javanese Text"/>
+        <a:font script="Lisu" typeface="Segoe UI"/>
+        <a:font script="Mymr" typeface="Myanmar Text"/>
+        <a:font script="Nkoo" typeface="Ebrima"/>
+        <a:font script="Olck" typeface="Nirmala UI"/>
+        <a:font script="Osma" typeface="Ebrima"/>
+        <a:font script="Phag" typeface="Phagspa"/>
+        <a:font script="Syrn" typeface="Estrangelo Edessa"/>
+        <a:font script="Syrj" typeface="Estrangelo Edessa"/>
+        <a:font script="Syre" typeface="Estrangelo Edessa"/>
+        <a:font script="Sora" typeface="Nirmala UI"/>
+        <a:font script="Tale" typeface="Microsoft Tai Le"/>
+        <a:font script="Talu" typeface="Microsoft New Tai Lue"/>
+        <a:font script="Tfng" typeface="Ebrima"/>
+      </a:majorFont>
+      <a:minorFont>
+        <a:latin typeface="Calibri" panose="020F0502020204030204"/>
+        <a:ea typeface=""/>
+        <a:cs typeface=""/>
+        <a:font script="Jpan" typeface="游ゴシック"/>
+        <a:font script="Hang" typeface="맑은 고딕"/>
+        <a:font script="Hans" typeface="等线"/>
+        <a:font script="Hant" typeface="新細明體"/>
+        <a:font script="Arab" typeface="Arial"/>
+        <a:font script="Hebr" typeface="Arial"/>
+        <a:font script="Thai" typeface="Cordia New"/>
+        <a:font script="Ethi" typeface="Nyala"/>
+        <a:font script="Beng" typeface="Vrinda"/>
+        <a:font script="Gujr" typeface="Shruti"/>
+        <a:font script="Khmr" typeface="DaunPenh"/>
+        <a:font script="Knda" typeface="Tunga"/>
+        <a:font script="Guru" typeface="Raavi"/>
+        <a:font script="Cans" typeface="Euphemia"/>
+        <a:font script="Cher" typeface="Plantagenet Cherokee"/>
+        <a:font script="Yiii" typeface="Microsoft Yi Baiti"/>
+        <a:font script="Tibt" typeface="Microsoft Himalaya"/>
+        <a:font script="Thaa" typeface="MV Boli"/>
+        <a:font script="Deva" typeface="Mangal"/>
+        <a:font script="Telu" typeface="Gautami"/>
+        <a:font script="Taml" typeface="Latha"/>
+        <a:font script="Syrc" typeface="Estrangelo Edessa"/>
+        <a:font script="Orya" typeface="Kalinga"/>
+        <a:font script="Mlym" typeface="Kartika"/>
+        <a:font script="Laoo" typeface="DokChampa"/>
+        <a:font script="Sinh" typeface="Iskoola Pota"/>
+        <a:font script="Mong" typeface="Mongolian Baiti"/>
+        <a:font script="Viet" typeface="Arial"/>
+        <a:font script="Uigh" typeface="Microsoft Uighur"/>
+        <a:font script="Geor" typeface="Sylfaen"/>
+        <a:font script="Armn" typeface="Arial"/>
+        <a:font script="Bugi" typeface="Leelawadee UI"/>
+        <a:font script="Bopo" typeface="Microsoft JhengHei"/>
+        <a:font script="Java" typeface="Javanese Text"/>
+        <a:font script="Lisu" typeface="Segoe UI"/>
+        <a:font script="Mymr" typeface="Myanmar Text"/>
+        <a:font script="Nkoo" typeface="Ebrima"/>
+        <a:font script="Olck" typeface="Nirmala UI"/>
+        <a:font script="Osma" typeface="Ebrima"/>
+        <a:font script="Phag" typeface="Phagspa"/>
+        <a:font script="Syrn" typeface="Estrangelo Edessa"/>
+        <a:font script="Syrj" typeface="Estrangelo Edessa"/>
+        <a:font script="Syre" typeface="Estrangelo Edessa"/>
+        <a:font script="Sora" typeface="Nirmala UI"/>
+        <a:font script="Tale" typeface="Microsoft Tai Le"/>
+        <a:font script="Talu" typeface="Microsoft New Tai Lue"/>
+        <a:font script="Tfng" typeface="Ebrima"/>
+      </a:minorFont>
+    </a:fontScheme>
+    <a:fmtScheme name="Office">
+      <a:fillStyleLst>
+        <a:solidFill>
+          <a:schemeClr val="phClr"/>
+        </a:solidFill>
+        <a:gradFill rotWithShape="1">
+          <a:gsLst>
+            <a:gs pos="0">
+              <a:schemeClr val="phClr">
+                <a:lumMod val="110000"/>
+                <a:satMod val="105000"/>
+                <a:tint val="67000"/>
+              </a:schemeClr>
+            </a:gs>
+            <a:gs pos="50000">
+              <a:schemeClr val="phClr">
+                <a:lumMod val="105000"/>
+                <a:satMod val="103000"/>
+                <a:tint val="73000"/>
+              </a:schemeClr>
+            </a:gs>
+            <a:gs pos="100000">
+              <a:schemeClr val="phClr">
+                <a:lumMod val="105000"/>
+                <a:satMod val="109000"/>
+                <a:tint val="81000"/>
+              </a:schemeClr>
+            </a:gs>
+          </a:gsLst>
+          <a:lin ang="5400000" scaled="0"/>
+        </a:gradFill>
+        <a:gradFill rotWithShape="1">
+          <a:gsLst>
+            <a:gs pos="0">
+              <a:schemeClr val="phClr">
+                <a:satMod val="103000"/>
+                <a:lumMod val="102000"/>
+                <a:tint val="94000"/>
+              </a:schemeClr>
+            </a:gs>
+            <a:gs pos="50000">
+              <a:schemeClr val="phClr">
+                <a:satMod val="110000"/>
+                <a:lumMod val="100000"/>
+                <a:shade val="100000"/>
+              </a:schemeClr>
+            </a:gs>
+            <a:gs pos="100000">
+              <a:schemeClr val="phClr">
+                <a:lumMod val="99000"/>
+                <a:satMod val="120000"/>
+                <a:shade val="78000"/>
+              </a:schemeClr>
+            </a:gs>
+          </a:gsLst>
+          <a:lin ang="5400000" scaled="0"/>
+        </a:gradFill>
+      </a:fillStyleLst>
+      <a:lnStyleLst>
+        <a:ln w="6350" cap="flat" cmpd="sng" algn="ctr">
+          <a:solidFill>
+            <a:schemeClr val="phClr"/>
+          </a:solidFill>
+          <a:prstDash val="solid"/>
+          <a:miter lim="800000"/>
+        </a:ln>
+        <a:ln w="12700" cap="flat" cmpd="sng" algn="ctr">
+          <a:solidFill>
+            <a:schemeClr val="phClr"/>
+          </a:solidFill>
+          <a:prstDash val="solid"/>
+          <a:miter lim="800000"/>
+        </a:ln>
+        <a:ln w="19050" cap="flat" cmpd="sng" algn="ctr">
+          <a:solidFill>
+            <a:schemeClr val="phClr"/>
+          </a:solidFill>
+          <a:prstDash val="solid"/>
+          <a:miter lim="800000"/>
+        </a:ln>
+      </a:lnStyleLst>
+      <a:effectStyleLst>
+        <a:effectStyle>
+          <a:effectLst/>
+        </a:effectStyle>
+        <a:effectStyle>
+          <a:effectLst/>
+        </a:effectStyle>
+        <a:effectStyle>
+          <a:effectLst>
+            <a:outerShdw blurRad="57150" dist="19050" dir="5400000" algn="ctr" rotWithShape="0">
+              <a:srgbClr val="000000">
+                <a:alpha val="63000"/>
+              </a:srgbClr>
+            </a:outerShdw>
+          </a:effectLst>
+        </a:effectStyle>
+      </a:effectStyleLst>
+      <a:bgFillStyleLst>
+        <a:solidFill>
+          <a:schemeClr val="phClr"/>
+        </a:solidFill>
+        <a:solidFill>
+          <a:schemeClr val="phClr">
+            <a:tint val="95000"/>
+            <a:satMod val="170000"/>
+          </a:schemeClr>
+        </a:solidFill>
+        <a:gradFill rotWithShape="1">
+          <a:gsLst>
+            <a:gs pos="0">
+              <a:schemeClr val="phClr">
+                <a:tint val="93000"/>
+                <a:satMod val="150000"/>
+                <a:shade val="98000"/>
+                <a:lumMod val="102000"/>
+              </a:schemeClr>
+            </a:gs>
+            <a:gs pos="50000">
+              <a:schemeClr val="phClr">
+                <a:tint val="98000"/>
+                <a:satMod val="130000"/>
+                <a:shade val="90000"/>
+                <a:lumMod val="103000"/>
+              </a:schemeClr>
+            </a:gs>
+            <a:gs pos="100000">
+              <a:schemeClr val="phClr">
+                <a:shade val="63000"/>
+                <a:satMod val="120000"/>
+              </a:schemeClr>
+            </a:gs>
+          </a:gsLst>
+          <a:lin ang="5400000" scaled="0"/>
+        </a:gradFill>
+      </a:bgFillStyleLst>
+    </a:fmtScheme>
+  </a:themeElements>
+  <a:objectDefaults/>
+  <a:extraClrSchemeLst/>
+  <a:extLst>
+    <a:ext uri="{05A4C25C-085E-4340-85A3-A5531E510DB2}">
+      <thm15:themeFamily xmlns:thm15="http://schemas.microsoft.com/office/thememl/2012/main" name="Office Theme" id="{62F939B6-93AF-4DB8-9C6B-D6C7DFDC589F}" vid="{4A3C46E8-61CC-4603-A589-7422A47A8E4A}"/>
+    </a:ext>
+  </a:extLst>
+</a:theme>
 </file>